--- a/Presentation1.pptx
+++ b/Presentation1.pptx
@@ -10,7 +10,15 @@
     <p:sldId id="258" r:id="rId4"/>
     <p:sldId id="260" r:id="rId5"/>
     <p:sldId id="261" r:id="rId6"/>
-    <p:sldId id="262" r:id="rId7"/>
+    <p:sldId id="269" r:id="rId7"/>
+    <p:sldId id="266" r:id="rId8"/>
+    <p:sldId id="268" r:id="rId9"/>
+    <p:sldId id="267" r:id="rId10"/>
+    <p:sldId id="265" r:id="rId11"/>
+    <p:sldId id="270" r:id="rId12"/>
+    <p:sldId id="263" r:id="rId13"/>
+    <p:sldId id="264" r:id="rId14"/>
+    <p:sldId id="262" r:id="rId15"/>
   </p:sldIdLst>
   <p:sldSz cx="12192000" cy="6858000"/>
   <p:notesSz cx="6858000" cy="9144000"/>
@@ -261,7 +269,7 @@
               <a:rPr lang="en-US" smtClean="0"/>
               <a:t>2/9/2019</a:t>
             </a:fld>
-            <a:endParaRPr lang="en-US"/>
+            <a:endParaRPr lang="en-US" dirty="0"/>
           </a:p>
         </p:txBody>
       </p:sp>
@@ -286,7 +294,7 @@
           <a:bodyPr/>
           <a:lstStyle/>
           <a:p>
-            <a:endParaRPr lang="en-US"/>
+            <a:endParaRPr lang="en-US" dirty="0"/>
           </a:p>
         </p:txBody>
       </p:sp>
@@ -315,7 +323,7 @@
               <a:rPr lang="en-US" smtClean="0"/>
               <a:t>‹#›</a:t>
             </a:fld>
-            <a:endParaRPr lang="en-US"/>
+            <a:endParaRPr lang="en-US" dirty="0"/>
           </a:p>
         </p:txBody>
       </p:sp>
@@ -459,7 +467,7 @@
               <a:rPr lang="en-US" smtClean="0"/>
               <a:t>2/9/2019</a:t>
             </a:fld>
-            <a:endParaRPr lang="en-US"/>
+            <a:endParaRPr lang="en-US" dirty="0"/>
           </a:p>
         </p:txBody>
       </p:sp>
@@ -484,7 +492,7 @@
           <a:bodyPr/>
           <a:lstStyle/>
           <a:p>
-            <a:endParaRPr lang="en-US"/>
+            <a:endParaRPr lang="en-US" dirty="0"/>
           </a:p>
         </p:txBody>
       </p:sp>
@@ -513,7 +521,7 @@
               <a:rPr lang="en-US" smtClean="0"/>
               <a:t>‹#›</a:t>
             </a:fld>
-            <a:endParaRPr lang="en-US"/>
+            <a:endParaRPr lang="en-US" dirty="0"/>
           </a:p>
         </p:txBody>
       </p:sp>
@@ -667,7 +675,7 @@
               <a:rPr lang="en-US" smtClean="0"/>
               <a:t>2/9/2019</a:t>
             </a:fld>
-            <a:endParaRPr lang="en-US"/>
+            <a:endParaRPr lang="en-US" dirty="0"/>
           </a:p>
         </p:txBody>
       </p:sp>
@@ -692,7 +700,7 @@
           <a:bodyPr/>
           <a:lstStyle/>
           <a:p>
-            <a:endParaRPr lang="en-US"/>
+            <a:endParaRPr lang="en-US" dirty="0"/>
           </a:p>
         </p:txBody>
       </p:sp>
@@ -721,7 +729,7 @@
               <a:rPr lang="en-US" smtClean="0"/>
               <a:t>‹#›</a:t>
             </a:fld>
-            <a:endParaRPr lang="en-US"/>
+            <a:endParaRPr lang="en-US" dirty="0"/>
           </a:p>
         </p:txBody>
       </p:sp>
@@ -865,7 +873,7 @@
               <a:rPr lang="en-US" smtClean="0"/>
               <a:t>2/9/2019</a:t>
             </a:fld>
-            <a:endParaRPr lang="en-US"/>
+            <a:endParaRPr lang="en-US" dirty="0"/>
           </a:p>
         </p:txBody>
       </p:sp>
@@ -890,7 +898,7 @@
           <a:bodyPr/>
           <a:lstStyle/>
           <a:p>
-            <a:endParaRPr lang="en-US"/>
+            <a:endParaRPr lang="en-US" dirty="0"/>
           </a:p>
         </p:txBody>
       </p:sp>
@@ -919,7 +927,7 @@
               <a:rPr lang="en-US" smtClean="0"/>
               <a:t>‹#›</a:t>
             </a:fld>
-            <a:endParaRPr lang="en-US"/>
+            <a:endParaRPr lang="en-US" dirty="0"/>
           </a:p>
         </p:txBody>
       </p:sp>
@@ -1140,7 +1148,7 @@
               <a:rPr lang="en-US" smtClean="0"/>
               <a:t>2/9/2019</a:t>
             </a:fld>
-            <a:endParaRPr lang="en-US"/>
+            <a:endParaRPr lang="en-US" dirty="0"/>
           </a:p>
         </p:txBody>
       </p:sp>
@@ -1165,7 +1173,7 @@
           <a:bodyPr/>
           <a:lstStyle/>
           <a:p>
-            <a:endParaRPr lang="en-US"/>
+            <a:endParaRPr lang="en-US" dirty="0"/>
           </a:p>
         </p:txBody>
       </p:sp>
@@ -1194,7 +1202,7 @@
               <a:rPr lang="en-US" smtClean="0"/>
               <a:t>‹#›</a:t>
             </a:fld>
-            <a:endParaRPr lang="en-US"/>
+            <a:endParaRPr lang="en-US" dirty="0"/>
           </a:p>
         </p:txBody>
       </p:sp>
@@ -1405,7 +1413,7 @@
               <a:rPr lang="en-US" smtClean="0"/>
               <a:t>2/9/2019</a:t>
             </a:fld>
-            <a:endParaRPr lang="en-US"/>
+            <a:endParaRPr lang="en-US" dirty="0"/>
           </a:p>
         </p:txBody>
       </p:sp>
@@ -1430,7 +1438,7 @@
           <a:bodyPr/>
           <a:lstStyle/>
           <a:p>
-            <a:endParaRPr lang="en-US"/>
+            <a:endParaRPr lang="en-US" dirty="0"/>
           </a:p>
         </p:txBody>
       </p:sp>
@@ -1459,7 +1467,7 @@
               <a:rPr lang="en-US" smtClean="0"/>
               <a:t>‹#›</a:t>
             </a:fld>
-            <a:endParaRPr lang="en-US"/>
+            <a:endParaRPr lang="en-US" dirty="0"/>
           </a:p>
         </p:txBody>
       </p:sp>
@@ -1817,7 +1825,7 @@
               <a:rPr lang="en-US" smtClean="0"/>
               <a:t>2/9/2019</a:t>
             </a:fld>
-            <a:endParaRPr lang="en-US"/>
+            <a:endParaRPr lang="en-US" dirty="0"/>
           </a:p>
         </p:txBody>
       </p:sp>
@@ -1842,7 +1850,7 @@
           <a:bodyPr/>
           <a:lstStyle/>
           <a:p>
-            <a:endParaRPr lang="en-US"/>
+            <a:endParaRPr lang="en-US" dirty="0"/>
           </a:p>
         </p:txBody>
       </p:sp>
@@ -1871,7 +1879,7 @@
               <a:rPr lang="en-US" smtClean="0"/>
               <a:t>‹#›</a:t>
             </a:fld>
-            <a:endParaRPr lang="en-US"/>
+            <a:endParaRPr lang="en-US" dirty="0"/>
           </a:p>
         </p:txBody>
       </p:sp>
@@ -1958,7 +1966,7 @@
               <a:rPr lang="en-US" smtClean="0"/>
               <a:t>2/9/2019</a:t>
             </a:fld>
-            <a:endParaRPr lang="en-US"/>
+            <a:endParaRPr lang="en-US" dirty="0"/>
           </a:p>
         </p:txBody>
       </p:sp>
@@ -1983,7 +1991,7 @@
           <a:bodyPr/>
           <a:lstStyle/>
           <a:p>
-            <a:endParaRPr lang="en-US"/>
+            <a:endParaRPr lang="en-US" dirty="0"/>
           </a:p>
         </p:txBody>
       </p:sp>
@@ -2012,7 +2020,7 @@
               <a:rPr lang="en-US" smtClean="0"/>
               <a:t>‹#›</a:t>
             </a:fld>
-            <a:endParaRPr lang="en-US"/>
+            <a:endParaRPr lang="en-US" dirty="0"/>
           </a:p>
         </p:txBody>
       </p:sp>
@@ -2071,7 +2079,7 @@
               <a:rPr lang="en-US" smtClean="0"/>
               <a:t>2/9/2019</a:t>
             </a:fld>
-            <a:endParaRPr lang="en-US"/>
+            <a:endParaRPr lang="en-US" dirty="0"/>
           </a:p>
         </p:txBody>
       </p:sp>
@@ -2096,7 +2104,7 @@
           <a:bodyPr/>
           <a:lstStyle/>
           <a:p>
-            <a:endParaRPr lang="en-US"/>
+            <a:endParaRPr lang="en-US" dirty="0"/>
           </a:p>
         </p:txBody>
       </p:sp>
@@ -2125,7 +2133,7 @@
               <a:rPr lang="en-US" smtClean="0"/>
               <a:t>‹#›</a:t>
             </a:fld>
-            <a:endParaRPr lang="en-US"/>
+            <a:endParaRPr lang="en-US" dirty="0"/>
           </a:p>
         </p:txBody>
       </p:sp>
@@ -2382,7 +2390,7 @@
               <a:rPr lang="en-US" smtClean="0"/>
               <a:t>2/9/2019</a:t>
             </a:fld>
-            <a:endParaRPr lang="en-US"/>
+            <a:endParaRPr lang="en-US" dirty="0"/>
           </a:p>
         </p:txBody>
       </p:sp>
@@ -2407,7 +2415,7 @@
           <a:bodyPr/>
           <a:lstStyle/>
           <a:p>
-            <a:endParaRPr lang="en-US"/>
+            <a:endParaRPr lang="en-US" dirty="0"/>
           </a:p>
         </p:txBody>
       </p:sp>
@@ -2436,7 +2444,7 @@
               <a:rPr lang="en-US" smtClean="0"/>
               <a:t>‹#›</a:t>
             </a:fld>
-            <a:endParaRPr lang="en-US"/>
+            <a:endParaRPr lang="en-US" dirty="0"/>
           </a:p>
         </p:txBody>
       </p:sp>
@@ -2570,7 +2578,7 @@
             </a:lvl9pPr>
           </a:lstStyle>
           <a:p>
-            <a:endParaRPr lang="en-US"/>
+            <a:endParaRPr lang="en-US" dirty="0"/>
           </a:p>
         </p:txBody>
       </p:sp>
@@ -2670,7 +2678,7 @@
               <a:rPr lang="en-US" smtClean="0"/>
               <a:t>2/9/2019</a:t>
             </a:fld>
-            <a:endParaRPr lang="en-US"/>
+            <a:endParaRPr lang="en-US" dirty="0"/>
           </a:p>
         </p:txBody>
       </p:sp>
@@ -2695,7 +2703,7 @@
           <a:bodyPr/>
           <a:lstStyle/>
           <a:p>
-            <a:endParaRPr lang="en-US"/>
+            <a:endParaRPr lang="en-US" dirty="0"/>
           </a:p>
         </p:txBody>
       </p:sp>
@@ -2724,7 +2732,7 @@
               <a:rPr lang="en-US" smtClean="0"/>
               <a:t>‹#›</a:t>
             </a:fld>
-            <a:endParaRPr lang="en-US"/>
+            <a:endParaRPr lang="en-US" dirty="0"/>
           </a:p>
         </p:txBody>
       </p:sp>
@@ -2941,7 +2949,7 @@
               <a:rPr lang="en-US" smtClean="0"/>
               <a:t>2/9/2019</a:t>
             </a:fld>
-            <a:endParaRPr lang="en-US"/>
+            <a:endParaRPr lang="en-US" dirty="0"/>
           </a:p>
         </p:txBody>
       </p:sp>
@@ -2984,7 +2992,7 @@
             </a:lvl1pPr>
           </a:lstStyle>
           <a:p>
-            <a:endParaRPr lang="en-US"/>
+            <a:endParaRPr lang="en-US" dirty="0"/>
           </a:p>
         </p:txBody>
       </p:sp>
@@ -3031,7 +3039,7 @@
               <a:rPr lang="en-US" smtClean="0"/>
               <a:t>‹#›</a:t>
             </a:fld>
-            <a:endParaRPr lang="en-US"/>
+            <a:endParaRPr lang="en-US" dirty="0"/>
           </a:p>
         </p:txBody>
       </p:sp>
@@ -3412,7 +3420,7 @@
           <a:lstStyle/>
           <a:p>
             <a:pPr algn="ctr"/>
-            <a:endParaRPr lang="en-US"/>
+            <a:endParaRPr lang="en-US" dirty="0"/>
           </a:p>
         </p:txBody>
       </p:sp>
@@ -3531,15 +3539,7 @@
                   <a:srgbClr val="FFFFFF"/>
                 </a:solidFill>
               </a:rPr>
-              <a:t>by: James, Milad, Xavier, and </a:t>
-            </a:r>
-            <a:r>
-              <a:rPr lang="en-US" sz="1800" dirty="0" err="1">
-                <a:solidFill>
-                  <a:srgbClr val="FFFFFF"/>
-                </a:solidFill>
-              </a:rPr>
-              <a:t>Mkayambi</a:t>
+              <a:t>by: James, Milad, Xavier, and Mkayambi</a:t>
             </a:r>
             <a:br>
               <a:rPr lang="en-US" sz="1800" dirty="0">
@@ -4050,7 +4050,7 @@
               <a:tabLst/>
               <a:defRPr/>
             </a:pPr>
-            <a:endParaRPr kumimoji="0" lang="en-US" sz="1800" b="0" i="0" u="none" strike="noStrike" kern="1200" cap="none" spc="0" normalizeH="0" baseline="0" noProof="0">
+            <a:endParaRPr kumimoji="0" lang="en-US" sz="1800" b="0" i="0" u="none" strike="noStrike" kern="1200" cap="none" spc="0" normalizeH="0" baseline="0" noProof="0" dirty="0">
               <a:ln>
                 <a:noFill/>
               </a:ln>
@@ -4268,7 +4268,7 @@
               <a:tabLst/>
               <a:defRPr/>
             </a:pPr>
-            <a:endParaRPr kumimoji="0" lang="en-US" sz="1800" b="0" i="0" u="none" strike="noStrike" kern="1200" cap="none" spc="0" normalizeH="0" baseline="0" noProof="0">
+            <a:endParaRPr kumimoji="0" lang="en-US" sz="1800" b="0" i="0" u="none" strike="noStrike" kern="1200" cap="none" spc="0" normalizeH="0" baseline="0" noProof="0" dirty="0">
               <a:ln>
                 <a:noFill/>
               </a:ln>
@@ -4346,1886 +4346,7 @@
 </p:sld>
 </file>
 
-<file path=ppt/slides/slide2.xml><?xml version="1.0" encoding="utf-8"?>
-<p:sld xmlns:a="http://schemas.openxmlformats.org/drawingml/2006/main" xmlns:r="http://schemas.openxmlformats.org/officeDocument/2006/relationships" xmlns:p="http://schemas.openxmlformats.org/presentationml/2006/main">
-  <p:cSld>
-    <p:spTree>
-      <p:nvGrpSpPr>
-        <p:cNvPr id="1" name=""/>
-        <p:cNvGrpSpPr/>
-        <p:nvPr/>
-      </p:nvGrpSpPr>
-      <p:grpSpPr>
-        <a:xfrm>
-          <a:off x="0" y="0"/>
-          <a:ext cx="0" cy="0"/>
-          <a:chOff x="0" y="0"/>
-          <a:chExt cx="0" cy="0"/>
-        </a:xfrm>
-      </p:grpSpPr>
-      <p:sp>
-        <p:nvSpPr>
-          <p:cNvPr id="30" name="Rectangle 23">
-            <a:extLst>
-              <a:ext uri="{FF2B5EF4-FFF2-40B4-BE49-F238E27FC236}">
-                <a16:creationId xmlns:a16="http://schemas.microsoft.com/office/drawing/2014/main" id="{6753252F-4873-4F63-801D-CC719279A7D5}"/>
-              </a:ext>
-              <a:ext uri="{C183D7F6-B498-43B3-948B-1728B52AA6E4}">
-                <adec:decorative xmlns:adec="http://schemas.microsoft.com/office/drawing/2017/decorative" val="1"/>
-              </a:ext>
-            </a:extLst>
-          </p:cNvPr>
-          <p:cNvSpPr>
-            <a:spLocks noGrp="1" noRot="1" noChangeAspect="1" noMove="1" noResize="1" noEditPoints="1" noAdjustHandles="1" noChangeArrowheads="1" noChangeShapeType="1" noTextEdit="1"/>
-          </p:cNvSpPr>
-          <p:nvPr>
-            <p:extLst>
-              <p:ext uri="{386F3935-93C4-4BCD-93E2-E3B085C9AB24}">
-                <p16:designElem xmlns:p16="http://schemas.microsoft.com/office/powerpoint/2015/main" val="1"/>
-              </p:ext>
-            </p:extLst>
-          </p:nvPr>
-        </p:nvSpPr>
-        <p:spPr>
-          <a:xfrm>
-            <a:off x="0" y="0"/>
-            <a:ext cx="12192000" cy="6858000"/>
-          </a:xfrm>
-          <a:prstGeom prst="rect">
-            <a:avLst/>
-          </a:prstGeom>
-          <a:solidFill>
-            <a:srgbClr val="FFFFFF"/>
-          </a:solidFill>
-          <a:ln>
-            <a:noFill/>
-          </a:ln>
-        </p:spPr>
-        <p:style>
-          <a:lnRef idx="2">
-            <a:schemeClr val="accent1">
-              <a:shade val="50000"/>
-            </a:schemeClr>
-          </a:lnRef>
-          <a:fillRef idx="1">
-            <a:schemeClr val="accent1"/>
-          </a:fillRef>
-          <a:effectRef idx="0">
-            <a:schemeClr val="accent1"/>
-          </a:effectRef>
-          <a:fontRef idx="minor">
-            <a:schemeClr val="lt1"/>
-          </a:fontRef>
-        </p:style>
-        <p:txBody>
-          <a:bodyPr rtlCol="0" anchor="ctr"/>
-          <a:lstStyle/>
-          <a:p>
-            <a:pPr algn="ctr"/>
-            <a:endParaRPr lang="en-US"/>
-          </a:p>
-        </p:txBody>
-      </p:sp>
-      <p:sp>
-        <p:nvSpPr>
-          <p:cNvPr id="31" name="Rectangle 25">
-            <a:extLst>
-              <a:ext uri="{FF2B5EF4-FFF2-40B4-BE49-F238E27FC236}">
-                <a16:creationId xmlns:a16="http://schemas.microsoft.com/office/drawing/2014/main" id="{047C8CCB-F95D-4249-92DD-651249D3535A}"/>
-              </a:ext>
-              <a:ext uri="{C183D7F6-B498-43B3-948B-1728B52AA6E4}">
-                <adec:decorative xmlns:adec="http://schemas.microsoft.com/office/drawing/2017/decorative" val="1"/>
-              </a:ext>
-            </a:extLst>
-          </p:cNvPr>
-          <p:cNvSpPr>
-            <a:spLocks noGrp="1" noRot="1" noChangeAspect="1" noMove="1" noResize="1" noEditPoints="1" noAdjustHandles="1" noChangeArrowheads="1" noChangeShapeType="1" noTextEdit="1"/>
-          </p:cNvSpPr>
-          <p:nvPr>
-            <p:extLst>
-              <p:ext uri="{386F3935-93C4-4BCD-93E2-E3B085C9AB24}">
-                <p16:designElem xmlns:p16="http://schemas.microsoft.com/office/powerpoint/2015/main" val="1"/>
-              </p:ext>
-            </p:extLst>
-          </p:nvPr>
-        </p:nvSpPr>
-        <p:spPr>
-          <a:xfrm>
-            <a:off x="0" y="0"/>
-            <a:ext cx="2013557" cy="6858000"/>
-          </a:xfrm>
-          <a:prstGeom prst="rect">
-            <a:avLst/>
-          </a:prstGeom>
-          <a:solidFill>
-            <a:srgbClr val="35513D"/>
-          </a:solidFill>
-          <a:ln>
-            <a:noFill/>
-          </a:ln>
-        </p:spPr>
-        <p:style>
-          <a:lnRef idx="2">
-            <a:schemeClr val="accent1">
-              <a:shade val="50000"/>
-            </a:schemeClr>
-          </a:lnRef>
-          <a:fillRef idx="1">
-            <a:schemeClr val="accent1"/>
-          </a:fillRef>
-          <a:effectRef idx="0">
-            <a:schemeClr val="accent1"/>
-          </a:effectRef>
-          <a:fontRef idx="minor">
-            <a:schemeClr val="lt1"/>
-          </a:fontRef>
-        </p:style>
-        <p:txBody>
-          <a:bodyPr rtlCol="0" anchor="ctr"/>
-          <a:lstStyle/>
-          <a:p>
-            <a:pPr algn="ctr"/>
-            <a:endParaRPr lang="en-US"/>
-          </a:p>
-        </p:txBody>
-      </p:sp>
-      <p:sp>
-        <p:nvSpPr>
-          <p:cNvPr id="2" name="Title 1">
-            <a:extLst>
-              <a:ext uri="{FF2B5EF4-FFF2-40B4-BE49-F238E27FC236}">
-                <a16:creationId xmlns:a16="http://schemas.microsoft.com/office/drawing/2014/main" id="{36AA3EF2-C91A-4E1F-9A33-245685CB500C}"/>
-              </a:ext>
-            </a:extLst>
-          </p:cNvPr>
-          <p:cNvSpPr>
-            <a:spLocks noGrp="1"/>
-          </p:cNvSpPr>
-          <p:nvPr>
-            <p:ph type="title"/>
-          </p:nvPr>
-        </p:nvSpPr>
-        <p:spPr>
-          <a:xfrm>
-            <a:off x="640080" y="2074363"/>
-            <a:ext cx="2752354" cy="2709275"/>
-          </a:xfrm>
-          <a:prstGeom prst="ellipse">
-            <a:avLst/>
-          </a:prstGeom>
-          <a:solidFill>
-            <a:srgbClr val="262626"/>
-          </a:solidFill>
-          <a:ln w="174625" cmpd="thinThick">
-            <a:solidFill>
-              <a:srgbClr val="262626"/>
-            </a:solidFill>
-          </a:ln>
-        </p:spPr>
-        <p:txBody>
-          <a:bodyPr vert="horz" lIns="91440" tIns="45720" rIns="91440" bIns="45720" rtlCol="0" anchor="ctr">
-            <a:normAutofit/>
-          </a:bodyPr>
-          <a:lstStyle/>
-          <a:p>
-            <a:pPr algn="ctr"/>
-            <a:r>
-              <a:rPr lang="en-US" sz="2600" kern="1200">
-                <a:solidFill>
-                  <a:srgbClr val="FFFFFF"/>
-                </a:solidFill>
-                <a:latin typeface="+mj-lt"/>
-                <a:ea typeface="+mj-ea"/>
-                <a:cs typeface="+mj-cs"/>
-              </a:rPr>
-              <a:t>               Crimes by campus</a:t>
-            </a:r>
-          </a:p>
-        </p:txBody>
-      </p:sp>
-      <p:pic>
-        <p:nvPicPr>
-          <p:cNvPr id="14" name="Content Placeholder 9">
-            <a:extLst>
-              <a:ext uri="{FF2B5EF4-FFF2-40B4-BE49-F238E27FC236}">
-                <a16:creationId xmlns:a16="http://schemas.microsoft.com/office/drawing/2014/main" id="{341EDDB4-574C-4FBB-9F99-086A74F8841A}"/>
-              </a:ext>
-            </a:extLst>
-          </p:cNvPr>
-          <p:cNvPicPr>
-            <a:picLocks noGrp="1" noChangeAspect="1"/>
-          </p:cNvPicPr>
-          <p:nvPr>
-            <p:ph sz="half" idx="2"/>
-          </p:nvPr>
-        </p:nvPicPr>
-        <p:blipFill>
-          <a:blip r:embed="rId2">
-            <a:extLst>
-              <a:ext uri="{28A0092B-C50C-407E-A947-70E740481C1C}">
-                <a14:useLocalDpi xmlns:a14="http://schemas.microsoft.com/office/drawing/2010/main" val="0"/>
-              </a:ext>
-              <a:ext uri="{837473B0-CC2E-450A-ABE3-18F120FF3D39}">
-                <a1611:picAttrSrcUrl xmlns:a1611="http://schemas.microsoft.com/office/drawing/2016/11/main" r:id="rId3"/>
-              </a:ext>
-            </a:extLst>
-          </a:blip>
-          <a:stretch>
-            <a:fillRect/>
-          </a:stretch>
-        </p:blipFill>
-        <p:spPr>
-          <a:xfrm>
-            <a:off x="4038600" y="1028244"/>
-            <a:ext cx="7188199" cy="4798122"/>
-          </a:xfrm>
-          <a:prstGeom prst="rect">
-            <a:avLst/>
-          </a:prstGeom>
-        </p:spPr>
-      </p:pic>
-      <p:sp>
-        <p:nvSpPr>
-          <p:cNvPr id="11" name="TextBox 10">
-            <a:extLst>
-              <a:ext uri="{FF2B5EF4-FFF2-40B4-BE49-F238E27FC236}">
-                <a16:creationId xmlns:a16="http://schemas.microsoft.com/office/drawing/2014/main" id="{94B8C065-A3A5-43A5-ABD0-9FFB06940218}"/>
-              </a:ext>
-            </a:extLst>
-          </p:cNvPr>
-          <p:cNvSpPr txBox="1"/>
-          <p:nvPr/>
-        </p:nvSpPr>
-        <p:spPr>
-          <a:xfrm>
-            <a:off x="8919757" y="5626311"/>
-            <a:ext cx="2307042" cy="200055"/>
-          </a:xfrm>
-          <a:prstGeom prst="rect">
-            <a:avLst/>
-          </a:prstGeom>
-          <a:solidFill>
-            <a:srgbClr val="000000"/>
-          </a:solidFill>
-        </p:spPr>
-        <p:txBody>
-          <a:bodyPr wrap="none" rtlCol="0">
-            <a:spAutoFit/>
-          </a:bodyPr>
-          <a:lstStyle/>
-          <a:p>
-            <a:pPr algn="r">
-              <a:spcAft>
-                <a:spcPts val="600"/>
-              </a:spcAft>
-            </a:pPr>
-            <a:r>
-              <a:rPr lang="en-US" sz="700">
-                <a:solidFill>
-                  <a:srgbClr val="FFFFFF"/>
-                </a:solidFill>
-                <a:hlinkClick r:id="rId3" tooltip="http://en.wikipedia.org/wiki/File:MSU_Law_School_1.jpg">
-                  <a:extLst>
-                    <a:ext uri="{A12FA001-AC4F-418D-AE19-62706E023703}">
-                      <ahyp:hlinkClr xmlns:ahyp="http://schemas.microsoft.com/office/drawing/2018/hyperlinkcolor" val="tx"/>
-                    </a:ext>
-                  </a:extLst>
-                </a:hlinkClick>
-              </a:rPr>
-              <a:t>This Photo</a:t>
-            </a:r>
-            <a:r>
-              <a:rPr lang="en-US" sz="700">
-                <a:solidFill>
-                  <a:srgbClr val="FFFFFF"/>
-                </a:solidFill>
-              </a:rPr>
-              <a:t> by Unknown Author is licensed under </a:t>
-            </a:r>
-            <a:r>
-              <a:rPr lang="en-US" sz="700">
-                <a:solidFill>
-                  <a:srgbClr val="FFFFFF"/>
-                </a:solidFill>
-                <a:hlinkClick r:id="rId4" tooltip="https://creativecommons.org/licenses/by-sa/3.0/">
-                  <a:extLst>
-                    <a:ext uri="{A12FA001-AC4F-418D-AE19-62706E023703}">
-                      <ahyp:hlinkClr xmlns:ahyp="http://schemas.microsoft.com/office/drawing/2018/hyperlinkcolor" val="tx"/>
-                    </a:ext>
-                  </a:extLst>
-                </a:hlinkClick>
-              </a:rPr>
-              <a:t>CC BY-SA</a:t>
-            </a:r>
-            <a:endParaRPr lang="en-US" sz="700">
-              <a:solidFill>
-                <a:srgbClr val="FFFFFF"/>
-              </a:solidFill>
-            </a:endParaRPr>
-          </a:p>
-        </p:txBody>
-      </p:sp>
-    </p:spTree>
-    <p:extLst>
-      <p:ext uri="{BB962C8B-B14F-4D97-AF65-F5344CB8AC3E}">
-        <p14:creationId xmlns:p14="http://schemas.microsoft.com/office/powerpoint/2010/main" val="2301836211"/>
-      </p:ext>
-    </p:extLst>
-  </p:cSld>
-  <p:clrMapOvr>
-    <a:masterClrMapping/>
-  </p:clrMapOvr>
-</p:sld>
-</file>
-
-<file path=ppt/slides/slide3.xml><?xml version="1.0" encoding="utf-8"?>
-<p:sld xmlns:a="http://schemas.openxmlformats.org/drawingml/2006/main" xmlns:r="http://schemas.openxmlformats.org/officeDocument/2006/relationships" xmlns:p="http://schemas.openxmlformats.org/presentationml/2006/main">
-  <p:cSld>
-    <p:bg>
-      <p:bgPr>
-        <a:solidFill>
-          <a:schemeClr val="tx2">
-            <a:lumMod val="60000"/>
-            <a:lumOff val="40000"/>
-          </a:schemeClr>
-        </a:solidFill>
-        <a:effectLst/>
-      </p:bgPr>
-    </p:bg>
-    <p:spTree>
-      <p:nvGrpSpPr>
-        <p:cNvPr id="1" name=""/>
-        <p:cNvGrpSpPr/>
-        <p:nvPr/>
-      </p:nvGrpSpPr>
-      <p:grpSpPr>
-        <a:xfrm>
-          <a:off x="0" y="0"/>
-          <a:ext cx="0" cy="0"/>
-          <a:chOff x="0" y="0"/>
-          <a:chExt cx="0" cy="0"/>
-        </a:xfrm>
-      </p:grpSpPr>
-      <p:sp>
-        <p:nvSpPr>
-          <p:cNvPr id="27" name="Title 26">
-            <a:extLst>
-              <a:ext uri="{FF2B5EF4-FFF2-40B4-BE49-F238E27FC236}">
-                <a16:creationId xmlns:a16="http://schemas.microsoft.com/office/drawing/2014/main" id="{D8C03D9B-3EE8-4F32-9C36-BE38BAA5BC5B}"/>
-              </a:ext>
-            </a:extLst>
-          </p:cNvPr>
-          <p:cNvSpPr>
-            <a:spLocks noGrp="1"/>
-          </p:cNvSpPr>
-          <p:nvPr>
-            <p:ph type="title"/>
-          </p:nvPr>
-        </p:nvSpPr>
-        <p:spPr>
-          <a:xfrm>
-            <a:off x="838200" y="365126"/>
-            <a:ext cx="10515600" cy="415460"/>
-          </a:xfrm>
-          <a:ln>
-            <a:solidFill>
-              <a:schemeClr val="tx1"/>
-            </a:solidFill>
-          </a:ln>
-          <a:effectLst>
-            <a:outerShdw blurRad="50800" dist="38100" dir="5400000" algn="t" rotWithShape="0">
-              <a:prstClr val="black">
-                <a:alpha val="40000"/>
-              </a:prstClr>
-            </a:outerShdw>
-          </a:effectLst>
-        </p:spPr>
-        <p:txBody>
-          <a:bodyPr>
-            <a:noAutofit/>
-          </a:bodyPr>
-          <a:lstStyle/>
-          <a:p>
-            <a:r>
-              <a:rPr lang="en-US" b="1" dirty="0">
-                <a:solidFill>
-                  <a:schemeClr val="accent2">
-                    <a:lumMod val="75000"/>
-                  </a:schemeClr>
-                </a:solidFill>
-                <a:latin typeface="Baskerville Old Face" panose="02020602080505020303" pitchFamily="18" charset="0"/>
-              </a:rPr>
-              <a:t>Crime Data by Campus</a:t>
-            </a:r>
-          </a:p>
-        </p:txBody>
-      </p:sp>
-      <p:graphicFrame>
-        <p:nvGraphicFramePr>
-          <p:cNvPr id="29" name="Content Placeholder 28">
-            <a:extLst>
-              <a:ext uri="{FF2B5EF4-FFF2-40B4-BE49-F238E27FC236}">
-                <a16:creationId xmlns:a16="http://schemas.microsoft.com/office/drawing/2014/main" id="{896681D8-5B2A-4690-87E3-8EDB7483E635}"/>
-              </a:ext>
-            </a:extLst>
-          </p:cNvPr>
-          <p:cNvGraphicFramePr>
-            <a:graphicFrameLocks noGrp="1"/>
-          </p:cNvGraphicFramePr>
-          <p:nvPr>
-            <p:ph idx="1"/>
-            <p:extLst>
-              <p:ext uri="{D42A27DB-BD31-4B8C-83A1-F6EECF244321}">
-                <p14:modId xmlns:p14="http://schemas.microsoft.com/office/powerpoint/2010/main" val="3599018158"/>
-              </p:ext>
-            </p:extLst>
-          </p:nvPr>
-        </p:nvGraphicFramePr>
-        <p:xfrm>
-          <a:off x="535260" y="981307"/>
-          <a:ext cx="11039703" cy="5606090"/>
-        </p:xfrm>
-        <a:graphic>
-          <a:graphicData uri="http://schemas.openxmlformats.org/drawingml/2006/table">
-            <a:tbl>
-              <a:tblPr firstRow="1" bandRow="1">
-                <a:tableStyleId>{5C22544A-7EE6-4342-B048-85BDC9FD1C3A}</a:tableStyleId>
-              </a:tblPr>
-              <a:tblGrid>
-                <a:gridCol w="1033069">
-                  <a:extLst>
-                    <a:ext uri="{9D8B030D-6E8A-4147-A177-3AD203B41FA5}">
-                      <a16:colId xmlns:a16="http://schemas.microsoft.com/office/drawing/2014/main" val="3289087660"/>
-                    </a:ext>
-                  </a:extLst>
-                </a:gridCol>
-                <a:gridCol w="909694">
-                  <a:extLst>
-                    <a:ext uri="{9D8B030D-6E8A-4147-A177-3AD203B41FA5}">
-                      <a16:colId xmlns:a16="http://schemas.microsoft.com/office/drawing/2014/main" val="2852807456"/>
-                    </a:ext>
-                  </a:extLst>
-                </a:gridCol>
-                <a:gridCol w="909694">
-                  <a:extLst>
-                    <a:ext uri="{9D8B030D-6E8A-4147-A177-3AD203B41FA5}">
-                      <a16:colId xmlns:a16="http://schemas.microsoft.com/office/drawing/2014/main" val="2195725110"/>
-                    </a:ext>
-                  </a:extLst>
-                </a:gridCol>
-                <a:gridCol w="909694">
-                  <a:extLst>
-                    <a:ext uri="{9D8B030D-6E8A-4147-A177-3AD203B41FA5}">
-                      <a16:colId xmlns:a16="http://schemas.microsoft.com/office/drawing/2014/main" val="2419812663"/>
-                    </a:ext>
-                  </a:extLst>
-                </a:gridCol>
-                <a:gridCol w="909694">
-                  <a:extLst>
-                    <a:ext uri="{9D8B030D-6E8A-4147-A177-3AD203B41FA5}">
-                      <a16:colId xmlns:a16="http://schemas.microsoft.com/office/drawing/2014/main" val="3973955326"/>
-                    </a:ext>
-                  </a:extLst>
-                </a:gridCol>
-                <a:gridCol w="909694">
-                  <a:extLst>
-                    <a:ext uri="{9D8B030D-6E8A-4147-A177-3AD203B41FA5}">
-                      <a16:colId xmlns:a16="http://schemas.microsoft.com/office/drawing/2014/main" val="1862961258"/>
-                    </a:ext>
-                  </a:extLst>
-                </a:gridCol>
-                <a:gridCol w="909694">
-                  <a:extLst>
-                    <a:ext uri="{9D8B030D-6E8A-4147-A177-3AD203B41FA5}">
-                      <a16:colId xmlns:a16="http://schemas.microsoft.com/office/drawing/2014/main" val="2576092979"/>
-                    </a:ext>
-                  </a:extLst>
-                </a:gridCol>
-                <a:gridCol w="909694">
-                  <a:extLst>
-                    <a:ext uri="{9D8B030D-6E8A-4147-A177-3AD203B41FA5}">
-                      <a16:colId xmlns:a16="http://schemas.microsoft.com/office/drawing/2014/main" val="1089954020"/>
-                    </a:ext>
-                  </a:extLst>
-                </a:gridCol>
-                <a:gridCol w="909694">
-                  <a:extLst>
-                    <a:ext uri="{9D8B030D-6E8A-4147-A177-3AD203B41FA5}">
-                      <a16:colId xmlns:a16="http://schemas.microsoft.com/office/drawing/2014/main" val="1124848539"/>
-                    </a:ext>
-                  </a:extLst>
-                </a:gridCol>
-                <a:gridCol w="909694">
-                  <a:extLst>
-                    <a:ext uri="{9D8B030D-6E8A-4147-A177-3AD203B41FA5}">
-                      <a16:colId xmlns:a16="http://schemas.microsoft.com/office/drawing/2014/main" val="2278626549"/>
-                    </a:ext>
-                  </a:extLst>
-                </a:gridCol>
-                <a:gridCol w="909694">
-                  <a:extLst>
-                    <a:ext uri="{9D8B030D-6E8A-4147-A177-3AD203B41FA5}">
-                      <a16:colId xmlns:a16="http://schemas.microsoft.com/office/drawing/2014/main" val="1838185647"/>
-                    </a:ext>
-                  </a:extLst>
-                </a:gridCol>
-                <a:gridCol w="909694">
-                  <a:extLst>
-                    <a:ext uri="{9D8B030D-6E8A-4147-A177-3AD203B41FA5}">
-                      <a16:colId xmlns:a16="http://schemas.microsoft.com/office/drawing/2014/main" val="845414895"/>
-                    </a:ext>
-                  </a:extLst>
-                </a:gridCol>
-              </a:tblGrid>
-              <a:tr h="911834">
-                <a:tc>
-                  <a:txBody>
-                    <a:bodyPr/>
-                    <a:lstStyle/>
-                    <a:p>
-                      <a:r>
-                        <a:rPr lang="en-US" sz="1600" dirty="0"/>
-                        <a:t>College</a:t>
-                      </a:r>
-                    </a:p>
-                  </a:txBody>
-                  <a:tcPr/>
-                </a:tc>
-                <a:tc>
-                  <a:txBody>
-                    <a:bodyPr/>
-                    <a:lstStyle/>
-                    <a:p>
-                      <a:r>
-                        <a:rPr lang="en-US" sz="1400" dirty="0"/>
-                        <a:t>Student enrollment</a:t>
-                      </a:r>
-                    </a:p>
-                  </a:txBody>
-                  <a:tcPr/>
-                </a:tc>
-                <a:tc>
-                  <a:txBody>
-                    <a:bodyPr/>
-                    <a:lstStyle/>
-                    <a:p>
-                      <a:r>
-                        <a:rPr lang="en-US" sz="1600" dirty="0"/>
-                        <a:t>Violent crime</a:t>
-                      </a:r>
-                    </a:p>
-                  </a:txBody>
-                  <a:tcPr/>
-                </a:tc>
-                <a:tc>
-                  <a:txBody>
-                    <a:bodyPr/>
-                    <a:lstStyle/>
-                    <a:p>
-                      <a:r>
-                        <a:rPr lang="en-US" sz="1400" dirty="0"/>
-                        <a:t>Murder</a:t>
-                      </a:r>
-                    </a:p>
-                  </a:txBody>
-                  <a:tcPr/>
-                </a:tc>
-                <a:tc>
-                  <a:txBody>
-                    <a:bodyPr/>
-                    <a:lstStyle/>
-                    <a:p>
-                      <a:r>
-                        <a:rPr lang="en-US" dirty="0"/>
-                        <a:t>Rape</a:t>
-                      </a:r>
-                    </a:p>
-                  </a:txBody>
-                  <a:tcPr/>
-                </a:tc>
-                <a:tc>
-                  <a:txBody>
-                    <a:bodyPr/>
-                    <a:lstStyle/>
-                    <a:p>
-                      <a:r>
-                        <a:rPr lang="en-US" sz="1400" dirty="0"/>
-                        <a:t>Robbery</a:t>
-                      </a:r>
-                    </a:p>
-                  </a:txBody>
-                  <a:tcPr/>
-                </a:tc>
-                <a:tc>
-                  <a:txBody>
-                    <a:bodyPr/>
-                    <a:lstStyle/>
-                    <a:p>
-                      <a:pPr algn="l"/>
-                      <a:r>
-                        <a:rPr lang="en-US" sz="1400" b="1" i="0" kern="1200" dirty="0">
-                          <a:solidFill>
-                            <a:schemeClr val="lt1"/>
-                          </a:solidFill>
-                          <a:effectLst/>
-                          <a:latin typeface="+mn-lt"/>
-                          <a:ea typeface="+mn-ea"/>
-                          <a:cs typeface="+mn-cs"/>
-                        </a:rPr>
-                        <a:t>Aggravated assault</a:t>
-                      </a:r>
-                      <a:endParaRPr lang="en-US" sz="1400" dirty="0"/>
-                    </a:p>
-                  </a:txBody>
-                  <a:tcPr/>
-                </a:tc>
-                <a:tc>
-                  <a:txBody>
-                    <a:bodyPr/>
-                    <a:lstStyle/>
-                    <a:p>
-                      <a:pPr algn="l" fontAlgn="ctr"/>
-                      <a:r>
-                        <a:rPr lang="en-US" sz="1400" b="1" dirty="0">
-                          <a:effectLst/>
-                        </a:rPr>
-                        <a:t>Property Crime</a:t>
-                      </a:r>
-                    </a:p>
-                  </a:txBody>
-                  <a:tcPr anchor="ctr"/>
-                </a:tc>
-                <a:tc>
-                  <a:txBody>
-                    <a:bodyPr/>
-                    <a:lstStyle/>
-                    <a:p>
-                      <a:r>
-                        <a:rPr lang="en-US" sz="1400" b="1" i="0" kern="1200" dirty="0">
-                          <a:solidFill>
-                            <a:schemeClr val="lt1"/>
-                          </a:solidFill>
-                          <a:effectLst/>
-                          <a:latin typeface="+mn-lt"/>
-                          <a:ea typeface="+mn-ea"/>
-                          <a:cs typeface="+mn-cs"/>
-                        </a:rPr>
-                        <a:t>Burglary</a:t>
-                      </a:r>
-                      <a:endParaRPr lang="en-US" sz="1400" dirty="0"/>
-                    </a:p>
-                  </a:txBody>
-                  <a:tcPr/>
-                </a:tc>
-                <a:tc>
-                  <a:txBody>
-                    <a:bodyPr/>
-                    <a:lstStyle/>
-                    <a:p>
-                      <a:r>
-                        <a:rPr lang="en-US" sz="1600" b="1" i="0" kern="1200" dirty="0">
-                          <a:solidFill>
-                            <a:schemeClr val="lt1"/>
-                          </a:solidFill>
-                          <a:effectLst/>
-                          <a:latin typeface="+mn-lt"/>
-                          <a:ea typeface="+mn-ea"/>
-                          <a:cs typeface="+mn-cs"/>
-                        </a:rPr>
-                        <a:t>Larceny-theft</a:t>
-                      </a:r>
-                      <a:endParaRPr lang="en-US" sz="1600" dirty="0"/>
-                    </a:p>
-                  </a:txBody>
-                  <a:tcPr/>
-                </a:tc>
-                <a:tc>
-                  <a:txBody>
-                    <a:bodyPr/>
-                    <a:lstStyle/>
-                    <a:p>
-                      <a:pPr algn="r" fontAlgn="ctr"/>
-                      <a:r>
-                        <a:rPr lang="en-US" sz="1600" b="1" dirty="0">
-                          <a:effectLst/>
-                        </a:rPr>
-                        <a:t>Motor vehicle theft</a:t>
-                      </a:r>
-                    </a:p>
-                  </a:txBody>
-                  <a:tcPr anchor="ctr"/>
-                </a:tc>
-                <a:tc>
-                  <a:txBody>
-                    <a:bodyPr/>
-                    <a:lstStyle/>
-                    <a:p>
-                      <a:r>
-                        <a:rPr lang="en-US" sz="1800" b="1" i="0" kern="1200" dirty="0">
-                          <a:solidFill>
-                            <a:schemeClr val="lt1"/>
-                          </a:solidFill>
-                          <a:effectLst/>
-                          <a:latin typeface="+mn-lt"/>
-                          <a:ea typeface="+mn-ea"/>
-                          <a:cs typeface="+mn-cs"/>
-                        </a:rPr>
-                        <a:t>Arson</a:t>
-                      </a:r>
-                      <a:endParaRPr lang="en-US" dirty="0"/>
-                    </a:p>
-                  </a:txBody>
-                  <a:tcPr/>
-                </a:tc>
-                <a:extLst>
-                  <a:ext uri="{0D108BD9-81ED-4DB2-BD59-A6C34878D82A}">
-                    <a16:rowId xmlns:a16="http://schemas.microsoft.com/office/drawing/2014/main" val="2697534041"/>
-                  </a:ext>
-                </a:extLst>
-              </a:tr>
-              <a:tr h="844290">
-                <a:tc>
-                  <a:txBody>
-                    <a:bodyPr/>
-                    <a:lstStyle/>
-                    <a:p>
-                      <a:r>
-                        <a:rPr lang="en-US" sz="1100" dirty="0"/>
-                        <a:t>California State University, Pomona </a:t>
-                      </a:r>
-                    </a:p>
-                  </a:txBody>
-                  <a:tcPr/>
-                </a:tc>
-                <a:tc>
-                  <a:txBody>
-                    <a:bodyPr/>
-                    <a:lstStyle/>
-                    <a:p>
-                      <a:r>
-                        <a:rPr lang="en-US" sz="1800" b="0" i="0" kern="1200" dirty="0">
-                          <a:solidFill>
-                            <a:schemeClr val="dk1"/>
-                          </a:solidFill>
-                          <a:effectLst/>
-                          <a:latin typeface="+mn-lt"/>
-                          <a:ea typeface="+mn-ea"/>
-                          <a:cs typeface="+mn-cs"/>
-                        </a:rPr>
-                        <a:t>23966</a:t>
-                      </a:r>
-                      <a:endParaRPr lang="en-US" dirty="0"/>
-                    </a:p>
-                  </a:txBody>
-                  <a:tcPr/>
-                </a:tc>
-                <a:tc>
-                  <a:txBody>
-                    <a:bodyPr/>
-                    <a:lstStyle/>
-                    <a:p>
-                      <a:r>
-                        <a:rPr lang="en-US" dirty="0"/>
-                        <a:t>6</a:t>
-                      </a:r>
-                    </a:p>
-                  </a:txBody>
-                  <a:tcPr/>
-                </a:tc>
-                <a:tc>
-                  <a:txBody>
-                    <a:bodyPr/>
-                    <a:lstStyle/>
-                    <a:p>
-                      <a:r>
-                        <a:rPr lang="en-US" dirty="0"/>
-                        <a:t>0</a:t>
-                      </a:r>
-                    </a:p>
-                  </a:txBody>
-                  <a:tcPr/>
-                </a:tc>
-                <a:tc>
-                  <a:txBody>
-                    <a:bodyPr/>
-                    <a:lstStyle/>
-                    <a:p>
-                      <a:r>
-                        <a:rPr lang="en-US" dirty="0"/>
-                        <a:t>4</a:t>
-                      </a:r>
-                    </a:p>
-                  </a:txBody>
-                  <a:tcPr/>
-                </a:tc>
-                <a:tc>
-                  <a:txBody>
-                    <a:bodyPr/>
-                    <a:lstStyle/>
-                    <a:p>
-                      <a:r>
-                        <a:rPr lang="en-US" dirty="0"/>
-                        <a:t>1</a:t>
-                      </a:r>
-                    </a:p>
-                  </a:txBody>
-                  <a:tcPr/>
-                </a:tc>
-                <a:tc>
-                  <a:txBody>
-                    <a:bodyPr/>
-                    <a:lstStyle/>
-                    <a:p>
-                      <a:r>
-                        <a:rPr lang="en-US" dirty="0"/>
-                        <a:t>1</a:t>
-                      </a:r>
-                    </a:p>
-                  </a:txBody>
-                  <a:tcPr/>
-                </a:tc>
-                <a:tc>
-                  <a:txBody>
-                    <a:bodyPr/>
-                    <a:lstStyle/>
-                    <a:p>
-                      <a:r>
-                        <a:rPr lang="en-US" dirty="0"/>
-                        <a:t>173</a:t>
-                      </a:r>
-                    </a:p>
-                  </a:txBody>
-                  <a:tcPr/>
-                </a:tc>
-                <a:tc>
-                  <a:txBody>
-                    <a:bodyPr/>
-                    <a:lstStyle/>
-                    <a:p>
-                      <a:r>
-                        <a:rPr lang="en-US" dirty="0"/>
-                        <a:t>5</a:t>
-                      </a:r>
-                    </a:p>
-                  </a:txBody>
-                  <a:tcPr/>
-                </a:tc>
-                <a:tc>
-                  <a:txBody>
-                    <a:bodyPr/>
-                    <a:lstStyle/>
-                    <a:p>
-                      <a:r>
-                        <a:rPr lang="en-US" dirty="0"/>
-                        <a:t>150</a:t>
-                      </a:r>
-                    </a:p>
-                  </a:txBody>
-                  <a:tcPr/>
-                </a:tc>
-                <a:tc>
-                  <a:txBody>
-                    <a:bodyPr/>
-                    <a:lstStyle/>
-                    <a:p>
-                      <a:r>
-                        <a:rPr lang="en-US" dirty="0"/>
-                        <a:t>18</a:t>
-                      </a:r>
-                    </a:p>
-                  </a:txBody>
-                  <a:tcPr/>
-                </a:tc>
-                <a:tc>
-                  <a:txBody>
-                    <a:bodyPr/>
-                    <a:lstStyle/>
-                    <a:p>
-                      <a:r>
-                        <a:rPr lang="en-US" dirty="0"/>
-                        <a:t>1</a:t>
-                      </a:r>
-                    </a:p>
-                  </a:txBody>
-                  <a:tcPr/>
-                </a:tc>
-                <a:extLst>
-                  <a:ext uri="{0D108BD9-81ED-4DB2-BD59-A6C34878D82A}">
-                    <a16:rowId xmlns:a16="http://schemas.microsoft.com/office/drawing/2014/main" val="1154403988"/>
-                  </a:ext>
-                </a:extLst>
-              </a:tr>
-              <a:tr h="1030035">
-                <a:tc>
-                  <a:txBody>
-                    <a:bodyPr/>
-                    <a:lstStyle/>
-                    <a:p>
-                      <a:pPr algn="r" fontAlgn="ctr"/>
-                      <a:r>
-                        <a:rPr lang="en-US" sz="1100" dirty="0">
-                          <a:effectLst/>
-                        </a:rPr>
-                        <a:t>California State Polytechnic </a:t>
-                      </a:r>
-                      <a:r>
-                        <a:rPr lang="en-US" sz="1100" dirty="0" err="1">
-                          <a:effectLst/>
-                        </a:rPr>
-                        <a:t>University,San</a:t>
-                      </a:r>
-                      <a:r>
-                        <a:rPr lang="en-US" sz="1100" dirty="0">
-                          <a:effectLst/>
-                        </a:rPr>
-                        <a:t> Luis Obispo</a:t>
-                      </a:r>
-                    </a:p>
-                  </a:txBody>
-                  <a:tcPr anchor="ctr"/>
-                </a:tc>
-                <a:tc>
-                  <a:txBody>
-                    <a:bodyPr/>
-                    <a:lstStyle/>
-                    <a:p>
-                      <a:r>
-                        <a:rPr lang="en-US" sz="1800" b="0" i="0" kern="1200" dirty="0">
-                          <a:solidFill>
-                            <a:schemeClr val="dk1"/>
-                          </a:solidFill>
-                          <a:effectLst/>
-                          <a:latin typeface="+mn-lt"/>
-                          <a:ea typeface="+mn-ea"/>
-                          <a:cs typeface="+mn-cs"/>
-                        </a:rPr>
-                        <a:t>20186</a:t>
-                      </a:r>
-                      <a:endParaRPr lang="en-US" dirty="0"/>
-                    </a:p>
-                  </a:txBody>
-                  <a:tcPr/>
-                </a:tc>
-                <a:tc>
-                  <a:txBody>
-                    <a:bodyPr/>
-                    <a:lstStyle/>
-                    <a:p>
-                      <a:r>
-                        <a:rPr lang="en-US" dirty="0"/>
-                        <a:t>3</a:t>
-                      </a:r>
-                    </a:p>
-                  </a:txBody>
-                  <a:tcPr/>
-                </a:tc>
-                <a:tc>
-                  <a:txBody>
-                    <a:bodyPr/>
-                    <a:lstStyle/>
-                    <a:p>
-                      <a:r>
-                        <a:rPr lang="en-US" dirty="0"/>
-                        <a:t>0</a:t>
-                      </a:r>
-                    </a:p>
-                  </a:txBody>
-                  <a:tcPr/>
-                </a:tc>
-                <a:tc>
-                  <a:txBody>
-                    <a:bodyPr/>
-                    <a:lstStyle/>
-                    <a:p>
-                      <a:r>
-                        <a:rPr lang="en-US" dirty="0"/>
-                        <a:t>2</a:t>
-                      </a:r>
-                    </a:p>
-                  </a:txBody>
-                  <a:tcPr/>
-                </a:tc>
-                <a:tc>
-                  <a:txBody>
-                    <a:bodyPr/>
-                    <a:lstStyle/>
-                    <a:p>
-                      <a:r>
-                        <a:rPr lang="en-US" dirty="0"/>
-                        <a:t>0</a:t>
-                      </a:r>
-                    </a:p>
-                  </a:txBody>
-                  <a:tcPr/>
-                </a:tc>
-                <a:tc>
-                  <a:txBody>
-                    <a:bodyPr/>
-                    <a:lstStyle/>
-                    <a:p>
-                      <a:r>
-                        <a:rPr lang="en-US" dirty="0"/>
-                        <a:t>1</a:t>
-                      </a:r>
-                    </a:p>
-                  </a:txBody>
-                  <a:tcPr/>
-                </a:tc>
-                <a:tc>
-                  <a:txBody>
-                    <a:bodyPr/>
-                    <a:lstStyle/>
-                    <a:p>
-                      <a:r>
-                        <a:rPr lang="en-US" dirty="0"/>
-                        <a:t>163</a:t>
-                      </a:r>
-                    </a:p>
-                  </a:txBody>
-                  <a:tcPr/>
-                </a:tc>
-                <a:tc>
-                  <a:txBody>
-                    <a:bodyPr/>
-                    <a:lstStyle/>
-                    <a:p>
-                      <a:r>
-                        <a:rPr lang="en-US" dirty="0"/>
-                        <a:t>7</a:t>
-                      </a:r>
-                    </a:p>
-                  </a:txBody>
-                  <a:tcPr/>
-                </a:tc>
-                <a:tc>
-                  <a:txBody>
-                    <a:bodyPr/>
-                    <a:lstStyle/>
-                    <a:p>
-                      <a:r>
-                        <a:rPr lang="en-US" dirty="0"/>
-                        <a:t>149</a:t>
-                      </a:r>
-                    </a:p>
-                  </a:txBody>
-                  <a:tcPr/>
-                </a:tc>
-                <a:tc>
-                  <a:txBody>
-                    <a:bodyPr/>
-                    <a:lstStyle/>
-                    <a:p>
-                      <a:r>
-                        <a:rPr lang="en-US" dirty="0"/>
-                        <a:t>7</a:t>
-                      </a:r>
-                    </a:p>
-                  </a:txBody>
-                  <a:tcPr/>
-                </a:tc>
-                <a:tc>
-                  <a:txBody>
-                    <a:bodyPr/>
-                    <a:lstStyle/>
-                    <a:p>
-                      <a:r>
-                        <a:rPr lang="en-US" dirty="0"/>
-                        <a:t>1</a:t>
-                      </a:r>
-                    </a:p>
-                  </a:txBody>
-                  <a:tcPr/>
-                </a:tc>
-                <a:extLst>
-                  <a:ext uri="{0D108BD9-81ED-4DB2-BD59-A6C34878D82A}">
-                    <a16:rowId xmlns:a16="http://schemas.microsoft.com/office/drawing/2014/main" val="3881823210"/>
-                  </a:ext>
-                </a:extLst>
-              </a:tr>
-              <a:tr h="844290">
-                <a:tc>
-                  <a:txBody>
-                    <a:bodyPr/>
-                    <a:lstStyle/>
-                    <a:p>
-                      <a:r>
-                        <a:rPr lang="en-US" sz="1100" b="0" i="0" kern="1200" dirty="0">
-                          <a:solidFill>
-                            <a:schemeClr val="dk1"/>
-                          </a:solidFill>
-                          <a:effectLst/>
-                          <a:latin typeface="+mn-lt"/>
-                          <a:ea typeface="+mn-ea"/>
-                          <a:cs typeface="+mn-cs"/>
-                        </a:rPr>
-                        <a:t>California State </a:t>
-                      </a:r>
-                      <a:r>
-                        <a:rPr lang="en-US" sz="1100" b="0" i="0" kern="1200" dirty="0" err="1">
-                          <a:solidFill>
-                            <a:schemeClr val="dk1"/>
-                          </a:solidFill>
-                          <a:effectLst/>
-                          <a:latin typeface="+mn-lt"/>
-                          <a:ea typeface="+mn-ea"/>
-                          <a:cs typeface="+mn-cs"/>
-                        </a:rPr>
-                        <a:t>University,Bakersfield</a:t>
-                      </a:r>
-                      <a:endParaRPr lang="en-US" sz="1100" dirty="0"/>
-                    </a:p>
-                  </a:txBody>
-                  <a:tcPr/>
-                </a:tc>
-                <a:tc>
-                  <a:txBody>
-                    <a:bodyPr/>
-                    <a:lstStyle/>
-                    <a:p>
-                      <a:r>
-                        <a:rPr lang="en-US" dirty="0"/>
-                        <a:t>8720</a:t>
-                      </a:r>
-                    </a:p>
-                  </a:txBody>
-                  <a:tcPr/>
-                </a:tc>
-                <a:tc>
-                  <a:txBody>
-                    <a:bodyPr/>
-                    <a:lstStyle/>
-                    <a:p>
-                      <a:r>
-                        <a:rPr lang="en-US" dirty="0"/>
-                        <a:t>1</a:t>
-                      </a:r>
-                    </a:p>
-                  </a:txBody>
-                  <a:tcPr/>
-                </a:tc>
-                <a:tc>
-                  <a:txBody>
-                    <a:bodyPr/>
-                    <a:lstStyle/>
-                    <a:p>
-                      <a:r>
-                        <a:rPr lang="en-US" dirty="0"/>
-                        <a:t>0</a:t>
-                      </a:r>
-                    </a:p>
-                  </a:txBody>
-                  <a:tcPr/>
-                </a:tc>
-                <a:tc>
-                  <a:txBody>
-                    <a:bodyPr/>
-                    <a:lstStyle/>
-                    <a:p>
-                      <a:r>
-                        <a:rPr lang="en-US" dirty="0"/>
-                        <a:t>0</a:t>
-                      </a:r>
-                    </a:p>
-                  </a:txBody>
-                  <a:tcPr/>
-                </a:tc>
-                <a:tc>
-                  <a:txBody>
-                    <a:bodyPr/>
-                    <a:lstStyle/>
-                    <a:p>
-                      <a:r>
-                        <a:rPr lang="en-US" dirty="0"/>
-                        <a:t>0</a:t>
-                      </a:r>
-                    </a:p>
-                  </a:txBody>
-                  <a:tcPr/>
-                </a:tc>
-                <a:tc>
-                  <a:txBody>
-                    <a:bodyPr/>
-                    <a:lstStyle/>
-                    <a:p>
-                      <a:r>
-                        <a:rPr lang="en-US" dirty="0"/>
-                        <a:t>1</a:t>
-                      </a:r>
-                    </a:p>
-                  </a:txBody>
-                  <a:tcPr/>
-                </a:tc>
-                <a:tc>
-                  <a:txBody>
-                    <a:bodyPr/>
-                    <a:lstStyle/>
-                    <a:p>
-                      <a:r>
-                        <a:rPr lang="en-US" dirty="0"/>
-                        <a:t>78</a:t>
-                      </a:r>
-                    </a:p>
-                  </a:txBody>
-                  <a:tcPr/>
-                </a:tc>
-                <a:tc>
-                  <a:txBody>
-                    <a:bodyPr/>
-                    <a:lstStyle/>
-                    <a:p>
-                      <a:r>
-                        <a:rPr lang="en-US" dirty="0"/>
-                        <a:t>12</a:t>
-                      </a:r>
-                    </a:p>
-                  </a:txBody>
-                  <a:tcPr/>
-                </a:tc>
-                <a:tc>
-                  <a:txBody>
-                    <a:bodyPr/>
-                    <a:lstStyle/>
-                    <a:p>
-                      <a:r>
-                        <a:rPr lang="en-US" dirty="0"/>
-                        <a:t>65</a:t>
-                      </a:r>
-                    </a:p>
-                  </a:txBody>
-                  <a:tcPr/>
-                </a:tc>
-                <a:tc>
-                  <a:txBody>
-                    <a:bodyPr/>
-                    <a:lstStyle/>
-                    <a:p>
-                      <a:r>
-                        <a:rPr lang="en-US" dirty="0"/>
-                        <a:t>1</a:t>
-                      </a:r>
-                    </a:p>
-                  </a:txBody>
-                  <a:tcPr/>
-                </a:tc>
-                <a:tc>
-                  <a:txBody>
-                    <a:bodyPr/>
-                    <a:lstStyle/>
-                    <a:p>
-                      <a:r>
-                        <a:rPr lang="en-US" dirty="0"/>
-                        <a:t>0</a:t>
-                      </a:r>
-                    </a:p>
-                  </a:txBody>
-                  <a:tcPr/>
-                </a:tc>
-                <a:extLst>
-                  <a:ext uri="{0D108BD9-81ED-4DB2-BD59-A6C34878D82A}">
-                    <a16:rowId xmlns:a16="http://schemas.microsoft.com/office/drawing/2014/main" val="2663477297"/>
-                  </a:ext>
-                </a:extLst>
-              </a:tr>
-              <a:tr h="658547">
-                <a:tc>
-                  <a:txBody>
-                    <a:bodyPr/>
-                    <a:lstStyle/>
-                    <a:p>
-                      <a:pPr algn="r" fontAlgn="ctr"/>
-                      <a:r>
-                        <a:rPr lang="en-US" sz="1100" dirty="0">
-                          <a:effectLst/>
-                        </a:rPr>
-                        <a:t>University of </a:t>
-                      </a:r>
-                      <a:r>
-                        <a:rPr lang="en-US" sz="1100" dirty="0" err="1">
-                          <a:effectLst/>
-                        </a:rPr>
-                        <a:t>California,Davis</a:t>
-                      </a:r>
-                      <a:endParaRPr lang="en-US" sz="1100" dirty="0">
-                        <a:effectLst/>
-                      </a:endParaRPr>
-                    </a:p>
-                  </a:txBody>
-                  <a:tcPr anchor="ctr"/>
-                </a:tc>
-                <a:tc>
-                  <a:txBody>
-                    <a:bodyPr/>
-                    <a:lstStyle/>
-                    <a:p>
-                      <a:r>
-                        <a:rPr lang="en-US" sz="1800" b="0" i="0" kern="1200" dirty="0">
-                          <a:solidFill>
-                            <a:schemeClr val="dk1"/>
-                          </a:solidFill>
-                          <a:effectLst/>
-                          <a:latin typeface="+mn-lt"/>
-                          <a:ea typeface="+mn-ea"/>
-                          <a:cs typeface="+mn-cs"/>
-                        </a:rPr>
-                        <a:t>34508</a:t>
-                      </a:r>
-                      <a:endParaRPr lang="en-US" dirty="0"/>
-                    </a:p>
-                  </a:txBody>
-                  <a:tcPr/>
-                </a:tc>
-                <a:tc>
-                  <a:txBody>
-                    <a:bodyPr/>
-                    <a:lstStyle/>
-                    <a:p>
-                      <a:r>
-                        <a:rPr lang="en-US" dirty="0"/>
-                        <a:t>22</a:t>
-                      </a:r>
-                    </a:p>
-                  </a:txBody>
-                  <a:tcPr/>
-                </a:tc>
-                <a:tc>
-                  <a:txBody>
-                    <a:bodyPr/>
-                    <a:lstStyle/>
-                    <a:p>
-                      <a:r>
-                        <a:rPr lang="en-US" dirty="0"/>
-                        <a:t>0</a:t>
-                      </a:r>
-                    </a:p>
-                  </a:txBody>
-                  <a:tcPr/>
-                </a:tc>
-                <a:tc>
-                  <a:txBody>
-                    <a:bodyPr/>
-                    <a:lstStyle/>
-                    <a:p>
-                      <a:r>
-                        <a:rPr lang="en-US" dirty="0"/>
-                        <a:t>13</a:t>
-                      </a:r>
-                    </a:p>
-                  </a:txBody>
-                  <a:tcPr/>
-                </a:tc>
-                <a:tc>
-                  <a:txBody>
-                    <a:bodyPr/>
-                    <a:lstStyle/>
-                    <a:p>
-                      <a:r>
-                        <a:rPr lang="en-US" dirty="0"/>
-                        <a:t>4</a:t>
-                      </a:r>
-                    </a:p>
-                  </a:txBody>
-                  <a:tcPr/>
-                </a:tc>
-                <a:tc>
-                  <a:txBody>
-                    <a:bodyPr/>
-                    <a:lstStyle/>
-                    <a:p>
-                      <a:r>
-                        <a:rPr lang="en-US" dirty="0"/>
-                        <a:t>5</a:t>
-                      </a:r>
-                    </a:p>
-                  </a:txBody>
-                  <a:tcPr/>
-                </a:tc>
-                <a:tc>
-                  <a:txBody>
-                    <a:bodyPr/>
-                    <a:lstStyle/>
-                    <a:p>
-                      <a:r>
-                        <a:rPr lang="en-US" dirty="0"/>
-                        <a:t>600</a:t>
-                      </a:r>
-                    </a:p>
-                  </a:txBody>
-                  <a:tcPr/>
-                </a:tc>
-                <a:tc>
-                  <a:txBody>
-                    <a:bodyPr/>
-                    <a:lstStyle/>
-                    <a:p>
-                      <a:r>
-                        <a:rPr lang="en-US" dirty="0"/>
-                        <a:t>27</a:t>
-                      </a:r>
-                    </a:p>
-                  </a:txBody>
-                  <a:tcPr/>
-                </a:tc>
-                <a:tc>
-                  <a:txBody>
-                    <a:bodyPr/>
-                    <a:lstStyle/>
-                    <a:p>
-                      <a:r>
-                        <a:rPr lang="en-US" dirty="0"/>
-                        <a:t>568</a:t>
-                      </a:r>
-                    </a:p>
-                  </a:txBody>
-                  <a:tcPr/>
-                </a:tc>
-                <a:tc>
-                  <a:txBody>
-                    <a:bodyPr/>
-                    <a:lstStyle/>
-                    <a:p>
-                      <a:r>
-                        <a:rPr lang="en-US" dirty="0"/>
-                        <a:t>5</a:t>
-                      </a:r>
-                    </a:p>
-                  </a:txBody>
-                  <a:tcPr/>
-                </a:tc>
-                <a:tc>
-                  <a:txBody>
-                    <a:bodyPr/>
-                    <a:lstStyle/>
-                    <a:p>
-                      <a:r>
-                        <a:rPr lang="en-US" dirty="0"/>
-                        <a:t>3</a:t>
-                      </a:r>
-                    </a:p>
-                  </a:txBody>
-                  <a:tcPr/>
-                </a:tc>
-                <a:extLst>
-                  <a:ext uri="{0D108BD9-81ED-4DB2-BD59-A6C34878D82A}">
-                    <a16:rowId xmlns:a16="http://schemas.microsoft.com/office/drawing/2014/main" val="872081271"/>
-                  </a:ext>
-                </a:extLst>
-              </a:tr>
-              <a:tr h="658547">
-                <a:tc>
-                  <a:txBody>
-                    <a:bodyPr/>
-                    <a:lstStyle/>
-                    <a:p>
-                      <a:r>
-                        <a:rPr lang="en-US" sz="1100" b="0" i="0" kern="1200" dirty="0">
-                          <a:solidFill>
-                            <a:schemeClr val="dk1"/>
-                          </a:solidFill>
-                          <a:effectLst/>
-                          <a:latin typeface="+mn-lt"/>
-                          <a:ea typeface="+mn-ea"/>
-                          <a:cs typeface="+mn-cs"/>
-                        </a:rPr>
-                        <a:t>University of </a:t>
-                      </a:r>
-                      <a:r>
-                        <a:rPr lang="en-US" sz="1100" b="0" i="0" kern="1200" dirty="0" err="1">
-                          <a:solidFill>
-                            <a:schemeClr val="dk1"/>
-                          </a:solidFill>
-                          <a:effectLst/>
-                          <a:latin typeface="+mn-lt"/>
-                          <a:ea typeface="+mn-ea"/>
-                          <a:cs typeface="+mn-cs"/>
-                        </a:rPr>
-                        <a:t>California,San</a:t>
-                      </a:r>
-                      <a:r>
-                        <a:rPr lang="en-US" sz="1100" b="0" i="0" kern="1200" dirty="0">
-                          <a:solidFill>
-                            <a:schemeClr val="dk1"/>
-                          </a:solidFill>
-                          <a:effectLst/>
-                          <a:latin typeface="+mn-lt"/>
-                          <a:ea typeface="+mn-ea"/>
-                          <a:cs typeface="+mn-cs"/>
-                        </a:rPr>
-                        <a:t> Francisco</a:t>
-                      </a:r>
-                      <a:endParaRPr lang="en-US" sz="1100" dirty="0"/>
-                    </a:p>
-                  </a:txBody>
-                  <a:tcPr/>
-                </a:tc>
-                <a:tc>
-                  <a:txBody>
-                    <a:bodyPr/>
-                    <a:lstStyle/>
-                    <a:p>
-                      <a:r>
-                        <a:rPr lang="en-US" sz="1800" b="0" i="0" kern="1200" dirty="0">
-                          <a:solidFill>
-                            <a:schemeClr val="dk1"/>
-                          </a:solidFill>
-                          <a:effectLst/>
-                          <a:latin typeface="+mn-lt"/>
-                          <a:ea typeface="+mn-ea"/>
-                          <a:cs typeface="+mn-cs"/>
-                        </a:rPr>
-                        <a:t>3170</a:t>
-                      </a:r>
-                      <a:endParaRPr lang="en-US" dirty="0"/>
-                    </a:p>
-                  </a:txBody>
-                  <a:tcPr/>
-                </a:tc>
-                <a:tc>
-                  <a:txBody>
-                    <a:bodyPr/>
-                    <a:lstStyle/>
-                    <a:p>
-                      <a:r>
-                        <a:rPr lang="en-US" dirty="0"/>
-                        <a:t>15</a:t>
-                      </a:r>
-                    </a:p>
-                  </a:txBody>
-                  <a:tcPr/>
-                </a:tc>
-                <a:tc>
-                  <a:txBody>
-                    <a:bodyPr/>
-                    <a:lstStyle/>
-                    <a:p>
-                      <a:r>
-                        <a:rPr lang="en-US" dirty="0"/>
-                        <a:t>0</a:t>
-                      </a:r>
-                    </a:p>
-                  </a:txBody>
-                  <a:tcPr/>
-                </a:tc>
-                <a:tc>
-                  <a:txBody>
-                    <a:bodyPr/>
-                    <a:lstStyle/>
-                    <a:p>
-                      <a:r>
-                        <a:rPr lang="en-US" dirty="0"/>
-                        <a:t>1</a:t>
-                      </a:r>
-                    </a:p>
-                  </a:txBody>
-                  <a:tcPr/>
-                </a:tc>
-                <a:tc>
-                  <a:txBody>
-                    <a:bodyPr/>
-                    <a:lstStyle/>
-                    <a:p>
-                      <a:r>
-                        <a:rPr lang="en-US" dirty="0"/>
-                        <a:t>4</a:t>
-                      </a:r>
-                    </a:p>
-                  </a:txBody>
-                  <a:tcPr/>
-                </a:tc>
-                <a:tc>
-                  <a:txBody>
-                    <a:bodyPr/>
-                    <a:lstStyle/>
-                    <a:p>
-                      <a:r>
-                        <a:rPr lang="en-US" dirty="0"/>
-                        <a:t>10</a:t>
-                      </a:r>
-                    </a:p>
-                  </a:txBody>
-                  <a:tcPr/>
-                </a:tc>
-                <a:tc>
-                  <a:txBody>
-                    <a:bodyPr/>
-                    <a:lstStyle/>
-                    <a:p>
-                      <a:r>
-                        <a:rPr lang="en-US" dirty="0"/>
-                        <a:t>437</a:t>
-                      </a:r>
-                    </a:p>
-                  </a:txBody>
-                  <a:tcPr/>
-                </a:tc>
-                <a:tc>
-                  <a:txBody>
-                    <a:bodyPr/>
-                    <a:lstStyle/>
-                    <a:p>
-                      <a:r>
-                        <a:rPr lang="en-US" dirty="0"/>
-                        <a:t>34</a:t>
-                      </a:r>
-                    </a:p>
-                  </a:txBody>
-                  <a:tcPr/>
-                </a:tc>
-                <a:tc>
-                  <a:txBody>
-                    <a:bodyPr/>
-                    <a:lstStyle/>
-                    <a:p>
-                      <a:r>
-                        <a:rPr lang="en-US" dirty="0"/>
-                        <a:t>387</a:t>
-                      </a:r>
-                    </a:p>
-                  </a:txBody>
-                  <a:tcPr/>
-                </a:tc>
-                <a:tc>
-                  <a:txBody>
-                    <a:bodyPr/>
-                    <a:lstStyle/>
-                    <a:p>
-                      <a:r>
-                        <a:rPr lang="en-US" dirty="0"/>
-                        <a:t>16</a:t>
-                      </a:r>
-                    </a:p>
-                  </a:txBody>
-                  <a:tcPr/>
-                </a:tc>
-                <a:tc>
-                  <a:txBody>
-                    <a:bodyPr/>
-                    <a:lstStyle/>
-                    <a:p>
-                      <a:r>
-                        <a:rPr lang="en-US" dirty="0"/>
-                        <a:t>0</a:t>
-                      </a:r>
-                    </a:p>
-                  </a:txBody>
-                  <a:tcPr/>
-                </a:tc>
-                <a:extLst>
-                  <a:ext uri="{0D108BD9-81ED-4DB2-BD59-A6C34878D82A}">
-                    <a16:rowId xmlns:a16="http://schemas.microsoft.com/office/drawing/2014/main" val="309620004"/>
-                  </a:ext>
-                </a:extLst>
-              </a:tr>
-              <a:tr h="658547">
-                <a:tc>
-                  <a:txBody>
-                    <a:bodyPr/>
-                    <a:lstStyle/>
-                    <a:p>
-                      <a:r>
-                        <a:rPr lang="en-US" sz="1100" b="0" i="0" kern="1200" dirty="0">
-                          <a:solidFill>
-                            <a:schemeClr val="dk1"/>
-                          </a:solidFill>
-                          <a:effectLst/>
-                          <a:latin typeface="+mn-lt"/>
-                          <a:ea typeface="+mn-ea"/>
-                          <a:cs typeface="+mn-cs"/>
-                        </a:rPr>
-                        <a:t>University of </a:t>
-                      </a:r>
-                      <a:r>
-                        <a:rPr lang="en-US" sz="1100" b="0" i="0" kern="1200" dirty="0" err="1">
-                          <a:solidFill>
-                            <a:schemeClr val="dk1"/>
-                          </a:solidFill>
-                          <a:effectLst/>
-                          <a:latin typeface="+mn-lt"/>
-                          <a:ea typeface="+mn-ea"/>
-                          <a:cs typeface="+mn-cs"/>
-                        </a:rPr>
-                        <a:t>California,Berkeley</a:t>
-                      </a:r>
-                      <a:endParaRPr lang="en-US" sz="1100" dirty="0"/>
-                    </a:p>
-                  </a:txBody>
-                  <a:tcPr/>
-                </a:tc>
-                <a:tc>
-                  <a:txBody>
-                    <a:bodyPr/>
-                    <a:lstStyle/>
-                    <a:p>
-                      <a:r>
-                        <a:rPr lang="en-US" sz="1800" b="0" i="0" kern="1200" dirty="0">
-                          <a:solidFill>
-                            <a:schemeClr val="dk1"/>
-                          </a:solidFill>
-                          <a:effectLst/>
-                          <a:latin typeface="+mn-lt"/>
-                          <a:ea typeface="+mn-ea"/>
-                          <a:cs typeface="+mn-cs"/>
-                        </a:rPr>
-                        <a:t>37565</a:t>
-                      </a:r>
-                      <a:endParaRPr lang="en-US" dirty="0"/>
-                    </a:p>
-                  </a:txBody>
-                  <a:tcPr/>
-                </a:tc>
-                <a:tc>
-                  <a:txBody>
-                    <a:bodyPr/>
-                    <a:lstStyle/>
-                    <a:p>
-                      <a:r>
-                        <a:rPr lang="en-US" dirty="0"/>
-                        <a:t>35</a:t>
-                      </a:r>
-                    </a:p>
-                  </a:txBody>
-                  <a:tcPr/>
-                </a:tc>
-                <a:tc>
-                  <a:txBody>
-                    <a:bodyPr/>
-                    <a:lstStyle/>
-                    <a:p>
-                      <a:r>
-                        <a:rPr lang="en-US" dirty="0"/>
-                        <a:t>0</a:t>
-                      </a:r>
-                    </a:p>
-                  </a:txBody>
-                  <a:tcPr/>
-                </a:tc>
-                <a:tc>
-                  <a:txBody>
-                    <a:bodyPr/>
-                    <a:lstStyle/>
-                    <a:p>
-                      <a:r>
-                        <a:rPr lang="en-US" dirty="0"/>
-                        <a:t>9</a:t>
-                      </a:r>
-                    </a:p>
-                  </a:txBody>
-                  <a:tcPr/>
-                </a:tc>
-                <a:tc>
-                  <a:txBody>
-                    <a:bodyPr/>
-                    <a:lstStyle/>
-                    <a:p>
-                      <a:r>
-                        <a:rPr lang="en-US" dirty="0"/>
-                        <a:t>12</a:t>
-                      </a:r>
-                    </a:p>
-                  </a:txBody>
-                  <a:tcPr/>
-                </a:tc>
-                <a:tc>
-                  <a:txBody>
-                    <a:bodyPr/>
-                    <a:lstStyle/>
-                    <a:p>
-                      <a:r>
-                        <a:rPr lang="en-US" dirty="0"/>
-                        <a:t>15</a:t>
-                      </a:r>
-                    </a:p>
-                  </a:txBody>
-                  <a:tcPr/>
-                </a:tc>
-                <a:tc>
-                  <a:txBody>
-                    <a:bodyPr/>
-                    <a:lstStyle/>
-                    <a:p>
-                      <a:r>
-                        <a:rPr lang="en-US" dirty="0"/>
-                        <a:t>749</a:t>
-                      </a:r>
-                    </a:p>
-                  </a:txBody>
-                  <a:tcPr/>
-                </a:tc>
-                <a:tc>
-                  <a:txBody>
-                    <a:bodyPr/>
-                    <a:lstStyle/>
-                    <a:p>
-                      <a:r>
-                        <a:rPr lang="en-US" dirty="0"/>
-                        <a:t>43</a:t>
-                      </a:r>
-                    </a:p>
-                  </a:txBody>
-                  <a:tcPr/>
-                </a:tc>
-                <a:tc>
-                  <a:txBody>
-                    <a:bodyPr/>
-                    <a:lstStyle/>
-                    <a:p>
-                      <a:r>
-                        <a:rPr lang="en-US" dirty="0"/>
-                        <a:t>688</a:t>
-                      </a:r>
-                    </a:p>
-                  </a:txBody>
-                  <a:tcPr/>
-                </a:tc>
-                <a:tc>
-                  <a:txBody>
-                    <a:bodyPr/>
-                    <a:lstStyle/>
-                    <a:p>
-                      <a:r>
-                        <a:rPr lang="en-US" dirty="0"/>
-                        <a:t>18</a:t>
-                      </a:r>
-                    </a:p>
-                  </a:txBody>
-                  <a:tcPr/>
-                </a:tc>
-                <a:tc>
-                  <a:txBody>
-                    <a:bodyPr/>
-                    <a:lstStyle/>
-                    <a:p>
-                      <a:r>
-                        <a:rPr lang="en-US" dirty="0"/>
-                        <a:t>1</a:t>
-                      </a:r>
-                    </a:p>
-                  </a:txBody>
-                  <a:tcPr/>
-                </a:tc>
-                <a:extLst>
-                  <a:ext uri="{0D108BD9-81ED-4DB2-BD59-A6C34878D82A}">
-                    <a16:rowId xmlns:a16="http://schemas.microsoft.com/office/drawing/2014/main" val="619372899"/>
-                  </a:ext>
-                </a:extLst>
-              </a:tr>
-            </a:tbl>
-          </a:graphicData>
-        </a:graphic>
-      </p:graphicFrame>
-    </p:spTree>
-    <p:extLst>
-      <p:ext uri="{BB962C8B-B14F-4D97-AF65-F5344CB8AC3E}">
-        <p14:creationId xmlns:p14="http://schemas.microsoft.com/office/powerpoint/2010/main" val="99545592"/>
-      </p:ext>
-    </p:extLst>
-  </p:cSld>
-  <p:clrMapOvr>
-    <a:masterClrMapping/>
-  </p:clrMapOvr>
-</p:sld>
-</file>
-
-<file path=ppt/slides/slide4.xml><?xml version="1.0" encoding="utf-8"?>
+<file path=ppt/slides/slide10.xml><?xml version="1.0" encoding="utf-8"?>
 <p:sld xmlns:a="http://schemas.openxmlformats.org/drawingml/2006/main" xmlns:r="http://schemas.openxmlformats.org/officeDocument/2006/relationships" xmlns:p="http://schemas.openxmlformats.org/presentationml/2006/main">
   <p:cSld>
     <p:bg>
@@ -6252,10 +4373,10 @@
       </p:grpSpPr>
       <p:sp>
         <p:nvSpPr>
-          <p:cNvPr id="23" name="Rectangle 22">
-            <a:extLst>
-              <a:ext uri="{FF2B5EF4-FFF2-40B4-BE49-F238E27FC236}">
-                <a16:creationId xmlns:a16="http://schemas.microsoft.com/office/drawing/2014/main" id="{6753252F-4873-4F63-801D-CC719279A7D5}"/>
+          <p:cNvPr id="10" name="Rectangle 9">
+            <a:extLst>
+              <a:ext uri="{FF2B5EF4-FFF2-40B4-BE49-F238E27FC236}">
+                <a16:creationId xmlns:a16="http://schemas.microsoft.com/office/drawing/2014/main" id="{A4AC5506-6312-4701-8D3C-40187889A947}"/>
               </a:ext>
               <a:ext uri="{C183D7F6-B498-43B3-948B-1728B52AA6E4}">
                 <adec:decorative xmlns:adec="http://schemas.microsoft.com/office/drawing/2017/decorative" val="1"/>
@@ -6275,14 +4396,14 @@
         </p:nvSpPr>
         <p:spPr>
           <a:xfrm>
-            <a:off x="0" y="0"/>
-            <a:ext cx="12192000" cy="6858000"/>
+            <a:off x="0" y="651752"/>
+            <a:ext cx="12192000" cy="736551"/>
           </a:xfrm>
           <a:prstGeom prst="rect">
             <a:avLst/>
           </a:prstGeom>
           <a:solidFill>
-            <a:srgbClr val="FFFFFF"/>
+            <a:schemeClr val="tx1"/>
           </a:solidFill>
           <a:ln>
             <a:noFill/>
@@ -6309,16 +4430,176 @@
           <a:lstStyle/>
           <a:p>
             <a:pPr algn="ctr"/>
-            <a:endParaRPr lang="en-US"/>
-          </a:p>
-        </p:txBody>
-      </p:sp>
-      <p:sp>
-        <p:nvSpPr>
-          <p:cNvPr id="25" name="Rectangle 24">
-            <a:extLst>
-              <a:ext uri="{FF2B5EF4-FFF2-40B4-BE49-F238E27FC236}">
-                <a16:creationId xmlns:a16="http://schemas.microsoft.com/office/drawing/2014/main" id="{047C8CCB-F95D-4249-92DD-651249D3535A}"/>
+            <a:endParaRPr lang="en-US" dirty="0"/>
+          </a:p>
+        </p:txBody>
+      </p:sp>
+      <p:sp>
+        <p:nvSpPr>
+          <p:cNvPr id="2" name="Title 1">
+            <a:extLst>
+              <a:ext uri="{FF2B5EF4-FFF2-40B4-BE49-F238E27FC236}">
+                <a16:creationId xmlns:a16="http://schemas.microsoft.com/office/drawing/2014/main" id="{F712D7AB-BAA6-407D-B955-BD91A2690E19}"/>
+              </a:ext>
+            </a:extLst>
+          </p:cNvPr>
+          <p:cNvSpPr>
+            <a:spLocks noGrp="1"/>
+          </p:cNvSpPr>
+          <p:nvPr>
+            <p:ph type="title"/>
+          </p:nvPr>
+        </p:nvSpPr>
+        <p:spPr>
+          <a:xfrm>
+            <a:off x="556532" y="643467"/>
+            <a:ext cx="11210925" cy="744836"/>
+          </a:xfrm>
+        </p:spPr>
+        <p:txBody>
+          <a:bodyPr>
+            <a:normAutofit/>
+          </a:bodyPr>
+          <a:lstStyle/>
+          <a:p>
+            <a:pPr algn="ctr"/>
+            <a:r>
+              <a:rPr lang="en-US" sz="3200" dirty="0">
+                <a:solidFill>
+                  <a:schemeClr val="bg1"/>
+                </a:solidFill>
+              </a:rPr>
+              <a:t>Humidity vs. Motor vehicle theft</a:t>
+            </a:r>
+          </a:p>
+        </p:txBody>
+      </p:sp>
+      <p:pic>
+        <p:nvPicPr>
+          <p:cNvPr id="5" name="Picture 4">
+            <a:extLst>
+              <a:ext uri="{FF2B5EF4-FFF2-40B4-BE49-F238E27FC236}">
+                <a16:creationId xmlns:a16="http://schemas.microsoft.com/office/drawing/2014/main" id="{C76A9384-23C7-45A3-B4B9-C9F68F7A1C28}"/>
+              </a:ext>
+            </a:extLst>
+          </p:cNvPr>
+          <p:cNvPicPr>
+            <a:picLocks noChangeAspect="1"/>
+          </p:cNvPicPr>
+          <p:nvPr/>
+        </p:nvPicPr>
+        <p:blipFill>
+          <a:blip r:embed="rId2">
+            <a:extLst>
+              <a:ext uri="{28A0092B-C50C-407E-A947-70E740481C1C}">
+                <a14:useLocalDpi xmlns:a14="http://schemas.microsoft.com/office/drawing/2010/main" val="0"/>
+              </a:ext>
+            </a:extLst>
+          </a:blip>
+          <a:stretch>
+            <a:fillRect/>
+          </a:stretch>
+        </p:blipFill>
+        <p:spPr>
+          <a:xfrm>
+            <a:off x="1538869" y="1675227"/>
+            <a:ext cx="8474926" cy="4747875"/>
+          </a:xfrm>
+          <a:prstGeom prst="rect">
+            <a:avLst/>
+          </a:prstGeom>
+        </p:spPr>
+      </p:pic>
+      <p:sp>
+        <p:nvSpPr>
+          <p:cNvPr id="3" name="AutoShape 2" descr="Humidity-Vs-City-Motor_vehicle_theft.png">
+            <a:hlinkClick r:id="rId3"/>
+            <a:extLst>
+              <a:ext uri="{FF2B5EF4-FFF2-40B4-BE49-F238E27FC236}">
+                <a16:creationId xmlns:a16="http://schemas.microsoft.com/office/drawing/2014/main" id="{8A2C8EBA-A7F5-441A-A4E3-9164BB3EEEE2}"/>
+              </a:ext>
+            </a:extLst>
+          </p:cNvPr>
+          <p:cNvSpPr>
+            <a:spLocks noChangeAspect="1" noChangeArrowheads="1"/>
+          </p:cNvSpPr>
+          <p:nvPr/>
+        </p:nvSpPr>
+        <p:spPr bwMode="auto">
+          <a:xfrm>
+            <a:off x="5943600" y="3276600"/>
+            <a:ext cx="2319454" cy="2319454"/>
+          </a:xfrm>
+          <a:prstGeom prst="rect">
+            <a:avLst/>
+          </a:prstGeom>
+          <a:noFill/>
+          <a:extLst>
+            <a:ext uri="{909E8E84-426E-40DD-AFC4-6F175D3DCCD1}">
+              <a14:hiddenFill xmlns:a14="http://schemas.microsoft.com/office/drawing/2010/main">
+                <a:solidFill>
+                  <a:srgbClr val="FFFFFF"/>
+                </a:solidFill>
+              </a14:hiddenFill>
+            </a:ext>
+          </a:extLst>
+        </p:spPr>
+        <p:txBody>
+          <a:bodyPr vert="horz" wrap="square" lIns="91440" tIns="45720" rIns="91440" bIns="45720" numCol="1" anchor="t" anchorCtr="0" compatLnSpc="1">
+            <a:prstTxWarp prst="textNoShape">
+              <a:avLst/>
+            </a:prstTxWarp>
+          </a:bodyPr>
+          <a:lstStyle/>
+          <a:p>
+            <a:endParaRPr lang="en-US" dirty="0"/>
+          </a:p>
+        </p:txBody>
+      </p:sp>
+    </p:spTree>
+    <p:extLst>
+      <p:ext uri="{BB962C8B-B14F-4D97-AF65-F5344CB8AC3E}">
+        <p14:creationId xmlns:p14="http://schemas.microsoft.com/office/powerpoint/2010/main" val="243376257"/>
+      </p:ext>
+    </p:extLst>
+  </p:cSld>
+  <p:clrMapOvr>
+    <a:masterClrMapping/>
+  </p:clrMapOvr>
+</p:sld>
+</file>
+
+<file path=ppt/slides/slide11.xml><?xml version="1.0" encoding="utf-8"?>
+<p:sld xmlns:a="http://schemas.openxmlformats.org/drawingml/2006/main" xmlns:r="http://schemas.openxmlformats.org/officeDocument/2006/relationships" xmlns:p="http://schemas.openxmlformats.org/presentationml/2006/main">
+  <p:cSld>
+    <p:bg>
+      <p:bgPr>
+        <a:solidFill>
+          <a:schemeClr val="bg1"/>
+        </a:solidFill>
+        <a:effectLst/>
+      </p:bgPr>
+    </p:bg>
+    <p:spTree>
+      <p:nvGrpSpPr>
+        <p:cNvPr id="1" name=""/>
+        <p:cNvGrpSpPr/>
+        <p:nvPr/>
+      </p:nvGrpSpPr>
+      <p:grpSpPr>
+        <a:xfrm>
+          <a:off x="0" y="0"/>
+          <a:ext cx="0" cy="0"/>
+          <a:chOff x="0" y="0"/>
+          <a:chExt cx="0" cy="0"/>
+        </a:xfrm>
+      </p:grpSpPr>
+      <p:sp>
+        <p:nvSpPr>
+          <p:cNvPr id="9" name="Rectangle 8">
+            <a:extLst>
+              <a:ext uri="{FF2B5EF4-FFF2-40B4-BE49-F238E27FC236}">
+                <a16:creationId xmlns:a16="http://schemas.microsoft.com/office/drawing/2014/main" id="{A4AC5506-6312-4701-8D3C-40187889A947}"/>
               </a:ext>
               <a:ext uri="{C183D7F6-B498-43B3-948B-1728B52AA6E4}">
                 <adec:decorative xmlns:adec="http://schemas.microsoft.com/office/drawing/2017/decorative" val="1"/>
@@ -6338,14 +4619,14 @@
         </p:nvSpPr>
         <p:spPr>
           <a:xfrm>
-            <a:off x="0" y="0"/>
-            <a:ext cx="2013557" cy="6858000"/>
+            <a:off x="0" y="651752"/>
+            <a:ext cx="12192000" cy="736551"/>
           </a:xfrm>
           <a:prstGeom prst="rect">
             <a:avLst/>
           </a:prstGeom>
           <a:solidFill>
-            <a:srgbClr val="795249"/>
+            <a:schemeClr val="tx1"/>
           </a:solidFill>
           <a:ln>
             <a:noFill/>
@@ -6381,7 +4662,7 @@
           <p:cNvPr id="2" name="Title 1">
             <a:extLst>
               <a:ext uri="{FF2B5EF4-FFF2-40B4-BE49-F238E27FC236}">
-                <a16:creationId xmlns:a16="http://schemas.microsoft.com/office/drawing/2014/main" id="{2E7DDF23-CFEE-4038-8F91-26CCFDDFE261}"/>
+                <a16:creationId xmlns:a16="http://schemas.microsoft.com/office/drawing/2014/main" id="{EBACFD87-F8C0-4C29-8518-162668A783E2}"/>
               </a:ext>
             </a:extLst>
           </p:cNvPr>
@@ -6394,66 +4675,47 @@
         </p:nvSpPr>
         <p:spPr>
           <a:xfrm>
-            <a:off x="640080" y="2074363"/>
-            <a:ext cx="2752354" cy="2709275"/>
+            <a:off x="556532" y="643467"/>
+            <a:ext cx="11210925" cy="744836"/>
           </a:xfrm>
-          <a:prstGeom prst="ellipse">
-            <a:avLst/>
-          </a:prstGeom>
-          <a:solidFill>
-            <a:srgbClr val="262626"/>
-          </a:solidFill>
-          <a:ln w="174625" cmpd="thinThick">
-            <a:solidFill>
-              <a:srgbClr val="262626"/>
-            </a:solidFill>
-          </a:ln>
         </p:spPr>
         <p:txBody>
-          <a:bodyPr vert="horz" lIns="91440" tIns="45720" rIns="91440" bIns="45720" rtlCol="0" anchor="ctr">
+          <a:bodyPr>
             <a:normAutofit/>
           </a:bodyPr>
           <a:lstStyle/>
           <a:p>
             <a:pPr algn="ctr"/>
             <a:r>
-              <a:rPr lang="en-US" sz="2600" kern="1200">
+              <a:rPr lang="en-US" sz="3200" dirty="0">
                 <a:solidFill>
-                  <a:srgbClr val="FFFFFF"/>
+                  <a:schemeClr val="bg1"/>
                 </a:solidFill>
-                <a:latin typeface="+mj-lt"/>
-                <a:ea typeface="+mj-ea"/>
-                <a:cs typeface="+mj-cs"/>
               </a:rPr>
-              <a:t>Weather</a:t>
+              <a:t>Manslaughter/Murder vs. Humidity</a:t>
             </a:r>
           </a:p>
         </p:txBody>
       </p:sp>
       <p:pic>
         <p:nvPicPr>
-          <p:cNvPr id="5" name="Content Placeholder 4">
-            <a:extLst>
-              <a:ext uri="{FF2B5EF4-FFF2-40B4-BE49-F238E27FC236}">
-                <a16:creationId xmlns:a16="http://schemas.microsoft.com/office/drawing/2014/main" id="{A255A6D2-4F41-4D4F-AA4F-285C43A1F7D6}"/>
+          <p:cNvPr id="4" name="Picture 3">
+            <a:extLst>
+              <a:ext uri="{FF2B5EF4-FFF2-40B4-BE49-F238E27FC236}">
+                <a16:creationId xmlns:a16="http://schemas.microsoft.com/office/drawing/2014/main" id="{8EA1EBB5-E4DC-4410-8ECF-4EE8BA023CEC}"/>
               </a:ext>
             </a:extLst>
           </p:cNvPr>
           <p:cNvPicPr>
-            <a:picLocks noGrp="1" noChangeAspect="1"/>
+            <a:picLocks noChangeAspect="1"/>
           </p:cNvPicPr>
-          <p:nvPr>
-            <p:ph idx="1"/>
-          </p:nvPr>
+          <p:nvPr/>
         </p:nvPicPr>
         <p:blipFill>
           <a:blip r:embed="rId2">
             <a:extLst>
               <a:ext uri="{28A0092B-C50C-407E-A947-70E740481C1C}">
                 <a14:useLocalDpi xmlns:a14="http://schemas.microsoft.com/office/drawing/2010/main" val="0"/>
-              </a:ext>
-              <a:ext uri="{837473B0-CC2E-450A-ABE3-18F120FF3D39}">
-                <a1611:picAttrSrcUrl xmlns:a1611="http://schemas.microsoft.com/office/drawing/2016/11/main" r:id="rId3"/>
               </a:ext>
             </a:extLst>
           </a:blip>
@@ -6463,99 +4725,18 @@
         </p:blipFill>
         <p:spPr>
           <a:xfrm>
-            <a:off x="4345375" y="961812"/>
-            <a:ext cx="6574649" cy="4930987"/>
+            <a:off x="1862254" y="1675227"/>
+            <a:ext cx="7939668" cy="4714422"/>
           </a:xfrm>
           <a:prstGeom prst="rect">
             <a:avLst/>
           </a:prstGeom>
         </p:spPr>
       </p:pic>
-      <p:sp>
-        <p:nvSpPr>
-          <p:cNvPr id="6" name="TextBox 5">
-            <a:extLst>
-              <a:ext uri="{FF2B5EF4-FFF2-40B4-BE49-F238E27FC236}">
-                <a16:creationId xmlns:a16="http://schemas.microsoft.com/office/drawing/2014/main" id="{98ECBB28-CD34-4FEF-A613-A892CCD4532F}"/>
-              </a:ext>
-            </a:extLst>
-          </p:cNvPr>
-          <p:cNvSpPr txBox="1"/>
-          <p:nvPr/>
-        </p:nvSpPr>
-        <p:spPr>
-          <a:xfrm>
-            <a:off x="8612982" y="5692744"/>
-            <a:ext cx="2307042" cy="200055"/>
-          </a:xfrm>
-          <a:prstGeom prst="rect">
-            <a:avLst/>
-          </a:prstGeom>
-          <a:solidFill>
-            <a:srgbClr val="000000"/>
-          </a:solidFill>
-        </p:spPr>
-        <p:txBody>
-          <a:bodyPr wrap="none" rtlCol="0">
-            <a:spAutoFit/>
-          </a:bodyPr>
-          <a:lstStyle/>
-          <a:p>
-            <a:pPr algn="r">
-              <a:spcAft>
-                <a:spcPts val="600"/>
-              </a:spcAft>
-            </a:pPr>
-            <a:r>
-              <a:rPr lang="en-US" sz="700">
-                <a:solidFill>
-                  <a:srgbClr val="FFFFFF"/>
-                </a:solidFill>
-                <a:hlinkClick r:id="rId3" tooltip="http://tvnewsninja.blogspot.com/2010_06_01_archive.html">
-                  <a:extLst>
-                    <a:ext uri="{A12FA001-AC4F-418D-AE19-62706E023703}">
-                      <ahyp:hlinkClr xmlns:ahyp="http://schemas.microsoft.com/office/drawing/2018/hyperlinkcolor" val="tx"/>
-                    </a:ext>
-                  </a:extLst>
-                </a:hlinkClick>
-              </a:rPr>
-              <a:t>This Photo</a:t>
-            </a:r>
-            <a:r>
-              <a:rPr lang="en-US" sz="700">
-                <a:solidFill>
-                  <a:srgbClr val="FFFFFF"/>
-                </a:solidFill>
-              </a:rPr>
-              <a:t> by Unknown Author is licensed under </a:t>
-            </a:r>
-            <a:r>
-              <a:rPr lang="en-US" sz="700">
-                <a:solidFill>
-                  <a:srgbClr val="FFFFFF"/>
-                </a:solidFill>
-                <a:hlinkClick r:id="rId4" tooltip="https://creativecommons.org/licenses/by-sa/3.0/">
-                  <a:extLst>
-                    <a:ext uri="{A12FA001-AC4F-418D-AE19-62706E023703}">
-                      <ahyp:hlinkClr xmlns:ahyp="http://schemas.microsoft.com/office/drawing/2018/hyperlinkcolor" val="tx"/>
-                    </a:ext>
-                  </a:extLst>
-                </a:hlinkClick>
-              </a:rPr>
-              <a:t>CC BY-SA</a:t>
-            </a:r>
-            <a:endParaRPr lang="en-US" sz="700">
-              <a:solidFill>
-                <a:srgbClr val="FFFFFF"/>
-              </a:solidFill>
-            </a:endParaRPr>
-          </a:p>
-        </p:txBody>
-      </p:sp>
     </p:spTree>
     <p:extLst>
       <p:ext uri="{BB962C8B-B14F-4D97-AF65-F5344CB8AC3E}">
-        <p14:creationId xmlns:p14="http://schemas.microsoft.com/office/powerpoint/2010/main" val="257055017"/>
+        <p14:creationId xmlns:p14="http://schemas.microsoft.com/office/powerpoint/2010/main" val="277091970"/>
       </p:ext>
     </p:extLst>
   </p:cSld>
@@ -6565,16 +4746,13 @@
 </p:sld>
 </file>
 
-<file path=ppt/slides/slide5.xml><?xml version="1.0" encoding="utf-8"?>
+<file path=ppt/slides/slide12.xml><?xml version="1.0" encoding="utf-8"?>
 <p:sld xmlns:a="http://schemas.openxmlformats.org/drawingml/2006/main" xmlns:r="http://schemas.openxmlformats.org/officeDocument/2006/relationships" xmlns:p="http://schemas.openxmlformats.org/presentationml/2006/main">
   <p:cSld>
     <p:bg>
       <p:bgPr>
         <a:solidFill>
-          <a:schemeClr val="tx2">
-            <a:lumMod val="60000"/>
-            <a:lumOff val="40000"/>
-          </a:schemeClr>
+          <a:schemeClr val="bg1"/>
         </a:solidFill>
         <a:effectLst/>
       </p:bgPr>
@@ -6595,10 +4773,10 @@
       </p:grpSpPr>
       <p:sp>
         <p:nvSpPr>
-          <p:cNvPr id="2" name="Title 1">
-            <a:extLst>
-              <a:ext uri="{FF2B5EF4-FFF2-40B4-BE49-F238E27FC236}">
-                <a16:creationId xmlns:a16="http://schemas.microsoft.com/office/drawing/2014/main" id="{BF29392C-1537-4BE1-9DAC-BE8F7BB33B17}"/>
+          <p:cNvPr id="5" name="Title 4">
+            <a:extLst>
+              <a:ext uri="{FF2B5EF4-FFF2-40B4-BE49-F238E27FC236}">
+                <a16:creationId xmlns:a16="http://schemas.microsoft.com/office/drawing/2014/main" id="{9874EAE7-54D3-499D-B98D-FFEF43624B64}"/>
               </a:ext>
             </a:extLst>
           </p:cNvPr>
@@ -6611,378 +4789,85 @@
         </p:nvSpPr>
         <p:spPr>
           <a:xfrm>
-            <a:off x="838200" y="669074"/>
-            <a:ext cx="10515600" cy="858644"/>
+            <a:off x="640080" y="2074363"/>
+            <a:ext cx="2752354" cy="2709275"/>
           </a:xfrm>
-          <a:ln>
+          <a:prstGeom prst="ellipse">
+            <a:avLst/>
+          </a:prstGeom>
+          <a:solidFill>
+            <a:schemeClr val="tx1">
+              <a:lumMod val="85000"/>
+              <a:lumOff val="15000"/>
+            </a:schemeClr>
+          </a:solidFill>
+          <a:ln w="174625" cmpd="thinThick">
             <a:solidFill>
-              <a:schemeClr val="tx1"/>
+              <a:schemeClr val="tx1">
+                <a:lumMod val="85000"/>
+                <a:lumOff val="15000"/>
+              </a:schemeClr>
             </a:solidFill>
           </a:ln>
-          <a:effectLst>
-            <a:outerShdw blurRad="50800" dist="38100" dir="5400000" algn="t" rotWithShape="0">
-              <a:prstClr val="black">
-                <a:alpha val="40000"/>
-              </a:prstClr>
-            </a:outerShdw>
-          </a:effectLst>
         </p:spPr>
         <p:txBody>
-          <a:bodyPr/>
+          <a:bodyPr anchor="ctr">
+            <a:normAutofit/>
+          </a:bodyPr>
           <a:lstStyle/>
           <a:p>
+            <a:pPr algn="ctr"/>
             <a:r>
-              <a:rPr lang="en-US" dirty="0">
+              <a:rPr lang="en-US" sz="2600" dirty="0">
                 <a:solidFill>
-                  <a:schemeClr val="accent2">
-                    <a:lumMod val="75000"/>
-                  </a:schemeClr>
+                  <a:schemeClr val="bg1"/>
                 </a:solidFill>
-                <a:latin typeface="Baskerville Old Face" panose="02020602080505020303" pitchFamily="18" charset="0"/>
               </a:rPr>
-              <a:t>Weather Data Averages by Region</a:t>
+              <a:t>Insight of code used for weather data</a:t>
             </a:r>
           </a:p>
         </p:txBody>
       </p:sp>
-      <p:graphicFrame>
-        <p:nvGraphicFramePr>
-          <p:cNvPr id="4" name="Content Placeholder 3">
-            <a:extLst>
-              <a:ext uri="{FF2B5EF4-FFF2-40B4-BE49-F238E27FC236}">
-                <a16:creationId xmlns:a16="http://schemas.microsoft.com/office/drawing/2014/main" id="{B9C2F391-CC25-476D-BD58-6362E4F12C7B}"/>
-              </a:ext>
-            </a:extLst>
-          </p:cNvPr>
-          <p:cNvGraphicFramePr>
-            <a:graphicFrameLocks noGrp="1"/>
-          </p:cNvGraphicFramePr>
-          <p:nvPr>
-            <p:ph idx="1"/>
-            <p:extLst>
-              <p:ext uri="{D42A27DB-BD31-4B8C-83A1-F6EECF244321}">
-                <p14:modId xmlns:p14="http://schemas.microsoft.com/office/powerpoint/2010/main" val="3511352981"/>
-              </p:ext>
-            </p:extLst>
-          </p:nvPr>
-        </p:nvGraphicFramePr>
-        <p:xfrm>
-          <a:off x="838200" y="1825624"/>
-          <a:ext cx="10515600" cy="3348542"/>
-        </p:xfrm>
-        <a:graphic>
-          <a:graphicData uri="http://schemas.openxmlformats.org/drawingml/2006/table">
-            <a:tbl>
-              <a:tblPr firstRow="1" bandRow="1">
-                <a:tableStyleId>{5C22544A-7EE6-4342-B048-85BDC9FD1C3A}</a:tableStyleId>
-              </a:tblPr>
-              <a:tblGrid>
-                <a:gridCol w="1752600">
-                  <a:extLst>
-                    <a:ext uri="{9D8B030D-6E8A-4147-A177-3AD203B41FA5}">
-                      <a16:colId xmlns:a16="http://schemas.microsoft.com/office/drawing/2014/main" val="2900817032"/>
-                    </a:ext>
-                  </a:extLst>
-                </a:gridCol>
-                <a:gridCol w="1752600">
-                  <a:extLst>
-                    <a:ext uri="{9D8B030D-6E8A-4147-A177-3AD203B41FA5}">
-                      <a16:colId xmlns:a16="http://schemas.microsoft.com/office/drawing/2014/main" val="789325054"/>
-                    </a:ext>
-                  </a:extLst>
-                </a:gridCol>
-                <a:gridCol w="1752600">
-                  <a:extLst>
-                    <a:ext uri="{9D8B030D-6E8A-4147-A177-3AD203B41FA5}">
-                      <a16:colId xmlns:a16="http://schemas.microsoft.com/office/drawing/2014/main" val="959580509"/>
-                    </a:ext>
-                  </a:extLst>
-                </a:gridCol>
-                <a:gridCol w="1752600">
-                  <a:extLst>
-                    <a:ext uri="{9D8B030D-6E8A-4147-A177-3AD203B41FA5}">
-                      <a16:colId xmlns:a16="http://schemas.microsoft.com/office/drawing/2014/main" val="1944620161"/>
-                    </a:ext>
-                  </a:extLst>
-                </a:gridCol>
-                <a:gridCol w="1752600">
-                  <a:extLst>
-                    <a:ext uri="{9D8B030D-6E8A-4147-A177-3AD203B41FA5}">
-                      <a16:colId xmlns:a16="http://schemas.microsoft.com/office/drawing/2014/main" val="937365470"/>
-                    </a:ext>
-                  </a:extLst>
-                </a:gridCol>
-                <a:gridCol w="1752600">
-                  <a:extLst>
-                    <a:ext uri="{9D8B030D-6E8A-4147-A177-3AD203B41FA5}">
-                      <a16:colId xmlns:a16="http://schemas.microsoft.com/office/drawing/2014/main" val="2995462948"/>
-                    </a:ext>
-                  </a:extLst>
-                </a:gridCol>
-              </a:tblGrid>
-              <a:tr h="1059586">
-                <a:tc>
-                  <a:txBody>
-                    <a:bodyPr/>
-                    <a:lstStyle/>
-                    <a:p>
-                      <a:r>
-                        <a:rPr lang="en-US" dirty="0"/>
-                        <a:t>Region</a:t>
-                      </a:r>
-                    </a:p>
-                  </a:txBody>
-                  <a:tcPr/>
-                </a:tc>
-                <a:tc>
-                  <a:txBody>
-                    <a:bodyPr/>
-                    <a:lstStyle/>
-                    <a:p>
-                      <a:r>
-                        <a:rPr lang="en-US" dirty="0"/>
-                        <a:t>Cloudiness (%)</a:t>
-                      </a:r>
-                    </a:p>
-                  </a:txBody>
-                  <a:tcPr/>
-                </a:tc>
-                <a:tc>
-                  <a:txBody>
-                    <a:bodyPr/>
-                    <a:lstStyle/>
-                    <a:p>
-                      <a:r>
-                        <a:rPr lang="en-US" dirty="0"/>
-                        <a:t>Temperature (F)</a:t>
-                      </a:r>
-                    </a:p>
-                  </a:txBody>
-                  <a:tcPr/>
-                </a:tc>
-                <a:tc>
-                  <a:txBody>
-                    <a:bodyPr/>
-                    <a:lstStyle/>
-                    <a:p>
-                      <a:r>
-                        <a:rPr lang="en-US" dirty="0"/>
-                        <a:t>Humidity (%)</a:t>
-                      </a:r>
-                    </a:p>
-                  </a:txBody>
-                  <a:tcPr/>
-                </a:tc>
-                <a:tc>
-                  <a:txBody>
-                    <a:bodyPr/>
-                    <a:lstStyle/>
-                    <a:p>
-                      <a:r>
-                        <a:rPr lang="en-US" dirty="0"/>
-                        <a:t>Precipitation (%)</a:t>
-                      </a:r>
-                    </a:p>
-                  </a:txBody>
-                  <a:tcPr/>
-                </a:tc>
-                <a:tc>
-                  <a:txBody>
-                    <a:bodyPr/>
-                    <a:lstStyle/>
-                    <a:p>
-                      <a:r>
-                        <a:rPr lang="en-US" dirty="0"/>
-                        <a:t>Wind Speed (mph)</a:t>
-                      </a:r>
-                    </a:p>
-                  </a:txBody>
-                  <a:tcPr/>
-                </a:tc>
-                <a:extLst>
-                  <a:ext uri="{0D108BD9-81ED-4DB2-BD59-A6C34878D82A}">
-                    <a16:rowId xmlns:a16="http://schemas.microsoft.com/office/drawing/2014/main" val="439551748"/>
-                  </a:ext>
-                </a:extLst>
-              </a:tr>
-              <a:tr h="1144478">
-                <a:tc>
-                  <a:txBody>
-                    <a:bodyPr/>
-                    <a:lstStyle/>
-                    <a:p>
-                      <a:r>
-                        <a:rPr lang="en-US" dirty="0"/>
-                        <a:t>Northern California</a:t>
-                      </a:r>
-                    </a:p>
-                  </a:txBody>
-                  <a:tcPr/>
-                </a:tc>
-                <a:tc>
-                  <a:txBody>
-                    <a:bodyPr/>
-                    <a:lstStyle/>
-                    <a:p>
-                      <a:r>
-                        <a:rPr lang="en-US" dirty="0"/>
-                        <a:t>0.3524</a:t>
-                      </a:r>
-                    </a:p>
-                  </a:txBody>
-                  <a:tcPr/>
-                </a:tc>
-                <a:tc>
-                  <a:txBody>
-                    <a:bodyPr/>
-                    <a:lstStyle/>
-                    <a:p>
-                      <a:r>
-                        <a:rPr lang="en-US" dirty="0"/>
-                        <a:t>67.03</a:t>
-                      </a:r>
-                    </a:p>
-                  </a:txBody>
-                  <a:tcPr/>
-                </a:tc>
-                <a:tc>
-                  <a:txBody>
-                    <a:bodyPr/>
-                    <a:lstStyle/>
-                    <a:p>
-                      <a:r>
-                        <a:rPr lang="en-US" dirty="0"/>
-                        <a:t>0.6628</a:t>
-                      </a:r>
-                    </a:p>
-                  </a:txBody>
-                  <a:tcPr/>
-                </a:tc>
-                <a:tc>
-                  <a:txBody>
-                    <a:bodyPr/>
-                    <a:lstStyle/>
-                    <a:p>
-                      <a:r>
-                        <a:rPr lang="en-US" dirty="0"/>
-                        <a:t>0.01157</a:t>
-                      </a:r>
-                    </a:p>
-                  </a:txBody>
-                  <a:tcPr/>
-                </a:tc>
-                <a:tc>
-                  <a:txBody>
-                    <a:bodyPr/>
-                    <a:lstStyle/>
-                    <a:p>
-                      <a:r>
-                        <a:rPr lang="en-US" dirty="0"/>
-                        <a:t>3.7376</a:t>
-                      </a:r>
-                    </a:p>
-                  </a:txBody>
-                  <a:tcPr/>
-                </a:tc>
-                <a:extLst>
-                  <a:ext uri="{0D108BD9-81ED-4DB2-BD59-A6C34878D82A}">
-                    <a16:rowId xmlns:a16="http://schemas.microsoft.com/office/drawing/2014/main" val="4008070893"/>
-                  </a:ext>
-                </a:extLst>
-              </a:tr>
-              <a:tr h="1144478">
-                <a:tc>
-                  <a:txBody>
-                    <a:bodyPr/>
-                    <a:lstStyle/>
-                    <a:p>
-                      <a:r>
-                        <a:rPr lang="en-US" dirty="0"/>
-                        <a:t>Southern California</a:t>
-                      </a:r>
-                    </a:p>
-                  </a:txBody>
-                  <a:tcPr/>
-                </a:tc>
-                <a:tc>
-                  <a:txBody>
-                    <a:bodyPr/>
-                    <a:lstStyle/>
-                    <a:p>
-                      <a:r>
-                        <a:rPr lang="en-US" dirty="0"/>
-                        <a:t>N/A</a:t>
-                      </a:r>
-                    </a:p>
-                  </a:txBody>
-                  <a:tcPr/>
-                </a:tc>
-                <a:tc>
-                  <a:txBody>
-                    <a:bodyPr/>
-                    <a:lstStyle/>
-                    <a:p>
-                      <a:r>
-                        <a:rPr lang="en-US" dirty="0"/>
-                        <a:t>74.82</a:t>
-                      </a:r>
-                    </a:p>
-                  </a:txBody>
-                  <a:tcPr/>
-                </a:tc>
-                <a:tc>
-                  <a:txBody>
-                    <a:bodyPr/>
-                    <a:lstStyle/>
-                    <a:p>
-                      <a:r>
-                        <a:rPr lang="en-US" dirty="0"/>
-                        <a:t>0.6013</a:t>
-                      </a:r>
-                    </a:p>
-                  </a:txBody>
-                  <a:tcPr/>
-                </a:tc>
-                <a:tc>
-                  <a:txBody>
-                    <a:bodyPr/>
-                    <a:lstStyle/>
-                    <a:p>
-                      <a:r>
-                        <a:rPr lang="en-US" dirty="0"/>
-                        <a:t>0.003891</a:t>
-                      </a:r>
-                    </a:p>
-                  </a:txBody>
-                  <a:tcPr/>
-                </a:tc>
-                <a:tc>
-                  <a:txBody>
-                    <a:bodyPr/>
-                    <a:lstStyle/>
-                    <a:p>
-                      <a:r>
-                        <a:rPr lang="en-US" dirty="0"/>
-                        <a:t>2.2899</a:t>
-                      </a:r>
-                    </a:p>
-                  </a:txBody>
-                  <a:tcPr/>
-                </a:tc>
-                <a:extLst>
-                  <a:ext uri="{0D108BD9-81ED-4DB2-BD59-A6C34878D82A}">
-                    <a16:rowId xmlns:a16="http://schemas.microsoft.com/office/drawing/2014/main" val="3789919848"/>
-                  </a:ext>
-                </a:extLst>
-              </a:tr>
-            </a:tbl>
-          </a:graphicData>
-        </a:graphic>
-      </p:graphicFrame>
+      <p:pic>
+        <p:nvPicPr>
+          <p:cNvPr id="7" name="Picture 6">
+            <a:extLst>
+              <a:ext uri="{FF2B5EF4-FFF2-40B4-BE49-F238E27FC236}">
+                <a16:creationId xmlns:a16="http://schemas.microsoft.com/office/drawing/2014/main" id="{05B381FC-0FA9-4BC7-9D7D-89220E6A5AAB}"/>
+              </a:ext>
+            </a:extLst>
+          </p:cNvPr>
+          <p:cNvPicPr>
+            <a:picLocks noChangeAspect="1"/>
+          </p:cNvPicPr>
+          <p:nvPr/>
+        </p:nvPicPr>
+        <p:blipFill>
+          <a:blip r:embed="rId2">
+            <a:extLst>
+              <a:ext uri="{28A0092B-C50C-407E-A947-70E740481C1C}">
+                <a14:useLocalDpi xmlns:a14="http://schemas.microsoft.com/office/drawing/2010/main" val="0"/>
+              </a:ext>
+            </a:extLst>
+          </a:blip>
+          <a:stretch>
+            <a:fillRect/>
+          </a:stretch>
+        </p:blipFill>
+        <p:spPr>
+          <a:xfrm>
+            <a:off x="4038600" y="1360699"/>
+            <a:ext cx="7188199" cy="4133213"/>
+          </a:xfrm>
+          <a:prstGeom prst="rect">
+            <a:avLst/>
+          </a:prstGeom>
+        </p:spPr>
+      </p:pic>
     </p:spTree>
     <p:extLst>
       <p:ext uri="{BB962C8B-B14F-4D97-AF65-F5344CB8AC3E}">
-        <p14:creationId xmlns:p14="http://schemas.microsoft.com/office/powerpoint/2010/main" val="4203612474"/>
+        <p14:creationId xmlns:p14="http://schemas.microsoft.com/office/powerpoint/2010/main" val="1706252375"/>
       </p:ext>
     </p:extLst>
   </p:cSld>
@@ -6992,7 +4877,138 @@
 </p:sld>
 </file>
 
-<file path=ppt/slides/slide6.xml><?xml version="1.0" encoding="utf-8"?>
+<file path=ppt/slides/slide13.xml><?xml version="1.0" encoding="utf-8"?>
+<p:sld xmlns:a="http://schemas.openxmlformats.org/drawingml/2006/main" xmlns:r="http://schemas.openxmlformats.org/officeDocument/2006/relationships" xmlns:p="http://schemas.openxmlformats.org/presentationml/2006/main">
+  <p:cSld>
+    <p:bg>
+      <p:bgPr>
+        <a:solidFill>
+          <a:schemeClr val="bg1"/>
+        </a:solidFill>
+        <a:effectLst/>
+      </p:bgPr>
+    </p:bg>
+    <p:spTree>
+      <p:nvGrpSpPr>
+        <p:cNvPr id="1" name=""/>
+        <p:cNvGrpSpPr/>
+        <p:nvPr/>
+      </p:nvGrpSpPr>
+      <p:grpSpPr>
+        <a:xfrm>
+          <a:off x="0" y="0"/>
+          <a:ext cx="0" cy="0"/>
+          <a:chOff x="0" y="0"/>
+          <a:chExt cx="0" cy="0"/>
+        </a:xfrm>
+      </p:grpSpPr>
+      <p:sp>
+        <p:nvSpPr>
+          <p:cNvPr id="2" name="Title 1">
+            <a:extLst>
+              <a:ext uri="{FF2B5EF4-FFF2-40B4-BE49-F238E27FC236}">
+                <a16:creationId xmlns:a16="http://schemas.microsoft.com/office/drawing/2014/main" id="{13180CBE-9743-47A3-B28D-36F60689C591}"/>
+              </a:ext>
+            </a:extLst>
+          </p:cNvPr>
+          <p:cNvSpPr>
+            <a:spLocks noGrp="1"/>
+          </p:cNvSpPr>
+          <p:nvPr>
+            <p:ph type="title"/>
+          </p:nvPr>
+        </p:nvSpPr>
+        <p:spPr>
+          <a:xfrm>
+            <a:off x="640080" y="2074363"/>
+            <a:ext cx="2752354" cy="2709275"/>
+          </a:xfrm>
+          <a:prstGeom prst="ellipse">
+            <a:avLst/>
+          </a:prstGeom>
+          <a:solidFill>
+            <a:schemeClr val="tx1">
+              <a:lumMod val="85000"/>
+              <a:lumOff val="15000"/>
+            </a:schemeClr>
+          </a:solidFill>
+          <a:ln w="174625" cmpd="thinThick">
+            <a:solidFill>
+              <a:schemeClr val="tx1">
+                <a:lumMod val="85000"/>
+                <a:lumOff val="15000"/>
+              </a:schemeClr>
+            </a:solidFill>
+          </a:ln>
+        </p:spPr>
+        <p:txBody>
+          <a:bodyPr anchor="ctr">
+            <a:normAutofit/>
+          </a:bodyPr>
+          <a:lstStyle/>
+          <a:p>
+            <a:pPr algn="ctr"/>
+            <a:r>
+              <a:rPr lang="en-US" sz="2600" dirty="0">
+                <a:solidFill>
+                  <a:schemeClr val="bg1"/>
+                </a:solidFill>
+              </a:rPr>
+              <a:t>Insight of code used for crime data</a:t>
+            </a:r>
+          </a:p>
+        </p:txBody>
+      </p:sp>
+      <p:pic>
+        <p:nvPicPr>
+          <p:cNvPr id="6" name="Picture 5">
+            <a:extLst>
+              <a:ext uri="{FF2B5EF4-FFF2-40B4-BE49-F238E27FC236}">
+                <a16:creationId xmlns:a16="http://schemas.microsoft.com/office/drawing/2014/main" id="{BF18908F-E402-45CA-AC71-EAE31939C4E7}"/>
+              </a:ext>
+            </a:extLst>
+          </p:cNvPr>
+          <p:cNvPicPr>
+            <a:picLocks noChangeAspect="1"/>
+          </p:cNvPicPr>
+          <p:nvPr/>
+        </p:nvPicPr>
+        <p:blipFill>
+          <a:blip r:embed="rId2">
+            <a:extLst>
+              <a:ext uri="{28A0092B-C50C-407E-A947-70E740481C1C}">
+                <a14:useLocalDpi xmlns:a14="http://schemas.microsoft.com/office/drawing/2010/main" val="0"/>
+              </a:ext>
+            </a:extLst>
+          </a:blip>
+          <a:stretch>
+            <a:fillRect/>
+          </a:stretch>
+        </p:blipFill>
+        <p:spPr>
+          <a:xfrm>
+            <a:off x="4072053" y="869796"/>
+            <a:ext cx="7188199" cy="5296828"/>
+          </a:xfrm>
+          <a:prstGeom prst="rect">
+            <a:avLst/>
+          </a:prstGeom>
+        </p:spPr>
+      </p:pic>
+    </p:spTree>
+    <p:extLst>
+      <p:ext uri="{BB962C8B-B14F-4D97-AF65-F5344CB8AC3E}">
+        <p14:creationId xmlns:p14="http://schemas.microsoft.com/office/powerpoint/2010/main" val="674176794"/>
+      </p:ext>
+    </p:extLst>
+  </p:cSld>
+  <p:clrMapOvr>
+    <a:masterClrMapping/>
+  </p:clrMapOvr>
+</p:sld>
+</file>
+
+<file path=ppt/slides/slide14.xml><?xml version="1.0" encoding="utf-8"?>
 <p:sld xmlns:a="http://schemas.openxmlformats.org/drawingml/2006/main" xmlns:r="http://schemas.openxmlformats.org/officeDocument/2006/relationships" xmlns:p="http://schemas.openxmlformats.org/presentationml/2006/main">
   <p:cSld>
     <p:bg>
@@ -7099,7 +5115,7 @@
           <a:lstStyle/>
           <a:p>
             <a:pPr algn="ctr"/>
-            <a:endParaRPr lang="en-US"/>
+            <a:endParaRPr lang="en-US" dirty="0"/>
           </a:p>
         </p:txBody>
       </p:sp>
@@ -7176,15 +5192,12 @@
           </a:bodyPr>
           <a:lstStyle/>
           <a:p>
-            <a:r>
-              <a:rPr lang="en-US" sz="1800" dirty="0">
-                <a:solidFill>
-                  <a:srgbClr val="000000"/>
-                </a:solidFill>
-                <a:latin typeface="Bahnschrift SemiLight" panose="020B0502040204020203" pitchFamily="34" charset="0"/>
-              </a:rPr>
-              <a:t>Based of the data. We can see that </a:t>
-            </a:r>
+            <a:endParaRPr lang="en-US" sz="1800" dirty="0">
+              <a:solidFill>
+                <a:srgbClr val="000000"/>
+              </a:solidFill>
+              <a:latin typeface="Bahnschrift SemiLight" panose="020B0502040204020203" pitchFamily="34" charset="0"/>
+            </a:endParaRPr>
           </a:p>
         </p:txBody>
       </p:sp>
@@ -7378,7 +5391,7 @@
           <a:lstStyle/>
           <a:p>
             <a:pPr algn="ctr"/>
-            <a:endParaRPr lang="en-US"/>
+            <a:endParaRPr lang="en-US" dirty="0"/>
           </a:p>
         </p:txBody>
       </p:sp>
@@ -7569,11 +5582,2982 @@
               </a:spcAft>
             </a:pPr>
             <a:r>
+              <a:rPr lang="en-US" sz="700" dirty="0">
+                <a:solidFill>
+                  <a:srgbClr val="FFFFFF"/>
+                </a:solidFill>
+                <a:hlinkClick r:id="rId4" tooltip="http://portfolioticsmoraleda.blogspot.com/2011/04/conclusion_14.html">
+                  <a:extLst>
+                    <a:ext uri="{A12FA001-AC4F-418D-AE19-62706E023703}">
+                      <ahyp:hlinkClr xmlns:ahyp="http://schemas.microsoft.com/office/drawing/2018/hyperlinkcolor" val="tx"/>
+                    </a:ext>
+                  </a:extLst>
+                </a:hlinkClick>
+              </a:rPr>
+              <a:t>This Photo</a:t>
+            </a:r>
+            <a:r>
+              <a:rPr lang="en-US" sz="700" dirty="0">
+                <a:solidFill>
+                  <a:srgbClr val="FFFFFF"/>
+                </a:solidFill>
+              </a:rPr>
+              <a:t> by Unknown Author is licensed under </a:t>
+            </a:r>
+            <a:r>
+              <a:rPr lang="en-US" sz="700" dirty="0">
+                <a:solidFill>
+                  <a:srgbClr val="FFFFFF"/>
+                </a:solidFill>
+                <a:hlinkClick r:id="rId5" tooltip="https://creativecommons.org/licenses/by-nc-nd/3.0/">
+                  <a:extLst>
+                    <a:ext uri="{A12FA001-AC4F-418D-AE19-62706E023703}">
+                      <ahyp:hlinkClr xmlns:ahyp="http://schemas.microsoft.com/office/drawing/2018/hyperlinkcolor" val="tx"/>
+                    </a:ext>
+                  </a:extLst>
+                </a:hlinkClick>
+              </a:rPr>
+              <a:t>CC BY-NC-ND</a:t>
+            </a:r>
+            <a:endParaRPr lang="en-US" sz="700" dirty="0">
+              <a:solidFill>
+                <a:srgbClr val="FFFFFF"/>
+              </a:solidFill>
+            </a:endParaRPr>
+          </a:p>
+        </p:txBody>
+      </p:sp>
+    </p:spTree>
+    <p:extLst>
+      <p:ext uri="{BB962C8B-B14F-4D97-AF65-F5344CB8AC3E}">
+        <p14:creationId xmlns:p14="http://schemas.microsoft.com/office/powerpoint/2010/main" val="1879951510"/>
+      </p:ext>
+    </p:extLst>
+  </p:cSld>
+  <p:clrMapOvr>
+    <a:masterClrMapping/>
+  </p:clrMapOvr>
+</p:sld>
+</file>
+
+<file path=ppt/slides/slide2.xml><?xml version="1.0" encoding="utf-8"?>
+<p:sld xmlns:a="http://schemas.openxmlformats.org/drawingml/2006/main" xmlns:r="http://schemas.openxmlformats.org/officeDocument/2006/relationships" xmlns:p="http://schemas.openxmlformats.org/presentationml/2006/main">
+  <p:cSld>
+    <p:spTree>
+      <p:nvGrpSpPr>
+        <p:cNvPr id="1" name=""/>
+        <p:cNvGrpSpPr/>
+        <p:nvPr/>
+      </p:nvGrpSpPr>
+      <p:grpSpPr>
+        <a:xfrm>
+          <a:off x="0" y="0"/>
+          <a:ext cx="0" cy="0"/>
+          <a:chOff x="0" y="0"/>
+          <a:chExt cx="0" cy="0"/>
+        </a:xfrm>
+      </p:grpSpPr>
+      <p:sp>
+        <p:nvSpPr>
+          <p:cNvPr id="30" name="Rectangle 23">
+            <a:extLst>
+              <a:ext uri="{FF2B5EF4-FFF2-40B4-BE49-F238E27FC236}">
+                <a16:creationId xmlns:a16="http://schemas.microsoft.com/office/drawing/2014/main" id="{6753252F-4873-4F63-801D-CC719279A7D5}"/>
+              </a:ext>
+              <a:ext uri="{C183D7F6-B498-43B3-948B-1728B52AA6E4}">
+                <adec:decorative xmlns:adec="http://schemas.microsoft.com/office/drawing/2017/decorative" val="1"/>
+              </a:ext>
+            </a:extLst>
+          </p:cNvPr>
+          <p:cNvSpPr>
+            <a:spLocks noGrp="1" noRot="1" noChangeAspect="1" noMove="1" noResize="1" noEditPoints="1" noAdjustHandles="1" noChangeArrowheads="1" noChangeShapeType="1" noTextEdit="1"/>
+          </p:cNvSpPr>
+          <p:nvPr>
+            <p:extLst>
+              <p:ext uri="{386F3935-93C4-4BCD-93E2-E3B085C9AB24}">
+                <p16:designElem xmlns:p16="http://schemas.microsoft.com/office/powerpoint/2015/main" val="1"/>
+              </p:ext>
+            </p:extLst>
+          </p:nvPr>
+        </p:nvSpPr>
+        <p:spPr>
+          <a:xfrm>
+            <a:off x="0" y="0"/>
+            <a:ext cx="12192000" cy="6858000"/>
+          </a:xfrm>
+          <a:prstGeom prst="rect">
+            <a:avLst/>
+          </a:prstGeom>
+          <a:solidFill>
+            <a:srgbClr val="FFFFFF"/>
+          </a:solidFill>
+          <a:ln>
+            <a:noFill/>
+          </a:ln>
+        </p:spPr>
+        <p:style>
+          <a:lnRef idx="2">
+            <a:schemeClr val="accent1">
+              <a:shade val="50000"/>
+            </a:schemeClr>
+          </a:lnRef>
+          <a:fillRef idx="1">
+            <a:schemeClr val="accent1"/>
+          </a:fillRef>
+          <a:effectRef idx="0">
+            <a:schemeClr val="accent1"/>
+          </a:effectRef>
+          <a:fontRef idx="minor">
+            <a:schemeClr val="lt1"/>
+          </a:fontRef>
+        </p:style>
+        <p:txBody>
+          <a:bodyPr rtlCol="0" anchor="ctr"/>
+          <a:lstStyle/>
+          <a:p>
+            <a:pPr algn="ctr"/>
+            <a:endParaRPr lang="en-US" dirty="0"/>
+          </a:p>
+        </p:txBody>
+      </p:sp>
+      <p:sp>
+        <p:nvSpPr>
+          <p:cNvPr id="31" name="Rectangle 25">
+            <a:extLst>
+              <a:ext uri="{FF2B5EF4-FFF2-40B4-BE49-F238E27FC236}">
+                <a16:creationId xmlns:a16="http://schemas.microsoft.com/office/drawing/2014/main" id="{047C8CCB-F95D-4249-92DD-651249D3535A}"/>
+              </a:ext>
+              <a:ext uri="{C183D7F6-B498-43B3-948B-1728B52AA6E4}">
+                <adec:decorative xmlns:adec="http://schemas.microsoft.com/office/drawing/2017/decorative" val="1"/>
+              </a:ext>
+            </a:extLst>
+          </p:cNvPr>
+          <p:cNvSpPr>
+            <a:spLocks noGrp="1" noRot="1" noChangeAspect="1" noMove="1" noResize="1" noEditPoints="1" noAdjustHandles="1" noChangeArrowheads="1" noChangeShapeType="1" noTextEdit="1"/>
+          </p:cNvSpPr>
+          <p:nvPr>
+            <p:extLst>
+              <p:ext uri="{386F3935-93C4-4BCD-93E2-E3B085C9AB24}">
+                <p16:designElem xmlns:p16="http://schemas.microsoft.com/office/powerpoint/2015/main" val="1"/>
+              </p:ext>
+            </p:extLst>
+          </p:nvPr>
+        </p:nvSpPr>
+        <p:spPr>
+          <a:xfrm>
+            <a:off x="0" y="0"/>
+            <a:ext cx="2013557" cy="6858000"/>
+          </a:xfrm>
+          <a:prstGeom prst="rect">
+            <a:avLst/>
+          </a:prstGeom>
+          <a:solidFill>
+            <a:srgbClr val="35513D"/>
+          </a:solidFill>
+          <a:ln>
+            <a:noFill/>
+          </a:ln>
+        </p:spPr>
+        <p:style>
+          <a:lnRef idx="2">
+            <a:schemeClr val="accent1">
+              <a:shade val="50000"/>
+            </a:schemeClr>
+          </a:lnRef>
+          <a:fillRef idx="1">
+            <a:schemeClr val="accent1"/>
+          </a:fillRef>
+          <a:effectRef idx="0">
+            <a:schemeClr val="accent1"/>
+          </a:effectRef>
+          <a:fontRef idx="minor">
+            <a:schemeClr val="lt1"/>
+          </a:fontRef>
+        </p:style>
+        <p:txBody>
+          <a:bodyPr rtlCol="0" anchor="ctr"/>
+          <a:lstStyle/>
+          <a:p>
+            <a:pPr algn="ctr"/>
+            <a:endParaRPr lang="en-US" dirty="0"/>
+          </a:p>
+        </p:txBody>
+      </p:sp>
+      <p:sp>
+        <p:nvSpPr>
+          <p:cNvPr id="2" name="Title 1">
+            <a:extLst>
+              <a:ext uri="{FF2B5EF4-FFF2-40B4-BE49-F238E27FC236}">
+                <a16:creationId xmlns:a16="http://schemas.microsoft.com/office/drawing/2014/main" id="{36AA3EF2-C91A-4E1F-9A33-245685CB500C}"/>
+              </a:ext>
+            </a:extLst>
+          </p:cNvPr>
+          <p:cNvSpPr>
+            <a:spLocks noGrp="1"/>
+          </p:cNvSpPr>
+          <p:nvPr>
+            <p:ph type="title"/>
+          </p:nvPr>
+        </p:nvSpPr>
+        <p:spPr>
+          <a:xfrm>
+            <a:off x="640080" y="2074363"/>
+            <a:ext cx="2752354" cy="2709275"/>
+          </a:xfrm>
+          <a:prstGeom prst="ellipse">
+            <a:avLst/>
+          </a:prstGeom>
+          <a:solidFill>
+            <a:srgbClr val="262626"/>
+          </a:solidFill>
+          <a:ln w="174625" cmpd="thinThick">
+            <a:solidFill>
+              <a:srgbClr val="262626"/>
+            </a:solidFill>
+          </a:ln>
+        </p:spPr>
+        <p:txBody>
+          <a:bodyPr vert="horz" lIns="91440" tIns="45720" rIns="91440" bIns="45720" rtlCol="0" anchor="ctr">
+            <a:normAutofit/>
+          </a:bodyPr>
+          <a:lstStyle/>
+          <a:p>
+            <a:pPr algn="ctr"/>
+            <a:r>
+              <a:rPr lang="en-US" sz="2600" kern="1200" dirty="0">
+                <a:solidFill>
+                  <a:srgbClr val="FFFFFF"/>
+                </a:solidFill>
+                <a:latin typeface="+mj-lt"/>
+                <a:ea typeface="+mj-ea"/>
+                <a:cs typeface="+mj-cs"/>
+              </a:rPr>
+              <a:t>               Crimes by campus</a:t>
+            </a:r>
+          </a:p>
+        </p:txBody>
+      </p:sp>
+      <p:pic>
+        <p:nvPicPr>
+          <p:cNvPr id="14" name="Content Placeholder 9">
+            <a:extLst>
+              <a:ext uri="{FF2B5EF4-FFF2-40B4-BE49-F238E27FC236}">
+                <a16:creationId xmlns:a16="http://schemas.microsoft.com/office/drawing/2014/main" id="{341EDDB4-574C-4FBB-9F99-086A74F8841A}"/>
+              </a:ext>
+            </a:extLst>
+          </p:cNvPr>
+          <p:cNvPicPr>
+            <a:picLocks noGrp="1" noChangeAspect="1"/>
+          </p:cNvPicPr>
+          <p:nvPr>
+            <p:ph sz="half" idx="2"/>
+          </p:nvPr>
+        </p:nvPicPr>
+        <p:blipFill>
+          <a:blip r:embed="rId2">
+            <a:extLst>
+              <a:ext uri="{28A0092B-C50C-407E-A947-70E740481C1C}">
+                <a14:useLocalDpi xmlns:a14="http://schemas.microsoft.com/office/drawing/2010/main" val="0"/>
+              </a:ext>
+              <a:ext uri="{837473B0-CC2E-450A-ABE3-18F120FF3D39}">
+                <a1611:picAttrSrcUrl xmlns:a1611="http://schemas.microsoft.com/office/drawing/2016/11/main" r:id="rId3"/>
+              </a:ext>
+            </a:extLst>
+          </a:blip>
+          <a:stretch>
+            <a:fillRect/>
+          </a:stretch>
+        </p:blipFill>
+        <p:spPr>
+          <a:xfrm>
+            <a:off x="4038600" y="1028244"/>
+            <a:ext cx="7188199" cy="4798122"/>
+          </a:xfrm>
+          <a:prstGeom prst="rect">
+            <a:avLst/>
+          </a:prstGeom>
+        </p:spPr>
+      </p:pic>
+      <p:sp>
+        <p:nvSpPr>
+          <p:cNvPr id="11" name="TextBox 10">
+            <a:extLst>
+              <a:ext uri="{FF2B5EF4-FFF2-40B4-BE49-F238E27FC236}">
+                <a16:creationId xmlns:a16="http://schemas.microsoft.com/office/drawing/2014/main" id="{94B8C065-A3A5-43A5-ABD0-9FFB06940218}"/>
+              </a:ext>
+            </a:extLst>
+          </p:cNvPr>
+          <p:cNvSpPr txBox="1"/>
+          <p:nvPr/>
+        </p:nvSpPr>
+        <p:spPr>
+          <a:xfrm>
+            <a:off x="8919757" y="5626311"/>
+            <a:ext cx="2307042" cy="200055"/>
+          </a:xfrm>
+          <a:prstGeom prst="rect">
+            <a:avLst/>
+          </a:prstGeom>
+          <a:solidFill>
+            <a:srgbClr val="000000"/>
+          </a:solidFill>
+        </p:spPr>
+        <p:txBody>
+          <a:bodyPr wrap="none" rtlCol="0">
+            <a:spAutoFit/>
+          </a:bodyPr>
+          <a:lstStyle/>
+          <a:p>
+            <a:pPr algn="r">
+              <a:spcAft>
+                <a:spcPts val="600"/>
+              </a:spcAft>
+            </a:pPr>
+            <a:r>
+              <a:rPr lang="en-US" sz="700" dirty="0">
+                <a:solidFill>
+                  <a:srgbClr val="FFFFFF"/>
+                </a:solidFill>
+                <a:hlinkClick r:id="rId3" tooltip="http://en.wikipedia.org/wiki/File:MSU_Law_School_1.jpg">
+                  <a:extLst>
+                    <a:ext uri="{A12FA001-AC4F-418D-AE19-62706E023703}">
+                      <ahyp:hlinkClr xmlns:ahyp="http://schemas.microsoft.com/office/drawing/2018/hyperlinkcolor" val="tx"/>
+                    </a:ext>
+                  </a:extLst>
+                </a:hlinkClick>
+              </a:rPr>
+              <a:t>This Photo</a:t>
+            </a:r>
+            <a:r>
+              <a:rPr lang="en-US" sz="700" dirty="0">
+                <a:solidFill>
+                  <a:srgbClr val="FFFFFF"/>
+                </a:solidFill>
+              </a:rPr>
+              <a:t> by Unknown Author is licensed under </a:t>
+            </a:r>
+            <a:r>
+              <a:rPr lang="en-US" sz="700" dirty="0">
+                <a:solidFill>
+                  <a:srgbClr val="FFFFFF"/>
+                </a:solidFill>
+                <a:hlinkClick r:id="rId4" tooltip="https://creativecommons.org/licenses/by-sa/3.0/">
+                  <a:extLst>
+                    <a:ext uri="{A12FA001-AC4F-418D-AE19-62706E023703}">
+                      <ahyp:hlinkClr xmlns:ahyp="http://schemas.microsoft.com/office/drawing/2018/hyperlinkcolor" val="tx"/>
+                    </a:ext>
+                  </a:extLst>
+                </a:hlinkClick>
+              </a:rPr>
+              <a:t>CC BY-SA</a:t>
+            </a:r>
+            <a:endParaRPr lang="en-US" sz="700" dirty="0">
+              <a:solidFill>
+                <a:srgbClr val="FFFFFF"/>
+              </a:solidFill>
+            </a:endParaRPr>
+          </a:p>
+        </p:txBody>
+      </p:sp>
+    </p:spTree>
+    <p:extLst>
+      <p:ext uri="{BB962C8B-B14F-4D97-AF65-F5344CB8AC3E}">
+        <p14:creationId xmlns:p14="http://schemas.microsoft.com/office/powerpoint/2010/main" val="2301836211"/>
+      </p:ext>
+    </p:extLst>
+  </p:cSld>
+  <p:clrMapOvr>
+    <a:masterClrMapping/>
+  </p:clrMapOvr>
+</p:sld>
+</file>
+
+<file path=ppt/slides/slide3.xml><?xml version="1.0" encoding="utf-8"?>
+<p:sld xmlns:a="http://schemas.openxmlformats.org/drawingml/2006/main" xmlns:r="http://schemas.openxmlformats.org/officeDocument/2006/relationships" xmlns:p="http://schemas.openxmlformats.org/presentationml/2006/main">
+  <p:cSld>
+    <p:bg>
+      <p:bgPr>
+        <a:solidFill>
+          <a:schemeClr val="tx2">
+            <a:lumMod val="60000"/>
+            <a:lumOff val="40000"/>
+          </a:schemeClr>
+        </a:solidFill>
+        <a:effectLst/>
+      </p:bgPr>
+    </p:bg>
+    <p:spTree>
+      <p:nvGrpSpPr>
+        <p:cNvPr id="1" name=""/>
+        <p:cNvGrpSpPr/>
+        <p:nvPr/>
+      </p:nvGrpSpPr>
+      <p:grpSpPr>
+        <a:xfrm>
+          <a:off x="0" y="0"/>
+          <a:ext cx="0" cy="0"/>
+          <a:chOff x="0" y="0"/>
+          <a:chExt cx="0" cy="0"/>
+        </a:xfrm>
+      </p:grpSpPr>
+      <p:sp>
+        <p:nvSpPr>
+          <p:cNvPr id="27" name="Title 26">
+            <a:extLst>
+              <a:ext uri="{FF2B5EF4-FFF2-40B4-BE49-F238E27FC236}">
+                <a16:creationId xmlns:a16="http://schemas.microsoft.com/office/drawing/2014/main" id="{D8C03D9B-3EE8-4F32-9C36-BE38BAA5BC5B}"/>
+              </a:ext>
+            </a:extLst>
+          </p:cNvPr>
+          <p:cNvSpPr>
+            <a:spLocks noGrp="1"/>
+          </p:cNvSpPr>
+          <p:nvPr>
+            <p:ph type="title"/>
+          </p:nvPr>
+        </p:nvSpPr>
+        <p:spPr>
+          <a:xfrm>
+            <a:off x="838200" y="365126"/>
+            <a:ext cx="10515600" cy="415460"/>
+          </a:xfrm>
+          <a:ln>
+            <a:solidFill>
+              <a:schemeClr val="tx1"/>
+            </a:solidFill>
+          </a:ln>
+          <a:effectLst>
+            <a:outerShdw blurRad="50800" dist="38100" dir="5400000" algn="t" rotWithShape="0">
+              <a:prstClr val="black">
+                <a:alpha val="40000"/>
+              </a:prstClr>
+            </a:outerShdw>
+          </a:effectLst>
+        </p:spPr>
+        <p:txBody>
+          <a:bodyPr>
+            <a:noAutofit/>
+          </a:bodyPr>
+          <a:lstStyle/>
+          <a:p>
+            <a:r>
+              <a:rPr lang="en-US" b="1" dirty="0">
+                <a:solidFill>
+                  <a:schemeClr val="accent2">
+                    <a:lumMod val="75000"/>
+                  </a:schemeClr>
+                </a:solidFill>
+                <a:latin typeface="Baskerville Old Face" panose="02020602080505020303" pitchFamily="18" charset="0"/>
+              </a:rPr>
+              <a:t>Crime Data by Campus</a:t>
+            </a:r>
+          </a:p>
+        </p:txBody>
+      </p:sp>
+      <p:graphicFrame>
+        <p:nvGraphicFramePr>
+          <p:cNvPr id="29" name="Content Placeholder 28">
+            <a:extLst>
+              <a:ext uri="{FF2B5EF4-FFF2-40B4-BE49-F238E27FC236}">
+                <a16:creationId xmlns:a16="http://schemas.microsoft.com/office/drawing/2014/main" id="{896681D8-5B2A-4690-87E3-8EDB7483E635}"/>
+              </a:ext>
+            </a:extLst>
+          </p:cNvPr>
+          <p:cNvGraphicFramePr>
+            <a:graphicFrameLocks noGrp="1"/>
+          </p:cNvGraphicFramePr>
+          <p:nvPr>
+            <p:ph idx="1"/>
+            <p:extLst>
+              <p:ext uri="{D42A27DB-BD31-4B8C-83A1-F6EECF244321}">
+                <p14:modId xmlns:p14="http://schemas.microsoft.com/office/powerpoint/2010/main" val="2585976193"/>
+              </p:ext>
+            </p:extLst>
+          </p:nvPr>
+        </p:nvGraphicFramePr>
+        <p:xfrm>
+          <a:off x="535260" y="981307"/>
+          <a:ext cx="11039703" cy="5606090"/>
+        </p:xfrm>
+        <a:graphic>
+          <a:graphicData uri="http://schemas.openxmlformats.org/drawingml/2006/table">
+            <a:tbl>
+              <a:tblPr firstRow="1" bandRow="1">
+                <a:tableStyleId>{5C22544A-7EE6-4342-B048-85BDC9FD1C3A}</a:tableStyleId>
+              </a:tblPr>
+              <a:tblGrid>
+                <a:gridCol w="1033069">
+                  <a:extLst>
+                    <a:ext uri="{9D8B030D-6E8A-4147-A177-3AD203B41FA5}">
+                      <a16:colId xmlns:a16="http://schemas.microsoft.com/office/drawing/2014/main" val="3289087660"/>
+                    </a:ext>
+                  </a:extLst>
+                </a:gridCol>
+                <a:gridCol w="909694">
+                  <a:extLst>
+                    <a:ext uri="{9D8B030D-6E8A-4147-A177-3AD203B41FA5}">
+                      <a16:colId xmlns:a16="http://schemas.microsoft.com/office/drawing/2014/main" val="2852807456"/>
+                    </a:ext>
+                  </a:extLst>
+                </a:gridCol>
+                <a:gridCol w="909694">
+                  <a:extLst>
+                    <a:ext uri="{9D8B030D-6E8A-4147-A177-3AD203B41FA5}">
+                      <a16:colId xmlns:a16="http://schemas.microsoft.com/office/drawing/2014/main" val="2195725110"/>
+                    </a:ext>
+                  </a:extLst>
+                </a:gridCol>
+                <a:gridCol w="909694">
+                  <a:extLst>
+                    <a:ext uri="{9D8B030D-6E8A-4147-A177-3AD203B41FA5}">
+                      <a16:colId xmlns:a16="http://schemas.microsoft.com/office/drawing/2014/main" val="2419812663"/>
+                    </a:ext>
+                  </a:extLst>
+                </a:gridCol>
+                <a:gridCol w="909694">
+                  <a:extLst>
+                    <a:ext uri="{9D8B030D-6E8A-4147-A177-3AD203B41FA5}">
+                      <a16:colId xmlns:a16="http://schemas.microsoft.com/office/drawing/2014/main" val="3973955326"/>
+                    </a:ext>
+                  </a:extLst>
+                </a:gridCol>
+                <a:gridCol w="909694">
+                  <a:extLst>
+                    <a:ext uri="{9D8B030D-6E8A-4147-A177-3AD203B41FA5}">
+                      <a16:colId xmlns:a16="http://schemas.microsoft.com/office/drawing/2014/main" val="1862961258"/>
+                    </a:ext>
+                  </a:extLst>
+                </a:gridCol>
+                <a:gridCol w="909694">
+                  <a:extLst>
+                    <a:ext uri="{9D8B030D-6E8A-4147-A177-3AD203B41FA5}">
+                      <a16:colId xmlns:a16="http://schemas.microsoft.com/office/drawing/2014/main" val="2576092979"/>
+                    </a:ext>
+                  </a:extLst>
+                </a:gridCol>
+                <a:gridCol w="909694">
+                  <a:extLst>
+                    <a:ext uri="{9D8B030D-6E8A-4147-A177-3AD203B41FA5}">
+                      <a16:colId xmlns:a16="http://schemas.microsoft.com/office/drawing/2014/main" val="1089954020"/>
+                    </a:ext>
+                  </a:extLst>
+                </a:gridCol>
+                <a:gridCol w="909694">
+                  <a:extLst>
+                    <a:ext uri="{9D8B030D-6E8A-4147-A177-3AD203B41FA5}">
+                      <a16:colId xmlns:a16="http://schemas.microsoft.com/office/drawing/2014/main" val="1124848539"/>
+                    </a:ext>
+                  </a:extLst>
+                </a:gridCol>
+                <a:gridCol w="909694">
+                  <a:extLst>
+                    <a:ext uri="{9D8B030D-6E8A-4147-A177-3AD203B41FA5}">
+                      <a16:colId xmlns:a16="http://schemas.microsoft.com/office/drawing/2014/main" val="2278626549"/>
+                    </a:ext>
+                  </a:extLst>
+                </a:gridCol>
+                <a:gridCol w="909694">
+                  <a:extLst>
+                    <a:ext uri="{9D8B030D-6E8A-4147-A177-3AD203B41FA5}">
+                      <a16:colId xmlns:a16="http://schemas.microsoft.com/office/drawing/2014/main" val="1838185647"/>
+                    </a:ext>
+                  </a:extLst>
+                </a:gridCol>
+                <a:gridCol w="909694">
+                  <a:extLst>
+                    <a:ext uri="{9D8B030D-6E8A-4147-A177-3AD203B41FA5}">
+                      <a16:colId xmlns:a16="http://schemas.microsoft.com/office/drawing/2014/main" val="845414895"/>
+                    </a:ext>
+                  </a:extLst>
+                </a:gridCol>
+              </a:tblGrid>
+              <a:tr h="911834">
+                <a:tc>
+                  <a:txBody>
+                    <a:bodyPr/>
+                    <a:lstStyle/>
+                    <a:p>
+                      <a:r>
+                        <a:rPr lang="en-US" sz="1600" dirty="0"/>
+                        <a:t>College</a:t>
+                      </a:r>
+                    </a:p>
+                  </a:txBody>
+                  <a:tcPr/>
+                </a:tc>
+                <a:tc>
+                  <a:txBody>
+                    <a:bodyPr/>
+                    <a:lstStyle/>
+                    <a:p>
+                      <a:r>
+                        <a:rPr lang="en-US" sz="1400" dirty="0"/>
+                        <a:t>Student enrollment</a:t>
+                      </a:r>
+                    </a:p>
+                  </a:txBody>
+                  <a:tcPr/>
+                </a:tc>
+                <a:tc>
+                  <a:txBody>
+                    <a:bodyPr/>
+                    <a:lstStyle/>
+                    <a:p>
+                      <a:r>
+                        <a:rPr lang="en-US" sz="1600" dirty="0"/>
+                        <a:t>Violent crime</a:t>
+                      </a:r>
+                    </a:p>
+                  </a:txBody>
+                  <a:tcPr/>
+                </a:tc>
+                <a:tc>
+                  <a:txBody>
+                    <a:bodyPr/>
+                    <a:lstStyle/>
+                    <a:p>
+                      <a:r>
+                        <a:rPr lang="en-US" sz="1400" dirty="0"/>
+                        <a:t>Murder</a:t>
+                      </a:r>
+                    </a:p>
+                  </a:txBody>
+                  <a:tcPr/>
+                </a:tc>
+                <a:tc>
+                  <a:txBody>
+                    <a:bodyPr/>
+                    <a:lstStyle/>
+                    <a:p>
+                      <a:r>
+                        <a:rPr lang="en-US" dirty="0"/>
+                        <a:t>Rape</a:t>
+                      </a:r>
+                    </a:p>
+                  </a:txBody>
+                  <a:tcPr/>
+                </a:tc>
+                <a:tc>
+                  <a:txBody>
+                    <a:bodyPr/>
+                    <a:lstStyle/>
+                    <a:p>
+                      <a:r>
+                        <a:rPr lang="en-US" sz="1400" dirty="0"/>
+                        <a:t>Robbery</a:t>
+                      </a:r>
+                    </a:p>
+                  </a:txBody>
+                  <a:tcPr/>
+                </a:tc>
+                <a:tc>
+                  <a:txBody>
+                    <a:bodyPr/>
+                    <a:lstStyle/>
+                    <a:p>
+                      <a:pPr algn="l"/>
+                      <a:r>
+                        <a:rPr lang="en-US" sz="1400" b="1" i="0" kern="1200" dirty="0">
+                          <a:solidFill>
+                            <a:schemeClr val="lt1"/>
+                          </a:solidFill>
+                          <a:effectLst/>
+                          <a:latin typeface="+mn-lt"/>
+                          <a:ea typeface="+mn-ea"/>
+                          <a:cs typeface="+mn-cs"/>
+                        </a:rPr>
+                        <a:t>Aggravated assault</a:t>
+                      </a:r>
+                      <a:endParaRPr lang="en-US" sz="1400" dirty="0"/>
+                    </a:p>
+                  </a:txBody>
+                  <a:tcPr/>
+                </a:tc>
+                <a:tc>
+                  <a:txBody>
+                    <a:bodyPr/>
+                    <a:lstStyle/>
+                    <a:p>
+                      <a:pPr algn="l" fontAlgn="ctr"/>
+                      <a:r>
+                        <a:rPr lang="en-US" sz="1400" b="1" dirty="0">
+                          <a:effectLst/>
+                        </a:rPr>
+                        <a:t>Property Crime</a:t>
+                      </a:r>
+                    </a:p>
+                  </a:txBody>
+                  <a:tcPr anchor="ctr"/>
+                </a:tc>
+                <a:tc>
+                  <a:txBody>
+                    <a:bodyPr/>
+                    <a:lstStyle/>
+                    <a:p>
+                      <a:r>
+                        <a:rPr lang="en-US" sz="1400" b="1" i="0" kern="1200" dirty="0">
+                          <a:solidFill>
+                            <a:schemeClr val="lt1"/>
+                          </a:solidFill>
+                          <a:effectLst/>
+                          <a:latin typeface="+mn-lt"/>
+                          <a:ea typeface="+mn-ea"/>
+                          <a:cs typeface="+mn-cs"/>
+                        </a:rPr>
+                        <a:t>Burglary</a:t>
+                      </a:r>
+                      <a:endParaRPr lang="en-US" sz="1400" dirty="0"/>
+                    </a:p>
+                  </a:txBody>
+                  <a:tcPr/>
+                </a:tc>
+                <a:tc>
+                  <a:txBody>
+                    <a:bodyPr/>
+                    <a:lstStyle/>
+                    <a:p>
+                      <a:r>
+                        <a:rPr lang="en-US" sz="1600" b="1" i="0" kern="1200" dirty="0">
+                          <a:solidFill>
+                            <a:schemeClr val="lt1"/>
+                          </a:solidFill>
+                          <a:effectLst/>
+                          <a:latin typeface="+mn-lt"/>
+                          <a:ea typeface="+mn-ea"/>
+                          <a:cs typeface="+mn-cs"/>
+                        </a:rPr>
+                        <a:t>Larceny-theft</a:t>
+                      </a:r>
+                      <a:endParaRPr lang="en-US" sz="1600" dirty="0"/>
+                    </a:p>
+                  </a:txBody>
+                  <a:tcPr/>
+                </a:tc>
+                <a:tc>
+                  <a:txBody>
+                    <a:bodyPr/>
+                    <a:lstStyle/>
+                    <a:p>
+                      <a:pPr algn="r" fontAlgn="ctr"/>
+                      <a:r>
+                        <a:rPr lang="en-US" sz="1600" b="1" dirty="0">
+                          <a:effectLst/>
+                        </a:rPr>
+                        <a:t>Motor vehicle theft</a:t>
+                      </a:r>
+                    </a:p>
+                  </a:txBody>
+                  <a:tcPr anchor="ctr"/>
+                </a:tc>
+                <a:tc>
+                  <a:txBody>
+                    <a:bodyPr/>
+                    <a:lstStyle/>
+                    <a:p>
+                      <a:r>
+                        <a:rPr lang="en-US" sz="1800" b="1" i="0" kern="1200" dirty="0">
+                          <a:solidFill>
+                            <a:schemeClr val="lt1"/>
+                          </a:solidFill>
+                          <a:effectLst/>
+                          <a:latin typeface="+mn-lt"/>
+                          <a:ea typeface="+mn-ea"/>
+                          <a:cs typeface="+mn-cs"/>
+                        </a:rPr>
+                        <a:t>Arson</a:t>
+                      </a:r>
+                      <a:endParaRPr lang="en-US" dirty="0"/>
+                    </a:p>
+                  </a:txBody>
+                  <a:tcPr/>
+                </a:tc>
+                <a:extLst>
+                  <a:ext uri="{0D108BD9-81ED-4DB2-BD59-A6C34878D82A}">
+                    <a16:rowId xmlns:a16="http://schemas.microsoft.com/office/drawing/2014/main" val="2697534041"/>
+                  </a:ext>
+                </a:extLst>
+              </a:tr>
+              <a:tr h="844290">
+                <a:tc>
+                  <a:txBody>
+                    <a:bodyPr/>
+                    <a:lstStyle/>
+                    <a:p>
+                      <a:r>
+                        <a:rPr lang="en-US" sz="1100" dirty="0"/>
+                        <a:t>California State University, Pomona </a:t>
+                      </a:r>
+                    </a:p>
+                  </a:txBody>
+                  <a:tcPr/>
+                </a:tc>
+                <a:tc>
+                  <a:txBody>
+                    <a:bodyPr/>
+                    <a:lstStyle/>
+                    <a:p>
+                      <a:r>
+                        <a:rPr lang="en-US" sz="1800" b="0" i="0" kern="1200" dirty="0">
+                          <a:solidFill>
+                            <a:schemeClr val="dk1"/>
+                          </a:solidFill>
+                          <a:effectLst/>
+                          <a:latin typeface="+mn-lt"/>
+                          <a:ea typeface="+mn-ea"/>
+                          <a:cs typeface="+mn-cs"/>
+                        </a:rPr>
+                        <a:t>23966</a:t>
+                      </a:r>
+                      <a:endParaRPr lang="en-US" dirty="0"/>
+                    </a:p>
+                  </a:txBody>
+                  <a:tcPr/>
+                </a:tc>
+                <a:tc>
+                  <a:txBody>
+                    <a:bodyPr/>
+                    <a:lstStyle/>
+                    <a:p>
+                      <a:r>
+                        <a:rPr lang="en-US" dirty="0"/>
+                        <a:t>6</a:t>
+                      </a:r>
+                    </a:p>
+                  </a:txBody>
+                  <a:tcPr/>
+                </a:tc>
+                <a:tc>
+                  <a:txBody>
+                    <a:bodyPr/>
+                    <a:lstStyle/>
+                    <a:p>
+                      <a:r>
+                        <a:rPr lang="en-US" dirty="0"/>
+                        <a:t>0</a:t>
+                      </a:r>
+                    </a:p>
+                  </a:txBody>
+                  <a:tcPr/>
+                </a:tc>
+                <a:tc>
+                  <a:txBody>
+                    <a:bodyPr/>
+                    <a:lstStyle/>
+                    <a:p>
+                      <a:r>
+                        <a:rPr lang="en-US" dirty="0"/>
+                        <a:t>4</a:t>
+                      </a:r>
+                    </a:p>
+                  </a:txBody>
+                  <a:tcPr/>
+                </a:tc>
+                <a:tc>
+                  <a:txBody>
+                    <a:bodyPr/>
+                    <a:lstStyle/>
+                    <a:p>
+                      <a:r>
+                        <a:rPr lang="en-US" dirty="0"/>
+                        <a:t>1</a:t>
+                      </a:r>
+                    </a:p>
+                  </a:txBody>
+                  <a:tcPr/>
+                </a:tc>
+                <a:tc>
+                  <a:txBody>
+                    <a:bodyPr/>
+                    <a:lstStyle/>
+                    <a:p>
+                      <a:r>
+                        <a:rPr lang="en-US" dirty="0"/>
+                        <a:t>1</a:t>
+                      </a:r>
+                    </a:p>
+                  </a:txBody>
+                  <a:tcPr/>
+                </a:tc>
+                <a:tc>
+                  <a:txBody>
+                    <a:bodyPr/>
+                    <a:lstStyle/>
+                    <a:p>
+                      <a:r>
+                        <a:rPr lang="en-US" dirty="0"/>
+                        <a:t>173</a:t>
+                      </a:r>
+                    </a:p>
+                  </a:txBody>
+                  <a:tcPr/>
+                </a:tc>
+                <a:tc>
+                  <a:txBody>
+                    <a:bodyPr/>
+                    <a:lstStyle/>
+                    <a:p>
+                      <a:r>
+                        <a:rPr lang="en-US" dirty="0"/>
+                        <a:t>5</a:t>
+                      </a:r>
+                    </a:p>
+                  </a:txBody>
+                  <a:tcPr/>
+                </a:tc>
+                <a:tc>
+                  <a:txBody>
+                    <a:bodyPr/>
+                    <a:lstStyle/>
+                    <a:p>
+                      <a:r>
+                        <a:rPr lang="en-US" dirty="0"/>
+                        <a:t>150</a:t>
+                      </a:r>
+                    </a:p>
+                  </a:txBody>
+                  <a:tcPr/>
+                </a:tc>
+                <a:tc>
+                  <a:txBody>
+                    <a:bodyPr/>
+                    <a:lstStyle/>
+                    <a:p>
+                      <a:r>
+                        <a:rPr lang="en-US" dirty="0"/>
+                        <a:t>18</a:t>
+                      </a:r>
+                    </a:p>
+                  </a:txBody>
+                  <a:tcPr/>
+                </a:tc>
+                <a:tc>
+                  <a:txBody>
+                    <a:bodyPr/>
+                    <a:lstStyle/>
+                    <a:p>
+                      <a:r>
+                        <a:rPr lang="en-US" dirty="0"/>
+                        <a:t>1</a:t>
+                      </a:r>
+                    </a:p>
+                  </a:txBody>
+                  <a:tcPr/>
+                </a:tc>
+                <a:extLst>
+                  <a:ext uri="{0D108BD9-81ED-4DB2-BD59-A6C34878D82A}">
+                    <a16:rowId xmlns:a16="http://schemas.microsoft.com/office/drawing/2014/main" val="1154403988"/>
+                  </a:ext>
+                </a:extLst>
+              </a:tr>
+              <a:tr h="1030035">
+                <a:tc>
+                  <a:txBody>
+                    <a:bodyPr/>
+                    <a:lstStyle/>
+                    <a:p>
+                      <a:pPr algn="r" fontAlgn="ctr"/>
+                      <a:r>
+                        <a:rPr lang="en-US" sz="1100" dirty="0">
+                          <a:effectLst/>
+                        </a:rPr>
+                        <a:t>California State Polytechnic University,San Luis Obispo</a:t>
+                      </a:r>
+                    </a:p>
+                  </a:txBody>
+                  <a:tcPr anchor="ctr"/>
+                </a:tc>
+                <a:tc>
+                  <a:txBody>
+                    <a:bodyPr/>
+                    <a:lstStyle/>
+                    <a:p>
+                      <a:r>
+                        <a:rPr lang="en-US" sz="1800" b="0" i="0" kern="1200" dirty="0">
+                          <a:solidFill>
+                            <a:schemeClr val="dk1"/>
+                          </a:solidFill>
+                          <a:effectLst/>
+                          <a:latin typeface="+mn-lt"/>
+                          <a:ea typeface="+mn-ea"/>
+                          <a:cs typeface="+mn-cs"/>
+                        </a:rPr>
+                        <a:t>20186</a:t>
+                      </a:r>
+                      <a:endParaRPr lang="en-US" dirty="0"/>
+                    </a:p>
+                  </a:txBody>
+                  <a:tcPr/>
+                </a:tc>
+                <a:tc>
+                  <a:txBody>
+                    <a:bodyPr/>
+                    <a:lstStyle/>
+                    <a:p>
+                      <a:r>
+                        <a:rPr lang="en-US" dirty="0"/>
+                        <a:t>3</a:t>
+                      </a:r>
+                    </a:p>
+                  </a:txBody>
+                  <a:tcPr/>
+                </a:tc>
+                <a:tc>
+                  <a:txBody>
+                    <a:bodyPr/>
+                    <a:lstStyle/>
+                    <a:p>
+                      <a:r>
+                        <a:rPr lang="en-US" dirty="0"/>
+                        <a:t>0</a:t>
+                      </a:r>
+                    </a:p>
+                  </a:txBody>
+                  <a:tcPr/>
+                </a:tc>
+                <a:tc>
+                  <a:txBody>
+                    <a:bodyPr/>
+                    <a:lstStyle/>
+                    <a:p>
+                      <a:r>
+                        <a:rPr lang="en-US" dirty="0"/>
+                        <a:t>2</a:t>
+                      </a:r>
+                    </a:p>
+                  </a:txBody>
+                  <a:tcPr/>
+                </a:tc>
+                <a:tc>
+                  <a:txBody>
+                    <a:bodyPr/>
+                    <a:lstStyle/>
+                    <a:p>
+                      <a:r>
+                        <a:rPr lang="en-US" dirty="0"/>
+                        <a:t>0</a:t>
+                      </a:r>
+                    </a:p>
+                  </a:txBody>
+                  <a:tcPr/>
+                </a:tc>
+                <a:tc>
+                  <a:txBody>
+                    <a:bodyPr/>
+                    <a:lstStyle/>
+                    <a:p>
+                      <a:r>
+                        <a:rPr lang="en-US" dirty="0"/>
+                        <a:t>1</a:t>
+                      </a:r>
+                    </a:p>
+                  </a:txBody>
+                  <a:tcPr/>
+                </a:tc>
+                <a:tc>
+                  <a:txBody>
+                    <a:bodyPr/>
+                    <a:lstStyle/>
+                    <a:p>
+                      <a:r>
+                        <a:rPr lang="en-US" dirty="0"/>
+                        <a:t>163</a:t>
+                      </a:r>
+                    </a:p>
+                  </a:txBody>
+                  <a:tcPr/>
+                </a:tc>
+                <a:tc>
+                  <a:txBody>
+                    <a:bodyPr/>
+                    <a:lstStyle/>
+                    <a:p>
+                      <a:r>
+                        <a:rPr lang="en-US" dirty="0"/>
+                        <a:t>7</a:t>
+                      </a:r>
+                    </a:p>
+                  </a:txBody>
+                  <a:tcPr/>
+                </a:tc>
+                <a:tc>
+                  <a:txBody>
+                    <a:bodyPr/>
+                    <a:lstStyle/>
+                    <a:p>
+                      <a:r>
+                        <a:rPr lang="en-US" dirty="0"/>
+                        <a:t>149</a:t>
+                      </a:r>
+                    </a:p>
+                  </a:txBody>
+                  <a:tcPr/>
+                </a:tc>
+                <a:tc>
+                  <a:txBody>
+                    <a:bodyPr/>
+                    <a:lstStyle/>
+                    <a:p>
+                      <a:r>
+                        <a:rPr lang="en-US" dirty="0"/>
+                        <a:t>7</a:t>
+                      </a:r>
+                    </a:p>
+                  </a:txBody>
+                  <a:tcPr/>
+                </a:tc>
+                <a:tc>
+                  <a:txBody>
+                    <a:bodyPr/>
+                    <a:lstStyle/>
+                    <a:p>
+                      <a:r>
+                        <a:rPr lang="en-US" dirty="0"/>
+                        <a:t>1</a:t>
+                      </a:r>
+                    </a:p>
+                  </a:txBody>
+                  <a:tcPr/>
+                </a:tc>
+                <a:extLst>
+                  <a:ext uri="{0D108BD9-81ED-4DB2-BD59-A6C34878D82A}">
+                    <a16:rowId xmlns:a16="http://schemas.microsoft.com/office/drawing/2014/main" val="3881823210"/>
+                  </a:ext>
+                </a:extLst>
+              </a:tr>
+              <a:tr h="844290">
+                <a:tc>
+                  <a:txBody>
+                    <a:bodyPr/>
+                    <a:lstStyle/>
+                    <a:p>
+                      <a:r>
+                        <a:rPr lang="en-US" sz="1100" b="0" i="0" kern="1200" dirty="0">
+                          <a:solidFill>
+                            <a:schemeClr val="dk1"/>
+                          </a:solidFill>
+                          <a:effectLst/>
+                          <a:latin typeface="+mn-lt"/>
+                          <a:ea typeface="+mn-ea"/>
+                          <a:cs typeface="+mn-cs"/>
+                        </a:rPr>
+                        <a:t>California State University,Bakersfield</a:t>
+                      </a:r>
+                      <a:endParaRPr lang="en-US" sz="1100" dirty="0"/>
+                    </a:p>
+                  </a:txBody>
+                  <a:tcPr/>
+                </a:tc>
+                <a:tc>
+                  <a:txBody>
+                    <a:bodyPr/>
+                    <a:lstStyle/>
+                    <a:p>
+                      <a:r>
+                        <a:rPr lang="en-US" dirty="0"/>
+                        <a:t>8720</a:t>
+                      </a:r>
+                    </a:p>
+                  </a:txBody>
+                  <a:tcPr/>
+                </a:tc>
+                <a:tc>
+                  <a:txBody>
+                    <a:bodyPr/>
+                    <a:lstStyle/>
+                    <a:p>
+                      <a:r>
+                        <a:rPr lang="en-US" dirty="0"/>
+                        <a:t>1</a:t>
+                      </a:r>
+                    </a:p>
+                  </a:txBody>
+                  <a:tcPr/>
+                </a:tc>
+                <a:tc>
+                  <a:txBody>
+                    <a:bodyPr/>
+                    <a:lstStyle/>
+                    <a:p>
+                      <a:r>
+                        <a:rPr lang="en-US" dirty="0"/>
+                        <a:t>0</a:t>
+                      </a:r>
+                    </a:p>
+                  </a:txBody>
+                  <a:tcPr/>
+                </a:tc>
+                <a:tc>
+                  <a:txBody>
+                    <a:bodyPr/>
+                    <a:lstStyle/>
+                    <a:p>
+                      <a:r>
+                        <a:rPr lang="en-US" dirty="0"/>
+                        <a:t>0</a:t>
+                      </a:r>
+                    </a:p>
+                  </a:txBody>
+                  <a:tcPr/>
+                </a:tc>
+                <a:tc>
+                  <a:txBody>
+                    <a:bodyPr/>
+                    <a:lstStyle/>
+                    <a:p>
+                      <a:r>
+                        <a:rPr lang="en-US" dirty="0"/>
+                        <a:t>0</a:t>
+                      </a:r>
+                    </a:p>
+                  </a:txBody>
+                  <a:tcPr/>
+                </a:tc>
+                <a:tc>
+                  <a:txBody>
+                    <a:bodyPr/>
+                    <a:lstStyle/>
+                    <a:p>
+                      <a:r>
+                        <a:rPr lang="en-US" dirty="0"/>
+                        <a:t>1</a:t>
+                      </a:r>
+                    </a:p>
+                  </a:txBody>
+                  <a:tcPr/>
+                </a:tc>
+                <a:tc>
+                  <a:txBody>
+                    <a:bodyPr/>
+                    <a:lstStyle/>
+                    <a:p>
+                      <a:r>
+                        <a:rPr lang="en-US" dirty="0"/>
+                        <a:t>78</a:t>
+                      </a:r>
+                    </a:p>
+                  </a:txBody>
+                  <a:tcPr/>
+                </a:tc>
+                <a:tc>
+                  <a:txBody>
+                    <a:bodyPr/>
+                    <a:lstStyle/>
+                    <a:p>
+                      <a:r>
+                        <a:rPr lang="en-US" dirty="0"/>
+                        <a:t>12</a:t>
+                      </a:r>
+                    </a:p>
+                  </a:txBody>
+                  <a:tcPr/>
+                </a:tc>
+                <a:tc>
+                  <a:txBody>
+                    <a:bodyPr/>
+                    <a:lstStyle/>
+                    <a:p>
+                      <a:r>
+                        <a:rPr lang="en-US" dirty="0"/>
+                        <a:t>65</a:t>
+                      </a:r>
+                    </a:p>
+                  </a:txBody>
+                  <a:tcPr/>
+                </a:tc>
+                <a:tc>
+                  <a:txBody>
+                    <a:bodyPr/>
+                    <a:lstStyle/>
+                    <a:p>
+                      <a:r>
+                        <a:rPr lang="en-US" dirty="0"/>
+                        <a:t>1</a:t>
+                      </a:r>
+                    </a:p>
+                  </a:txBody>
+                  <a:tcPr/>
+                </a:tc>
+                <a:tc>
+                  <a:txBody>
+                    <a:bodyPr/>
+                    <a:lstStyle/>
+                    <a:p>
+                      <a:r>
+                        <a:rPr lang="en-US" dirty="0"/>
+                        <a:t>0</a:t>
+                      </a:r>
+                    </a:p>
+                  </a:txBody>
+                  <a:tcPr/>
+                </a:tc>
+                <a:extLst>
+                  <a:ext uri="{0D108BD9-81ED-4DB2-BD59-A6C34878D82A}">
+                    <a16:rowId xmlns:a16="http://schemas.microsoft.com/office/drawing/2014/main" val="2663477297"/>
+                  </a:ext>
+                </a:extLst>
+              </a:tr>
+              <a:tr h="658547">
+                <a:tc>
+                  <a:txBody>
+                    <a:bodyPr/>
+                    <a:lstStyle/>
+                    <a:p>
+                      <a:pPr algn="r" fontAlgn="ctr"/>
+                      <a:r>
+                        <a:rPr lang="en-US" sz="1100" dirty="0">
+                          <a:effectLst/>
+                        </a:rPr>
+                        <a:t>University of California,Davis</a:t>
+                      </a:r>
+                    </a:p>
+                  </a:txBody>
+                  <a:tcPr anchor="ctr"/>
+                </a:tc>
+                <a:tc>
+                  <a:txBody>
+                    <a:bodyPr/>
+                    <a:lstStyle/>
+                    <a:p>
+                      <a:r>
+                        <a:rPr lang="en-US" sz="1800" b="0" i="0" kern="1200" dirty="0">
+                          <a:solidFill>
+                            <a:schemeClr val="dk1"/>
+                          </a:solidFill>
+                          <a:effectLst/>
+                          <a:latin typeface="+mn-lt"/>
+                          <a:ea typeface="+mn-ea"/>
+                          <a:cs typeface="+mn-cs"/>
+                        </a:rPr>
+                        <a:t>34508</a:t>
+                      </a:r>
+                      <a:endParaRPr lang="en-US" dirty="0"/>
+                    </a:p>
+                  </a:txBody>
+                  <a:tcPr/>
+                </a:tc>
+                <a:tc>
+                  <a:txBody>
+                    <a:bodyPr/>
+                    <a:lstStyle/>
+                    <a:p>
+                      <a:r>
+                        <a:rPr lang="en-US" dirty="0"/>
+                        <a:t>22</a:t>
+                      </a:r>
+                    </a:p>
+                  </a:txBody>
+                  <a:tcPr/>
+                </a:tc>
+                <a:tc>
+                  <a:txBody>
+                    <a:bodyPr/>
+                    <a:lstStyle/>
+                    <a:p>
+                      <a:r>
+                        <a:rPr lang="en-US" dirty="0"/>
+                        <a:t>0</a:t>
+                      </a:r>
+                    </a:p>
+                  </a:txBody>
+                  <a:tcPr/>
+                </a:tc>
+                <a:tc>
+                  <a:txBody>
+                    <a:bodyPr/>
+                    <a:lstStyle/>
+                    <a:p>
+                      <a:r>
+                        <a:rPr lang="en-US" dirty="0"/>
+                        <a:t>13</a:t>
+                      </a:r>
+                    </a:p>
+                  </a:txBody>
+                  <a:tcPr/>
+                </a:tc>
+                <a:tc>
+                  <a:txBody>
+                    <a:bodyPr/>
+                    <a:lstStyle/>
+                    <a:p>
+                      <a:r>
+                        <a:rPr lang="en-US" dirty="0"/>
+                        <a:t>4</a:t>
+                      </a:r>
+                    </a:p>
+                  </a:txBody>
+                  <a:tcPr/>
+                </a:tc>
+                <a:tc>
+                  <a:txBody>
+                    <a:bodyPr/>
+                    <a:lstStyle/>
+                    <a:p>
+                      <a:r>
+                        <a:rPr lang="en-US" dirty="0"/>
+                        <a:t>5</a:t>
+                      </a:r>
+                    </a:p>
+                  </a:txBody>
+                  <a:tcPr/>
+                </a:tc>
+                <a:tc>
+                  <a:txBody>
+                    <a:bodyPr/>
+                    <a:lstStyle/>
+                    <a:p>
+                      <a:r>
+                        <a:rPr lang="en-US" dirty="0"/>
+                        <a:t>600</a:t>
+                      </a:r>
+                    </a:p>
+                  </a:txBody>
+                  <a:tcPr/>
+                </a:tc>
+                <a:tc>
+                  <a:txBody>
+                    <a:bodyPr/>
+                    <a:lstStyle/>
+                    <a:p>
+                      <a:r>
+                        <a:rPr lang="en-US" dirty="0"/>
+                        <a:t>27</a:t>
+                      </a:r>
+                    </a:p>
+                  </a:txBody>
+                  <a:tcPr/>
+                </a:tc>
+                <a:tc>
+                  <a:txBody>
+                    <a:bodyPr/>
+                    <a:lstStyle/>
+                    <a:p>
+                      <a:r>
+                        <a:rPr lang="en-US" dirty="0"/>
+                        <a:t>568</a:t>
+                      </a:r>
+                    </a:p>
+                  </a:txBody>
+                  <a:tcPr/>
+                </a:tc>
+                <a:tc>
+                  <a:txBody>
+                    <a:bodyPr/>
+                    <a:lstStyle/>
+                    <a:p>
+                      <a:r>
+                        <a:rPr lang="en-US" dirty="0"/>
+                        <a:t>5</a:t>
+                      </a:r>
+                    </a:p>
+                  </a:txBody>
+                  <a:tcPr/>
+                </a:tc>
+                <a:tc>
+                  <a:txBody>
+                    <a:bodyPr/>
+                    <a:lstStyle/>
+                    <a:p>
+                      <a:r>
+                        <a:rPr lang="en-US" dirty="0"/>
+                        <a:t>3</a:t>
+                      </a:r>
+                    </a:p>
+                  </a:txBody>
+                  <a:tcPr/>
+                </a:tc>
+                <a:extLst>
+                  <a:ext uri="{0D108BD9-81ED-4DB2-BD59-A6C34878D82A}">
+                    <a16:rowId xmlns:a16="http://schemas.microsoft.com/office/drawing/2014/main" val="872081271"/>
+                  </a:ext>
+                </a:extLst>
+              </a:tr>
+              <a:tr h="658547">
+                <a:tc>
+                  <a:txBody>
+                    <a:bodyPr/>
+                    <a:lstStyle/>
+                    <a:p>
+                      <a:r>
+                        <a:rPr lang="en-US" sz="1100" b="0" i="0" kern="1200" dirty="0">
+                          <a:solidFill>
+                            <a:schemeClr val="dk1"/>
+                          </a:solidFill>
+                          <a:effectLst/>
+                          <a:latin typeface="+mn-lt"/>
+                          <a:ea typeface="+mn-ea"/>
+                          <a:cs typeface="+mn-cs"/>
+                        </a:rPr>
+                        <a:t>University of California,San Francisco</a:t>
+                      </a:r>
+                      <a:endParaRPr lang="en-US" sz="1100" dirty="0"/>
+                    </a:p>
+                  </a:txBody>
+                  <a:tcPr/>
+                </a:tc>
+                <a:tc>
+                  <a:txBody>
+                    <a:bodyPr/>
+                    <a:lstStyle/>
+                    <a:p>
+                      <a:r>
+                        <a:rPr lang="en-US" sz="1800" b="0" i="0" kern="1200" dirty="0">
+                          <a:solidFill>
+                            <a:schemeClr val="dk1"/>
+                          </a:solidFill>
+                          <a:effectLst/>
+                          <a:latin typeface="+mn-lt"/>
+                          <a:ea typeface="+mn-ea"/>
+                          <a:cs typeface="+mn-cs"/>
+                        </a:rPr>
+                        <a:t>3170</a:t>
+                      </a:r>
+                      <a:endParaRPr lang="en-US" dirty="0"/>
+                    </a:p>
+                  </a:txBody>
+                  <a:tcPr/>
+                </a:tc>
+                <a:tc>
+                  <a:txBody>
+                    <a:bodyPr/>
+                    <a:lstStyle/>
+                    <a:p>
+                      <a:r>
+                        <a:rPr lang="en-US" dirty="0"/>
+                        <a:t>15</a:t>
+                      </a:r>
+                    </a:p>
+                  </a:txBody>
+                  <a:tcPr/>
+                </a:tc>
+                <a:tc>
+                  <a:txBody>
+                    <a:bodyPr/>
+                    <a:lstStyle/>
+                    <a:p>
+                      <a:r>
+                        <a:rPr lang="en-US" dirty="0"/>
+                        <a:t>0</a:t>
+                      </a:r>
+                    </a:p>
+                  </a:txBody>
+                  <a:tcPr/>
+                </a:tc>
+                <a:tc>
+                  <a:txBody>
+                    <a:bodyPr/>
+                    <a:lstStyle/>
+                    <a:p>
+                      <a:r>
+                        <a:rPr lang="en-US" dirty="0"/>
+                        <a:t>1</a:t>
+                      </a:r>
+                    </a:p>
+                  </a:txBody>
+                  <a:tcPr/>
+                </a:tc>
+                <a:tc>
+                  <a:txBody>
+                    <a:bodyPr/>
+                    <a:lstStyle/>
+                    <a:p>
+                      <a:r>
+                        <a:rPr lang="en-US" dirty="0"/>
+                        <a:t>4</a:t>
+                      </a:r>
+                    </a:p>
+                  </a:txBody>
+                  <a:tcPr/>
+                </a:tc>
+                <a:tc>
+                  <a:txBody>
+                    <a:bodyPr/>
+                    <a:lstStyle/>
+                    <a:p>
+                      <a:r>
+                        <a:rPr lang="en-US" dirty="0"/>
+                        <a:t>10</a:t>
+                      </a:r>
+                    </a:p>
+                  </a:txBody>
+                  <a:tcPr/>
+                </a:tc>
+                <a:tc>
+                  <a:txBody>
+                    <a:bodyPr/>
+                    <a:lstStyle/>
+                    <a:p>
+                      <a:r>
+                        <a:rPr lang="en-US" dirty="0"/>
+                        <a:t>437</a:t>
+                      </a:r>
+                    </a:p>
+                  </a:txBody>
+                  <a:tcPr/>
+                </a:tc>
+                <a:tc>
+                  <a:txBody>
+                    <a:bodyPr/>
+                    <a:lstStyle/>
+                    <a:p>
+                      <a:r>
+                        <a:rPr lang="en-US" dirty="0"/>
+                        <a:t>34</a:t>
+                      </a:r>
+                    </a:p>
+                  </a:txBody>
+                  <a:tcPr/>
+                </a:tc>
+                <a:tc>
+                  <a:txBody>
+                    <a:bodyPr/>
+                    <a:lstStyle/>
+                    <a:p>
+                      <a:r>
+                        <a:rPr lang="en-US" dirty="0"/>
+                        <a:t>387</a:t>
+                      </a:r>
+                    </a:p>
+                  </a:txBody>
+                  <a:tcPr/>
+                </a:tc>
+                <a:tc>
+                  <a:txBody>
+                    <a:bodyPr/>
+                    <a:lstStyle/>
+                    <a:p>
+                      <a:r>
+                        <a:rPr lang="en-US" dirty="0"/>
+                        <a:t>16</a:t>
+                      </a:r>
+                    </a:p>
+                  </a:txBody>
+                  <a:tcPr/>
+                </a:tc>
+                <a:tc>
+                  <a:txBody>
+                    <a:bodyPr/>
+                    <a:lstStyle/>
+                    <a:p>
+                      <a:r>
+                        <a:rPr lang="en-US" dirty="0"/>
+                        <a:t>0</a:t>
+                      </a:r>
+                    </a:p>
+                  </a:txBody>
+                  <a:tcPr/>
+                </a:tc>
+                <a:extLst>
+                  <a:ext uri="{0D108BD9-81ED-4DB2-BD59-A6C34878D82A}">
+                    <a16:rowId xmlns:a16="http://schemas.microsoft.com/office/drawing/2014/main" val="309620004"/>
+                  </a:ext>
+                </a:extLst>
+              </a:tr>
+              <a:tr h="658547">
+                <a:tc>
+                  <a:txBody>
+                    <a:bodyPr/>
+                    <a:lstStyle/>
+                    <a:p>
+                      <a:r>
+                        <a:rPr lang="en-US" sz="1100" b="0" i="0" kern="1200" dirty="0">
+                          <a:solidFill>
+                            <a:schemeClr val="dk1"/>
+                          </a:solidFill>
+                          <a:effectLst/>
+                          <a:latin typeface="+mn-lt"/>
+                          <a:ea typeface="+mn-ea"/>
+                          <a:cs typeface="+mn-cs"/>
+                        </a:rPr>
+                        <a:t>University of California,Berkeley</a:t>
+                      </a:r>
+                      <a:endParaRPr lang="en-US" sz="1100" dirty="0"/>
+                    </a:p>
+                  </a:txBody>
+                  <a:tcPr/>
+                </a:tc>
+                <a:tc>
+                  <a:txBody>
+                    <a:bodyPr/>
+                    <a:lstStyle/>
+                    <a:p>
+                      <a:r>
+                        <a:rPr lang="en-US" sz="1800" b="0" i="0" kern="1200" dirty="0">
+                          <a:solidFill>
+                            <a:schemeClr val="dk1"/>
+                          </a:solidFill>
+                          <a:effectLst/>
+                          <a:latin typeface="+mn-lt"/>
+                          <a:ea typeface="+mn-ea"/>
+                          <a:cs typeface="+mn-cs"/>
+                        </a:rPr>
+                        <a:t>37565</a:t>
+                      </a:r>
+                      <a:endParaRPr lang="en-US" dirty="0"/>
+                    </a:p>
+                  </a:txBody>
+                  <a:tcPr/>
+                </a:tc>
+                <a:tc>
+                  <a:txBody>
+                    <a:bodyPr/>
+                    <a:lstStyle/>
+                    <a:p>
+                      <a:r>
+                        <a:rPr lang="en-US" dirty="0"/>
+                        <a:t>35</a:t>
+                      </a:r>
+                    </a:p>
+                  </a:txBody>
+                  <a:tcPr/>
+                </a:tc>
+                <a:tc>
+                  <a:txBody>
+                    <a:bodyPr/>
+                    <a:lstStyle/>
+                    <a:p>
+                      <a:r>
+                        <a:rPr lang="en-US" dirty="0"/>
+                        <a:t>0</a:t>
+                      </a:r>
+                    </a:p>
+                  </a:txBody>
+                  <a:tcPr/>
+                </a:tc>
+                <a:tc>
+                  <a:txBody>
+                    <a:bodyPr/>
+                    <a:lstStyle/>
+                    <a:p>
+                      <a:r>
+                        <a:rPr lang="en-US" dirty="0"/>
+                        <a:t>9</a:t>
+                      </a:r>
+                    </a:p>
+                  </a:txBody>
+                  <a:tcPr/>
+                </a:tc>
+                <a:tc>
+                  <a:txBody>
+                    <a:bodyPr/>
+                    <a:lstStyle/>
+                    <a:p>
+                      <a:r>
+                        <a:rPr lang="en-US" dirty="0"/>
+                        <a:t>12</a:t>
+                      </a:r>
+                    </a:p>
+                  </a:txBody>
+                  <a:tcPr/>
+                </a:tc>
+                <a:tc>
+                  <a:txBody>
+                    <a:bodyPr/>
+                    <a:lstStyle/>
+                    <a:p>
+                      <a:r>
+                        <a:rPr lang="en-US" dirty="0"/>
+                        <a:t>15</a:t>
+                      </a:r>
+                    </a:p>
+                  </a:txBody>
+                  <a:tcPr/>
+                </a:tc>
+                <a:tc>
+                  <a:txBody>
+                    <a:bodyPr/>
+                    <a:lstStyle/>
+                    <a:p>
+                      <a:r>
+                        <a:rPr lang="en-US" dirty="0"/>
+                        <a:t>749</a:t>
+                      </a:r>
+                    </a:p>
+                  </a:txBody>
+                  <a:tcPr/>
+                </a:tc>
+                <a:tc>
+                  <a:txBody>
+                    <a:bodyPr/>
+                    <a:lstStyle/>
+                    <a:p>
+                      <a:r>
+                        <a:rPr lang="en-US" dirty="0"/>
+                        <a:t>43</a:t>
+                      </a:r>
+                    </a:p>
+                  </a:txBody>
+                  <a:tcPr/>
+                </a:tc>
+                <a:tc>
+                  <a:txBody>
+                    <a:bodyPr/>
+                    <a:lstStyle/>
+                    <a:p>
+                      <a:r>
+                        <a:rPr lang="en-US" dirty="0"/>
+                        <a:t>688</a:t>
+                      </a:r>
+                    </a:p>
+                  </a:txBody>
+                  <a:tcPr/>
+                </a:tc>
+                <a:tc>
+                  <a:txBody>
+                    <a:bodyPr/>
+                    <a:lstStyle/>
+                    <a:p>
+                      <a:r>
+                        <a:rPr lang="en-US" dirty="0"/>
+                        <a:t>18</a:t>
+                      </a:r>
+                    </a:p>
+                  </a:txBody>
+                  <a:tcPr/>
+                </a:tc>
+                <a:tc>
+                  <a:txBody>
+                    <a:bodyPr/>
+                    <a:lstStyle/>
+                    <a:p>
+                      <a:r>
+                        <a:rPr lang="en-US" dirty="0"/>
+                        <a:t>1</a:t>
+                      </a:r>
+                    </a:p>
+                  </a:txBody>
+                  <a:tcPr/>
+                </a:tc>
+                <a:extLst>
+                  <a:ext uri="{0D108BD9-81ED-4DB2-BD59-A6C34878D82A}">
+                    <a16:rowId xmlns:a16="http://schemas.microsoft.com/office/drawing/2014/main" val="619372899"/>
+                  </a:ext>
+                </a:extLst>
+              </a:tr>
+            </a:tbl>
+          </a:graphicData>
+        </a:graphic>
+      </p:graphicFrame>
+    </p:spTree>
+    <p:extLst>
+      <p:ext uri="{BB962C8B-B14F-4D97-AF65-F5344CB8AC3E}">
+        <p14:creationId xmlns:p14="http://schemas.microsoft.com/office/powerpoint/2010/main" val="99545592"/>
+      </p:ext>
+    </p:extLst>
+  </p:cSld>
+  <p:clrMapOvr>
+    <a:masterClrMapping/>
+  </p:clrMapOvr>
+</p:sld>
+</file>
+
+<file path=ppt/slides/slide4.xml><?xml version="1.0" encoding="utf-8"?>
+<p:sld xmlns:a="http://schemas.openxmlformats.org/drawingml/2006/main" xmlns:r="http://schemas.openxmlformats.org/officeDocument/2006/relationships" xmlns:p="http://schemas.openxmlformats.org/presentationml/2006/main">
+  <p:cSld>
+    <p:bg>
+      <p:bgPr>
+        <a:solidFill>
+          <a:schemeClr val="bg1"/>
+        </a:solidFill>
+        <a:effectLst/>
+      </p:bgPr>
+    </p:bg>
+    <p:spTree>
+      <p:nvGrpSpPr>
+        <p:cNvPr id="1" name=""/>
+        <p:cNvGrpSpPr/>
+        <p:nvPr/>
+      </p:nvGrpSpPr>
+      <p:grpSpPr>
+        <a:xfrm>
+          <a:off x="0" y="0"/>
+          <a:ext cx="0" cy="0"/>
+          <a:chOff x="0" y="0"/>
+          <a:chExt cx="0" cy="0"/>
+        </a:xfrm>
+      </p:grpSpPr>
+      <p:sp>
+        <p:nvSpPr>
+          <p:cNvPr id="23" name="Rectangle 22">
+            <a:extLst>
+              <a:ext uri="{FF2B5EF4-FFF2-40B4-BE49-F238E27FC236}">
+                <a16:creationId xmlns:a16="http://schemas.microsoft.com/office/drawing/2014/main" id="{6753252F-4873-4F63-801D-CC719279A7D5}"/>
+              </a:ext>
+              <a:ext uri="{C183D7F6-B498-43B3-948B-1728B52AA6E4}">
+                <adec:decorative xmlns:adec="http://schemas.microsoft.com/office/drawing/2017/decorative" val="1"/>
+              </a:ext>
+            </a:extLst>
+          </p:cNvPr>
+          <p:cNvSpPr>
+            <a:spLocks noGrp="1" noRot="1" noChangeAspect="1" noMove="1" noResize="1" noEditPoints="1" noAdjustHandles="1" noChangeArrowheads="1" noChangeShapeType="1" noTextEdit="1"/>
+          </p:cNvSpPr>
+          <p:nvPr>
+            <p:extLst>
+              <p:ext uri="{386F3935-93C4-4BCD-93E2-E3B085C9AB24}">
+                <p16:designElem xmlns:p16="http://schemas.microsoft.com/office/powerpoint/2015/main" val="1"/>
+              </p:ext>
+            </p:extLst>
+          </p:nvPr>
+        </p:nvSpPr>
+        <p:spPr>
+          <a:xfrm>
+            <a:off x="0" y="0"/>
+            <a:ext cx="12192000" cy="6858000"/>
+          </a:xfrm>
+          <a:prstGeom prst="rect">
+            <a:avLst/>
+          </a:prstGeom>
+          <a:solidFill>
+            <a:srgbClr val="FFFFFF"/>
+          </a:solidFill>
+          <a:ln>
+            <a:noFill/>
+          </a:ln>
+        </p:spPr>
+        <p:style>
+          <a:lnRef idx="2">
+            <a:schemeClr val="accent1">
+              <a:shade val="50000"/>
+            </a:schemeClr>
+          </a:lnRef>
+          <a:fillRef idx="1">
+            <a:schemeClr val="accent1"/>
+          </a:fillRef>
+          <a:effectRef idx="0">
+            <a:schemeClr val="accent1"/>
+          </a:effectRef>
+          <a:fontRef idx="minor">
+            <a:schemeClr val="lt1"/>
+          </a:fontRef>
+        </p:style>
+        <p:txBody>
+          <a:bodyPr rtlCol="0" anchor="ctr"/>
+          <a:lstStyle/>
+          <a:p>
+            <a:pPr algn="ctr"/>
+            <a:endParaRPr lang="en-US" dirty="0"/>
+          </a:p>
+        </p:txBody>
+      </p:sp>
+      <p:sp>
+        <p:nvSpPr>
+          <p:cNvPr id="25" name="Rectangle 24">
+            <a:extLst>
+              <a:ext uri="{FF2B5EF4-FFF2-40B4-BE49-F238E27FC236}">
+                <a16:creationId xmlns:a16="http://schemas.microsoft.com/office/drawing/2014/main" id="{047C8CCB-F95D-4249-92DD-651249D3535A}"/>
+              </a:ext>
+              <a:ext uri="{C183D7F6-B498-43B3-948B-1728B52AA6E4}">
+                <adec:decorative xmlns:adec="http://schemas.microsoft.com/office/drawing/2017/decorative" val="1"/>
+              </a:ext>
+            </a:extLst>
+          </p:cNvPr>
+          <p:cNvSpPr>
+            <a:spLocks noGrp="1" noRot="1" noChangeAspect="1" noMove="1" noResize="1" noEditPoints="1" noAdjustHandles="1" noChangeArrowheads="1" noChangeShapeType="1" noTextEdit="1"/>
+          </p:cNvSpPr>
+          <p:nvPr>
+            <p:extLst>
+              <p:ext uri="{386F3935-93C4-4BCD-93E2-E3B085C9AB24}">
+                <p16:designElem xmlns:p16="http://schemas.microsoft.com/office/powerpoint/2015/main" val="1"/>
+              </p:ext>
+            </p:extLst>
+          </p:nvPr>
+        </p:nvSpPr>
+        <p:spPr>
+          <a:xfrm>
+            <a:off x="0" y="0"/>
+            <a:ext cx="2013557" cy="6858000"/>
+          </a:xfrm>
+          <a:prstGeom prst="rect">
+            <a:avLst/>
+          </a:prstGeom>
+          <a:solidFill>
+            <a:srgbClr val="795249"/>
+          </a:solidFill>
+          <a:ln>
+            <a:noFill/>
+          </a:ln>
+        </p:spPr>
+        <p:style>
+          <a:lnRef idx="2">
+            <a:schemeClr val="accent1">
+              <a:shade val="50000"/>
+            </a:schemeClr>
+          </a:lnRef>
+          <a:fillRef idx="1">
+            <a:schemeClr val="accent1"/>
+          </a:fillRef>
+          <a:effectRef idx="0">
+            <a:schemeClr val="accent1"/>
+          </a:effectRef>
+          <a:fontRef idx="minor">
+            <a:schemeClr val="lt1"/>
+          </a:fontRef>
+        </p:style>
+        <p:txBody>
+          <a:bodyPr rtlCol="0" anchor="ctr"/>
+          <a:lstStyle/>
+          <a:p>
+            <a:pPr algn="ctr"/>
+            <a:endParaRPr lang="en-US" dirty="0"/>
+          </a:p>
+        </p:txBody>
+      </p:sp>
+      <p:sp>
+        <p:nvSpPr>
+          <p:cNvPr id="2" name="Title 1">
+            <a:extLst>
+              <a:ext uri="{FF2B5EF4-FFF2-40B4-BE49-F238E27FC236}">
+                <a16:creationId xmlns:a16="http://schemas.microsoft.com/office/drawing/2014/main" id="{2E7DDF23-CFEE-4038-8F91-26CCFDDFE261}"/>
+              </a:ext>
+            </a:extLst>
+          </p:cNvPr>
+          <p:cNvSpPr>
+            <a:spLocks noGrp="1"/>
+          </p:cNvSpPr>
+          <p:nvPr>
+            <p:ph type="title"/>
+          </p:nvPr>
+        </p:nvSpPr>
+        <p:spPr>
+          <a:xfrm>
+            <a:off x="640080" y="2074363"/>
+            <a:ext cx="2752354" cy="2709275"/>
+          </a:xfrm>
+          <a:prstGeom prst="ellipse">
+            <a:avLst/>
+          </a:prstGeom>
+          <a:solidFill>
+            <a:srgbClr val="262626"/>
+          </a:solidFill>
+          <a:ln w="174625" cmpd="thinThick">
+            <a:solidFill>
+              <a:srgbClr val="262626"/>
+            </a:solidFill>
+          </a:ln>
+        </p:spPr>
+        <p:txBody>
+          <a:bodyPr vert="horz" lIns="91440" tIns="45720" rIns="91440" bIns="45720" rtlCol="0" anchor="ctr">
+            <a:normAutofit/>
+          </a:bodyPr>
+          <a:lstStyle/>
+          <a:p>
+            <a:pPr algn="ctr"/>
+            <a:r>
+              <a:rPr lang="en-US" sz="2600" kern="1200" dirty="0">
+                <a:solidFill>
+                  <a:srgbClr val="FFFFFF"/>
+                </a:solidFill>
+                <a:latin typeface="+mj-lt"/>
+                <a:ea typeface="+mj-ea"/>
+                <a:cs typeface="+mj-cs"/>
+              </a:rPr>
+              <a:t>Weather</a:t>
+            </a:r>
+          </a:p>
+        </p:txBody>
+      </p:sp>
+      <p:pic>
+        <p:nvPicPr>
+          <p:cNvPr id="5" name="Content Placeholder 4">
+            <a:extLst>
+              <a:ext uri="{FF2B5EF4-FFF2-40B4-BE49-F238E27FC236}">
+                <a16:creationId xmlns:a16="http://schemas.microsoft.com/office/drawing/2014/main" id="{A255A6D2-4F41-4D4F-AA4F-285C43A1F7D6}"/>
+              </a:ext>
+            </a:extLst>
+          </p:cNvPr>
+          <p:cNvPicPr>
+            <a:picLocks noGrp="1" noChangeAspect="1"/>
+          </p:cNvPicPr>
+          <p:nvPr>
+            <p:ph idx="1"/>
+          </p:nvPr>
+        </p:nvPicPr>
+        <p:blipFill>
+          <a:blip r:embed="rId2">
+            <a:extLst>
+              <a:ext uri="{28A0092B-C50C-407E-A947-70E740481C1C}">
+                <a14:useLocalDpi xmlns:a14="http://schemas.microsoft.com/office/drawing/2010/main" val="0"/>
+              </a:ext>
+              <a:ext uri="{837473B0-CC2E-450A-ABE3-18F120FF3D39}">
+                <a1611:picAttrSrcUrl xmlns:a1611="http://schemas.microsoft.com/office/drawing/2016/11/main" r:id="rId3"/>
+              </a:ext>
+            </a:extLst>
+          </a:blip>
+          <a:stretch>
+            <a:fillRect/>
+          </a:stretch>
+        </p:blipFill>
+        <p:spPr>
+          <a:xfrm>
+            <a:off x="4345375" y="961812"/>
+            <a:ext cx="6574649" cy="4930987"/>
+          </a:xfrm>
+          <a:prstGeom prst="rect">
+            <a:avLst/>
+          </a:prstGeom>
+        </p:spPr>
+      </p:pic>
+      <p:sp>
+        <p:nvSpPr>
+          <p:cNvPr id="6" name="TextBox 5">
+            <a:extLst>
+              <a:ext uri="{FF2B5EF4-FFF2-40B4-BE49-F238E27FC236}">
+                <a16:creationId xmlns:a16="http://schemas.microsoft.com/office/drawing/2014/main" id="{98ECBB28-CD34-4FEF-A613-A892CCD4532F}"/>
+              </a:ext>
+            </a:extLst>
+          </p:cNvPr>
+          <p:cNvSpPr txBox="1"/>
+          <p:nvPr/>
+        </p:nvSpPr>
+        <p:spPr>
+          <a:xfrm>
+            <a:off x="8612982" y="5692744"/>
+            <a:ext cx="2307042" cy="200055"/>
+          </a:xfrm>
+          <a:prstGeom prst="rect">
+            <a:avLst/>
+          </a:prstGeom>
+          <a:solidFill>
+            <a:srgbClr val="000000"/>
+          </a:solidFill>
+        </p:spPr>
+        <p:txBody>
+          <a:bodyPr wrap="none" rtlCol="0">
+            <a:spAutoFit/>
+          </a:bodyPr>
+          <a:lstStyle/>
+          <a:p>
+            <a:pPr algn="r">
+              <a:spcAft>
+                <a:spcPts val="600"/>
+              </a:spcAft>
+            </a:pPr>
+            <a:r>
+              <a:rPr lang="en-US" sz="700" dirty="0">
+                <a:solidFill>
+                  <a:srgbClr val="FFFFFF"/>
+                </a:solidFill>
+                <a:hlinkClick r:id="rId3" tooltip="http://tvnewsninja.blogspot.com/2010_06_01_archive.html">
+                  <a:extLst>
+                    <a:ext uri="{A12FA001-AC4F-418D-AE19-62706E023703}">
+                      <ahyp:hlinkClr xmlns:ahyp="http://schemas.microsoft.com/office/drawing/2018/hyperlinkcolor" val="tx"/>
+                    </a:ext>
+                  </a:extLst>
+                </a:hlinkClick>
+              </a:rPr>
+              <a:t>This Photo</a:t>
+            </a:r>
+            <a:r>
+              <a:rPr lang="en-US" sz="700" dirty="0">
+                <a:solidFill>
+                  <a:srgbClr val="FFFFFF"/>
+                </a:solidFill>
+              </a:rPr>
+              <a:t> by Unknown Author is licensed under </a:t>
+            </a:r>
+            <a:r>
+              <a:rPr lang="en-US" sz="700" dirty="0">
+                <a:solidFill>
+                  <a:srgbClr val="FFFFFF"/>
+                </a:solidFill>
+                <a:hlinkClick r:id="rId4" tooltip="https://creativecommons.org/licenses/by-sa/3.0/">
+                  <a:extLst>
+                    <a:ext uri="{A12FA001-AC4F-418D-AE19-62706E023703}">
+                      <ahyp:hlinkClr xmlns:ahyp="http://schemas.microsoft.com/office/drawing/2018/hyperlinkcolor" val="tx"/>
+                    </a:ext>
+                  </a:extLst>
+                </a:hlinkClick>
+              </a:rPr>
+              <a:t>CC BY-SA</a:t>
+            </a:r>
+            <a:endParaRPr lang="en-US" sz="700" dirty="0">
+              <a:solidFill>
+                <a:srgbClr val="FFFFFF"/>
+              </a:solidFill>
+            </a:endParaRPr>
+          </a:p>
+        </p:txBody>
+      </p:sp>
+    </p:spTree>
+    <p:extLst>
+      <p:ext uri="{BB962C8B-B14F-4D97-AF65-F5344CB8AC3E}">
+        <p14:creationId xmlns:p14="http://schemas.microsoft.com/office/powerpoint/2010/main" val="257055017"/>
+      </p:ext>
+    </p:extLst>
+  </p:cSld>
+  <p:clrMapOvr>
+    <a:masterClrMapping/>
+  </p:clrMapOvr>
+</p:sld>
+</file>
+
+<file path=ppt/slides/slide5.xml><?xml version="1.0" encoding="utf-8"?>
+<p:sld xmlns:a="http://schemas.openxmlformats.org/drawingml/2006/main" xmlns:r="http://schemas.openxmlformats.org/officeDocument/2006/relationships" xmlns:p="http://schemas.openxmlformats.org/presentationml/2006/main">
+  <p:cSld>
+    <p:bg>
+      <p:bgPr>
+        <a:solidFill>
+          <a:schemeClr val="tx2">
+            <a:lumMod val="60000"/>
+            <a:lumOff val="40000"/>
+          </a:schemeClr>
+        </a:solidFill>
+        <a:effectLst/>
+      </p:bgPr>
+    </p:bg>
+    <p:spTree>
+      <p:nvGrpSpPr>
+        <p:cNvPr id="1" name=""/>
+        <p:cNvGrpSpPr/>
+        <p:nvPr/>
+      </p:nvGrpSpPr>
+      <p:grpSpPr>
+        <a:xfrm>
+          <a:off x="0" y="0"/>
+          <a:ext cx="0" cy="0"/>
+          <a:chOff x="0" y="0"/>
+          <a:chExt cx="0" cy="0"/>
+        </a:xfrm>
+      </p:grpSpPr>
+      <p:sp>
+        <p:nvSpPr>
+          <p:cNvPr id="2" name="Title 1">
+            <a:extLst>
+              <a:ext uri="{FF2B5EF4-FFF2-40B4-BE49-F238E27FC236}">
+                <a16:creationId xmlns:a16="http://schemas.microsoft.com/office/drawing/2014/main" id="{BF29392C-1537-4BE1-9DAC-BE8F7BB33B17}"/>
+              </a:ext>
+            </a:extLst>
+          </p:cNvPr>
+          <p:cNvSpPr>
+            <a:spLocks noGrp="1"/>
+          </p:cNvSpPr>
+          <p:nvPr>
+            <p:ph type="title"/>
+          </p:nvPr>
+        </p:nvSpPr>
+        <p:spPr>
+          <a:xfrm>
+            <a:off x="838200" y="669074"/>
+            <a:ext cx="10515600" cy="858644"/>
+          </a:xfrm>
+          <a:ln>
+            <a:solidFill>
+              <a:schemeClr val="tx1"/>
+            </a:solidFill>
+          </a:ln>
+          <a:effectLst>
+            <a:outerShdw blurRad="50800" dist="38100" dir="5400000" algn="t" rotWithShape="0">
+              <a:prstClr val="black">
+                <a:alpha val="40000"/>
+              </a:prstClr>
+            </a:outerShdw>
+          </a:effectLst>
+        </p:spPr>
+        <p:txBody>
+          <a:bodyPr/>
+          <a:lstStyle/>
+          <a:p>
+            <a:r>
+              <a:rPr lang="en-US" dirty="0">
+                <a:solidFill>
+                  <a:schemeClr val="accent2">
+                    <a:lumMod val="75000"/>
+                  </a:schemeClr>
+                </a:solidFill>
+                <a:latin typeface="Baskerville Old Face" panose="02020602080505020303" pitchFamily="18" charset="0"/>
+              </a:rPr>
+              <a:t>Weather Data Averages by Region</a:t>
+            </a:r>
+          </a:p>
+        </p:txBody>
+      </p:sp>
+      <p:graphicFrame>
+        <p:nvGraphicFramePr>
+          <p:cNvPr id="4" name="Content Placeholder 3">
+            <a:extLst>
+              <a:ext uri="{FF2B5EF4-FFF2-40B4-BE49-F238E27FC236}">
+                <a16:creationId xmlns:a16="http://schemas.microsoft.com/office/drawing/2014/main" id="{B9C2F391-CC25-476D-BD58-6362E4F12C7B}"/>
+              </a:ext>
+            </a:extLst>
+          </p:cNvPr>
+          <p:cNvGraphicFramePr>
+            <a:graphicFrameLocks noGrp="1"/>
+          </p:cNvGraphicFramePr>
+          <p:nvPr>
+            <p:ph idx="1"/>
+            <p:extLst>
+              <p:ext uri="{D42A27DB-BD31-4B8C-83A1-F6EECF244321}">
+                <p14:modId xmlns:p14="http://schemas.microsoft.com/office/powerpoint/2010/main" val="3511352981"/>
+              </p:ext>
+            </p:extLst>
+          </p:nvPr>
+        </p:nvGraphicFramePr>
+        <p:xfrm>
+          <a:off x="838200" y="1825624"/>
+          <a:ext cx="10515600" cy="3348542"/>
+        </p:xfrm>
+        <a:graphic>
+          <a:graphicData uri="http://schemas.openxmlformats.org/drawingml/2006/table">
+            <a:tbl>
+              <a:tblPr firstRow="1" bandRow="1">
+                <a:tableStyleId>{5C22544A-7EE6-4342-B048-85BDC9FD1C3A}</a:tableStyleId>
+              </a:tblPr>
+              <a:tblGrid>
+                <a:gridCol w="1752600">
+                  <a:extLst>
+                    <a:ext uri="{9D8B030D-6E8A-4147-A177-3AD203B41FA5}">
+                      <a16:colId xmlns:a16="http://schemas.microsoft.com/office/drawing/2014/main" val="2900817032"/>
+                    </a:ext>
+                  </a:extLst>
+                </a:gridCol>
+                <a:gridCol w="1752600">
+                  <a:extLst>
+                    <a:ext uri="{9D8B030D-6E8A-4147-A177-3AD203B41FA5}">
+                      <a16:colId xmlns:a16="http://schemas.microsoft.com/office/drawing/2014/main" val="789325054"/>
+                    </a:ext>
+                  </a:extLst>
+                </a:gridCol>
+                <a:gridCol w="1752600">
+                  <a:extLst>
+                    <a:ext uri="{9D8B030D-6E8A-4147-A177-3AD203B41FA5}">
+                      <a16:colId xmlns:a16="http://schemas.microsoft.com/office/drawing/2014/main" val="959580509"/>
+                    </a:ext>
+                  </a:extLst>
+                </a:gridCol>
+                <a:gridCol w="1752600">
+                  <a:extLst>
+                    <a:ext uri="{9D8B030D-6E8A-4147-A177-3AD203B41FA5}">
+                      <a16:colId xmlns:a16="http://schemas.microsoft.com/office/drawing/2014/main" val="1944620161"/>
+                    </a:ext>
+                  </a:extLst>
+                </a:gridCol>
+                <a:gridCol w="1752600">
+                  <a:extLst>
+                    <a:ext uri="{9D8B030D-6E8A-4147-A177-3AD203B41FA5}">
+                      <a16:colId xmlns:a16="http://schemas.microsoft.com/office/drawing/2014/main" val="937365470"/>
+                    </a:ext>
+                  </a:extLst>
+                </a:gridCol>
+                <a:gridCol w="1752600">
+                  <a:extLst>
+                    <a:ext uri="{9D8B030D-6E8A-4147-A177-3AD203B41FA5}">
+                      <a16:colId xmlns:a16="http://schemas.microsoft.com/office/drawing/2014/main" val="2995462948"/>
+                    </a:ext>
+                  </a:extLst>
+                </a:gridCol>
+              </a:tblGrid>
+              <a:tr h="1059586">
+                <a:tc>
+                  <a:txBody>
+                    <a:bodyPr/>
+                    <a:lstStyle/>
+                    <a:p>
+                      <a:r>
+                        <a:rPr lang="en-US" dirty="0"/>
+                        <a:t>Region</a:t>
+                      </a:r>
+                    </a:p>
+                  </a:txBody>
+                  <a:tcPr/>
+                </a:tc>
+                <a:tc>
+                  <a:txBody>
+                    <a:bodyPr/>
+                    <a:lstStyle/>
+                    <a:p>
+                      <a:r>
+                        <a:rPr lang="en-US" dirty="0"/>
+                        <a:t>Cloudiness (%)</a:t>
+                      </a:r>
+                    </a:p>
+                  </a:txBody>
+                  <a:tcPr/>
+                </a:tc>
+                <a:tc>
+                  <a:txBody>
+                    <a:bodyPr/>
+                    <a:lstStyle/>
+                    <a:p>
+                      <a:r>
+                        <a:rPr lang="en-US" dirty="0"/>
+                        <a:t>Temperature (F)</a:t>
+                      </a:r>
+                    </a:p>
+                  </a:txBody>
+                  <a:tcPr/>
+                </a:tc>
+                <a:tc>
+                  <a:txBody>
+                    <a:bodyPr/>
+                    <a:lstStyle/>
+                    <a:p>
+                      <a:r>
+                        <a:rPr lang="en-US" dirty="0"/>
+                        <a:t>Humidity (%)</a:t>
+                      </a:r>
+                    </a:p>
+                  </a:txBody>
+                  <a:tcPr/>
+                </a:tc>
+                <a:tc>
+                  <a:txBody>
+                    <a:bodyPr/>
+                    <a:lstStyle/>
+                    <a:p>
+                      <a:r>
+                        <a:rPr lang="en-US" dirty="0"/>
+                        <a:t>Precipitation (%)</a:t>
+                      </a:r>
+                    </a:p>
+                  </a:txBody>
+                  <a:tcPr/>
+                </a:tc>
+                <a:tc>
+                  <a:txBody>
+                    <a:bodyPr/>
+                    <a:lstStyle/>
+                    <a:p>
+                      <a:r>
+                        <a:rPr lang="en-US" dirty="0"/>
+                        <a:t>Wind Speed (mph)</a:t>
+                      </a:r>
+                    </a:p>
+                  </a:txBody>
+                  <a:tcPr/>
+                </a:tc>
+                <a:extLst>
+                  <a:ext uri="{0D108BD9-81ED-4DB2-BD59-A6C34878D82A}">
+                    <a16:rowId xmlns:a16="http://schemas.microsoft.com/office/drawing/2014/main" val="439551748"/>
+                  </a:ext>
+                </a:extLst>
+              </a:tr>
+              <a:tr h="1144478">
+                <a:tc>
+                  <a:txBody>
+                    <a:bodyPr/>
+                    <a:lstStyle/>
+                    <a:p>
+                      <a:r>
+                        <a:rPr lang="en-US" dirty="0"/>
+                        <a:t>Northern California</a:t>
+                      </a:r>
+                    </a:p>
+                  </a:txBody>
+                  <a:tcPr/>
+                </a:tc>
+                <a:tc>
+                  <a:txBody>
+                    <a:bodyPr/>
+                    <a:lstStyle/>
+                    <a:p>
+                      <a:r>
+                        <a:rPr lang="en-US" dirty="0"/>
+                        <a:t>0.3524</a:t>
+                      </a:r>
+                    </a:p>
+                  </a:txBody>
+                  <a:tcPr/>
+                </a:tc>
+                <a:tc>
+                  <a:txBody>
+                    <a:bodyPr/>
+                    <a:lstStyle/>
+                    <a:p>
+                      <a:r>
+                        <a:rPr lang="en-US" dirty="0"/>
+                        <a:t>67.03</a:t>
+                      </a:r>
+                    </a:p>
+                  </a:txBody>
+                  <a:tcPr/>
+                </a:tc>
+                <a:tc>
+                  <a:txBody>
+                    <a:bodyPr/>
+                    <a:lstStyle/>
+                    <a:p>
+                      <a:r>
+                        <a:rPr lang="en-US" dirty="0"/>
+                        <a:t>0.6628</a:t>
+                      </a:r>
+                    </a:p>
+                  </a:txBody>
+                  <a:tcPr/>
+                </a:tc>
+                <a:tc>
+                  <a:txBody>
+                    <a:bodyPr/>
+                    <a:lstStyle/>
+                    <a:p>
+                      <a:r>
+                        <a:rPr lang="en-US" dirty="0"/>
+                        <a:t>0.01157</a:t>
+                      </a:r>
+                    </a:p>
+                  </a:txBody>
+                  <a:tcPr/>
+                </a:tc>
+                <a:tc>
+                  <a:txBody>
+                    <a:bodyPr/>
+                    <a:lstStyle/>
+                    <a:p>
+                      <a:r>
+                        <a:rPr lang="en-US" dirty="0"/>
+                        <a:t>3.7376</a:t>
+                      </a:r>
+                    </a:p>
+                  </a:txBody>
+                  <a:tcPr/>
+                </a:tc>
+                <a:extLst>
+                  <a:ext uri="{0D108BD9-81ED-4DB2-BD59-A6C34878D82A}">
+                    <a16:rowId xmlns:a16="http://schemas.microsoft.com/office/drawing/2014/main" val="4008070893"/>
+                  </a:ext>
+                </a:extLst>
+              </a:tr>
+              <a:tr h="1144478">
+                <a:tc>
+                  <a:txBody>
+                    <a:bodyPr/>
+                    <a:lstStyle/>
+                    <a:p>
+                      <a:r>
+                        <a:rPr lang="en-US" dirty="0"/>
+                        <a:t>Southern California</a:t>
+                      </a:r>
+                    </a:p>
+                  </a:txBody>
+                  <a:tcPr/>
+                </a:tc>
+                <a:tc>
+                  <a:txBody>
+                    <a:bodyPr/>
+                    <a:lstStyle/>
+                    <a:p>
+                      <a:r>
+                        <a:rPr lang="en-US" dirty="0"/>
+                        <a:t>N/A</a:t>
+                      </a:r>
+                    </a:p>
+                  </a:txBody>
+                  <a:tcPr/>
+                </a:tc>
+                <a:tc>
+                  <a:txBody>
+                    <a:bodyPr/>
+                    <a:lstStyle/>
+                    <a:p>
+                      <a:r>
+                        <a:rPr lang="en-US" dirty="0"/>
+                        <a:t>74.82</a:t>
+                      </a:r>
+                    </a:p>
+                  </a:txBody>
+                  <a:tcPr/>
+                </a:tc>
+                <a:tc>
+                  <a:txBody>
+                    <a:bodyPr/>
+                    <a:lstStyle/>
+                    <a:p>
+                      <a:r>
+                        <a:rPr lang="en-US" dirty="0"/>
+                        <a:t>0.6013</a:t>
+                      </a:r>
+                    </a:p>
+                  </a:txBody>
+                  <a:tcPr/>
+                </a:tc>
+                <a:tc>
+                  <a:txBody>
+                    <a:bodyPr/>
+                    <a:lstStyle/>
+                    <a:p>
+                      <a:r>
+                        <a:rPr lang="en-US" dirty="0"/>
+                        <a:t>0.003891</a:t>
+                      </a:r>
+                    </a:p>
+                  </a:txBody>
+                  <a:tcPr/>
+                </a:tc>
+                <a:tc>
+                  <a:txBody>
+                    <a:bodyPr/>
+                    <a:lstStyle/>
+                    <a:p>
+                      <a:r>
+                        <a:rPr lang="en-US" dirty="0"/>
+                        <a:t>2.2899</a:t>
+                      </a:r>
+                    </a:p>
+                  </a:txBody>
+                  <a:tcPr/>
+                </a:tc>
+                <a:extLst>
+                  <a:ext uri="{0D108BD9-81ED-4DB2-BD59-A6C34878D82A}">
+                    <a16:rowId xmlns:a16="http://schemas.microsoft.com/office/drawing/2014/main" val="3789919848"/>
+                  </a:ext>
+                </a:extLst>
+              </a:tr>
+            </a:tbl>
+          </a:graphicData>
+        </a:graphic>
+      </p:graphicFrame>
+    </p:spTree>
+    <p:extLst>
+      <p:ext uri="{BB962C8B-B14F-4D97-AF65-F5344CB8AC3E}">
+        <p14:creationId xmlns:p14="http://schemas.microsoft.com/office/powerpoint/2010/main" val="4203612474"/>
+      </p:ext>
+    </p:extLst>
+  </p:cSld>
+  <p:clrMapOvr>
+    <a:masterClrMapping/>
+  </p:clrMapOvr>
+</p:sld>
+</file>
+
+<file path=ppt/slides/slide6.xml><?xml version="1.0" encoding="utf-8"?>
+<p:sld xmlns:a="http://schemas.openxmlformats.org/drawingml/2006/main" xmlns:r="http://schemas.openxmlformats.org/officeDocument/2006/relationships" xmlns:p="http://schemas.openxmlformats.org/presentationml/2006/main">
+  <p:cSld>
+    <p:bg>
+      <p:bgPr>
+        <a:solidFill>
+          <a:schemeClr val="bg1"/>
+        </a:solidFill>
+        <a:effectLst/>
+      </p:bgPr>
+    </p:bg>
+    <p:spTree>
+      <p:nvGrpSpPr>
+        <p:cNvPr id="1" name=""/>
+        <p:cNvGrpSpPr/>
+        <p:nvPr/>
+      </p:nvGrpSpPr>
+      <p:grpSpPr>
+        <a:xfrm>
+          <a:off x="0" y="0"/>
+          <a:ext cx="0" cy="0"/>
+          <a:chOff x="0" y="0"/>
+          <a:chExt cx="0" cy="0"/>
+        </a:xfrm>
+      </p:grpSpPr>
+      <p:pic>
+        <p:nvPicPr>
+          <p:cNvPr id="5" name="Content Placeholder 4">
+            <a:extLst>
+              <a:ext uri="{FF2B5EF4-FFF2-40B4-BE49-F238E27FC236}">
+                <a16:creationId xmlns:a16="http://schemas.microsoft.com/office/drawing/2014/main" id="{807AA88F-B8C0-41B2-8557-CA05A71D49E1}"/>
+              </a:ext>
+            </a:extLst>
+          </p:cNvPr>
+          <p:cNvPicPr>
+            <a:picLocks noGrp="1" noChangeAspect="1"/>
+          </p:cNvPicPr>
+          <p:nvPr>
+            <p:ph idx="1"/>
+          </p:nvPr>
+        </p:nvPicPr>
+        <p:blipFill rotWithShape="1">
+          <a:blip r:embed="rId2">
+            <a:extLst>
+              <a:ext uri="{28A0092B-C50C-407E-A947-70E740481C1C}">
+                <a14:useLocalDpi xmlns:a14="http://schemas.microsoft.com/office/drawing/2010/main" val="0"/>
+              </a:ext>
+              <a:ext uri="{837473B0-CC2E-450A-ABE3-18F120FF3D39}">
+                <a1611:picAttrSrcUrl xmlns:a1611="http://schemas.microsoft.com/office/drawing/2016/11/main" r:id="rId3"/>
+              </a:ext>
+            </a:extLst>
+          </a:blip>
+          <a:srcRect b="5462"/>
+          <a:stretch/>
+        </p:blipFill>
+        <p:spPr>
+          <a:xfrm>
+            <a:off x="20" y="10"/>
+            <a:ext cx="12191980" cy="6857990"/>
+          </a:xfrm>
+          <a:prstGeom prst="rect">
+            <a:avLst/>
+          </a:prstGeom>
+        </p:spPr>
+      </p:pic>
+      <p:sp>
+        <p:nvSpPr>
+          <p:cNvPr id="11" name="Freeform 5">
+            <a:extLst>
+              <a:ext uri="{FF2B5EF4-FFF2-40B4-BE49-F238E27FC236}">
+                <a16:creationId xmlns:a16="http://schemas.microsoft.com/office/drawing/2014/main" id="{87CC2527-562A-4F69-B487-4371E5B243E7}"/>
+              </a:ext>
+              <a:ext uri="{C183D7F6-B498-43B3-948B-1728B52AA6E4}">
+                <adec:decorative xmlns:adec="http://schemas.microsoft.com/office/drawing/2017/decorative" val="1"/>
+              </a:ext>
+            </a:extLst>
+          </p:cNvPr>
+          <p:cNvSpPr>
+            <a:spLocks noGrp="1" noRot="1" noChangeAspect="1" noMove="1" noResize="1" noEditPoints="1" noAdjustHandles="1" noChangeArrowheads="1" noChangeShapeType="1" noTextEdit="1"/>
+          </p:cNvSpPr>
+          <p:nvPr>
+            <p:extLst>
+              <p:ext uri="{386F3935-93C4-4BCD-93E2-E3B085C9AB24}">
+                <p16:designElem xmlns:p16="http://schemas.microsoft.com/office/powerpoint/2015/main" val="1"/>
+              </p:ext>
+            </p:extLst>
+          </p:nvPr>
+        </p:nvSpPr>
+        <p:spPr bwMode="grayWhite">
+          <a:xfrm>
+            <a:off x="7488621" y="2277613"/>
+            <a:ext cx="4703379" cy="4580387"/>
+          </a:xfrm>
+          <a:custGeom>
+            <a:avLst/>
+            <a:gdLst>
+              <a:gd name="T0" fmla="*/ 1333 w 1333"/>
+              <a:gd name="T1" fmla="*/ 1031 h 1298"/>
+              <a:gd name="T2" fmla="*/ 1333 w 1333"/>
+              <a:gd name="T3" fmla="*/ 380 h 1298"/>
+              <a:gd name="T4" fmla="*/ 706 w 1333"/>
+              <a:gd name="T5" fmla="*/ 0 h 1298"/>
+              <a:gd name="T6" fmla="*/ 0 w 1333"/>
+              <a:gd name="T7" fmla="*/ 706 h 1298"/>
+              <a:gd name="T8" fmla="*/ 323 w 1333"/>
+              <a:gd name="T9" fmla="*/ 1298 h 1298"/>
+              <a:gd name="T10" fmla="*/ 1090 w 1333"/>
+              <a:gd name="T11" fmla="*/ 1298 h 1298"/>
+              <a:gd name="T12" fmla="*/ 1333 w 1333"/>
+              <a:gd name="T13" fmla="*/ 1031 h 1298"/>
+            </a:gdLst>
+            <a:ahLst/>
+            <a:cxnLst>
+              <a:cxn ang="0">
+                <a:pos x="T0" y="T1"/>
+              </a:cxn>
+              <a:cxn ang="0">
+                <a:pos x="T2" y="T3"/>
+              </a:cxn>
+              <a:cxn ang="0">
+                <a:pos x="T4" y="T5"/>
+              </a:cxn>
+              <a:cxn ang="0">
+                <a:pos x="T6" y="T7"/>
+              </a:cxn>
+              <a:cxn ang="0">
+                <a:pos x="T8" y="T9"/>
+              </a:cxn>
+              <a:cxn ang="0">
+                <a:pos x="T10" y="T11"/>
+              </a:cxn>
+              <a:cxn ang="0">
+                <a:pos x="T12" y="T13"/>
+              </a:cxn>
+            </a:cxnLst>
+            <a:rect l="0" t="0" r="r" b="b"/>
+            <a:pathLst>
+              <a:path w="1333" h="1298">
+                <a:moveTo>
+                  <a:pt x="1333" y="1031"/>
+                </a:moveTo>
+                <a:cubicBezTo>
+                  <a:pt x="1333" y="380"/>
+                  <a:pt x="1333" y="380"/>
+                  <a:pt x="1333" y="380"/>
+                </a:cubicBezTo>
+                <a:cubicBezTo>
+                  <a:pt x="1215" y="154"/>
+                  <a:pt x="979" y="0"/>
+                  <a:pt x="706" y="0"/>
+                </a:cubicBezTo>
+                <a:cubicBezTo>
+                  <a:pt x="317" y="0"/>
+                  <a:pt x="0" y="316"/>
+                  <a:pt x="0" y="706"/>
+                </a:cubicBezTo>
+                <a:cubicBezTo>
+                  <a:pt x="0" y="954"/>
+                  <a:pt x="129" y="1172"/>
+                  <a:pt x="323" y="1298"/>
+                </a:cubicBezTo>
+                <a:cubicBezTo>
+                  <a:pt x="1090" y="1298"/>
+                  <a:pt x="1090" y="1298"/>
+                  <a:pt x="1090" y="1298"/>
+                </a:cubicBezTo>
+                <a:cubicBezTo>
+                  <a:pt x="1193" y="1232"/>
+                  <a:pt x="1276" y="1140"/>
+                  <a:pt x="1333" y="1031"/>
+                </a:cubicBezTo>
+                <a:close/>
+              </a:path>
+            </a:pathLst>
+          </a:custGeom>
+          <a:solidFill>
+            <a:schemeClr val="bg1">
+              <a:alpha val="70000"/>
+            </a:schemeClr>
+          </a:solidFill>
+          <a:ln w="50800" cap="sq" cmpd="dbl">
+            <a:noFill/>
+            <a:miter lim="800000"/>
+          </a:ln>
+          <a:effectLst/>
+          <a:extLst/>
+        </p:spPr>
+        <p:txBody>
+          <a:bodyPr vert="horz" lIns="91440" tIns="45720" rIns="91440" bIns="45720" rtlCol="0" anchor="t">
+            <a:normAutofit/>
+          </a:bodyPr>
+          <a:lstStyle/>
+          <a:p>
+            <a:pPr algn="ctr">
+              <a:spcAft>
+                <a:spcPts val="1000"/>
+              </a:spcAft>
+              <a:buClr>
+                <a:schemeClr val="tx1"/>
+              </a:buClr>
+              <a:buSzPct val="100000"/>
+              <a:buFont typeface="Arial"/>
+              <a:buNone/>
+            </a:pPr>
+            <a:endParaRPr lang="en-US" sz="1600" cap="all"/>
+          </a:p>
+        </p:txBody>
+      </p:sp>
+      <p:sp>
+        <p:nvSpPr>
+          <p:cNvPr id="2" name="Title 1">
+            <a:extLst>
+              <a:ext uri="{FF2B5EF4-FFF2-40B4-BE49-F238E27FC236}">
+                <a16:creationId xmlns:a16="http://schemas.microsoft.com/office/drawing/2014/main" id="{62964C27-8C9C-4A99-A040-F21CE8656E6E}"/>
+              </a:ext>
+            </a:extLst>
+          </p:cNvPr>
+          <p:cNvSpPr>
+            <a:spLocks noGrp="1"/>
+          </p:cNvSpPr>
+          <p:nvPr>
+            <p:ph type="title"/>
+          </p:nvPr>
+        </p:nvSpPr>
+        <p:spPr>
+          <a:xfrm>
+            <a:off x="8022021" y="3231931"/>
+            <a:ext cx="3852041" cy="1834056"/>
+          </a:xfrm>
+        </p:spPr>
+        <p:txBody>
+          <a:bodyPr vert="horz" lIns="91440" tIns="45720" rIns="91440" bIns="45720" rtlCol="0" anchor="b">
+            <a:normAutofit/>
+          </a:bodyPr>
+          <a:lstStyle/>
+          <a:p>
+            <a:pPr algn="ctr"/>
+            <a:r>
+              <a:rPr lang="en-US" sz="4000" dirty="0"/>
+              <a:t>So what did the plots reveal? </a:t>
+            </a:r>
+          </a:p>
+        </p:txBody>
+      </p:sp>
+      <p:cxnSp>
+        <p:nvCxnSpPr>
+          <p:cNvPr id="17" name="Straight Connector 12">
+            <a:extLst>
+              <a:ext uri="{FF2B5EF4-FFF2-40B4-BE49-F238E27FC236}">
+                <a16:creationId xmlns:a16="http://schemas.microsoft.com/office/drawing/2014/main" id="{BCDAEC91-5BCE-4B55-9CC0-43EF94CB734B}"/>
+              </a:ext>
+              <a:ext uri="{C183D7F6-B498-43B3-948B-1728B52AA6E4}">
+                <adec:decorative xmlns:adec="http://schemas.microsoft.com/office/drawing/2017/decorative" val="1"/>
+              </a:ext>
+            </a:extLst>
+          </p:cNvPr>
+          <p:cNvCxnSpPr>
+            <a:cxnSpLocks noGrp="1" noRot="1" noChangeAspect="1" noMove="1" noResize="1" noEditPoints="1" noAdjustHandles="1" noChangeArrowheads="1" noChangeShapeType="1"/>
+          </p:cNvCxnSpPr>
+          <p:nvPr>
+            <p:extLst>
+              <p:ext uri="{386F3935-93C4-4BCD-93E2-E3B085C9AB24}">
+                <p16:designElem xmlns:p16="http://schemas.microsoft.com/office/powerpoint/2015/main" val="1"/>
+              </p:ext>
+            </p:extLst>
+          </p:nvPr>
+        </p:nvCxnSpPr>
+        <p:spPr>
+          <a:xfrm>
+            <a:off x="9480331" y="5123793"/>
+            <a:ext cx="935420" cy="0"/>
+          </a:xfrm>
+          <a:prstGeom prst="line">
+            <a:avLst/>
+          </a:prstGeom>
+          <a:ln w="25400" cap="sq">
+            <a:solidFill>
+              <a:schemeClr val="tx1">
+                <a:lumMod val="85000"/>
+                <a:lumOff val="15000"/>
+              </a:schemeClr>
+            </a:solidFill>
+            <a:bevel/>
+          </a:ln>
+        </p:spPr>
+        <p:style>
+          <a:lnRef idx="1">
+            <a:schemeClr val="accent1"/>
+          </a:lnRef>
+          <a:fillRef idx="0">
+            <a:schemeClr val="accent1"/>
+          </a:fillRef>
+          <a:effectRef idx="0">
+            <a:schemeClr val="accent1"/>
+          </a:effectRef>
+          <a:fontRef idx="minor">
+            <a:schemeClr val="tx1"/>
+          </a:fontRef>
+        </p:style>
+      </p:cxnSp>
+      <p:sp>
+        <p:nvSpPr>
+          <p:cNvPr id="6" name="TextBox 5">
+            <a:extLst>
+              <a:ext uri="{FF2B5EF4-FFF2-40B4-BE49-F238E27FC236}">
+                <a16:creationId xmlns:a16="http://schemas.microsoft.com/office/drawing/2014/main" id="{879E1C0E-D0CE-4250-8455-2A3195050077}"/>
+              </a:ext>
+            </a:extLst>
+          </p:cNvPr>
+          <p:cNvSpPr txBox="1"/>
+          <p:nvPr/>
+        </p:nvSpPr>
+        <p:spPr>
+          <a:xfrm>
+            <a:off x="9872134" y="6657945"/>
+            <a:ext cx="2319866" cy="200055"/>
+          </a:xfrm>
+          <a:prstGeom prst="rect">
+            <a:avLst/>
+          </a:prstGeom>
+          <a:solidFill>
+            <a:srgbClr val="000000"/>
+          </a:solidFill>
+        </p:spPr>
+        <p:txBody>
+          <a:bodyPr wrap="none" rtlCol="0">
+            <a:spAutoFit/>
+          </a:bodyPr>
+          <a:lstStyle/>
+          <a:p>
+            <a:pPr algn="r">
+              <a:spcAft>
+                <a:spcPts val="600"/>
+              </a:spcAft>
+            </a:pPr>
+            <a:r>
               <a:rPr lang="en-US" sz="700">
                 <a:solidFill>
                   <a:srgbClr val="FFFFFF"/>
                 </a:solidFill>
-                <a:hlinkClick r:id="rId4" tooltip="http://portfolioticsmoraleda.blogspot.com/2011/04/conclusion_14.html">
+                <a:hlinkClick r:id="rId3" tooltip="http://pngimg.com/download/38182">
                   <a:extLst>
                     <a:ext uri="{A12FA001-AC4F-418D-AE19-62706E023703}">
                       <ahyp:hlinkClr xmlns:ahyp="http://schemas.microsoft.com/office/drawing/2018/hyperlinkcolor" val="tx"/>
@@ -7596,7 +8580,7 @@
                 <a:solidFill>
                   <a:srgbClr val="FFFFFF"/>
                 </a:solidFill>
-                <a:hlinkClick r:id="rId5" tooltip="https://creativecommons.org/licenses/by-nc-nd/3.0/">
+                <a:hlinkClick r:id="rId4" tooltip="https://creativecommons.org/licenses/by-nc/3.0/">
                   <a:extLst>
                     <a:ext uri="{A12FA001-AC4F-418D-AE19-62706E023703}">
                       <ahyp:hlinkClr xmlns:ahyp="http://schemas.microsoft.com/office/drawing/2018/hyperlinkcolor" val="tx"/>
@@ -7604,7 +8588,7 @@
                   </a:extLst>
                 </a:hlinkClick>
               </a:rPr>
-              <a:t>CC BY-NC-ND</a:t>
+              <a:t>CC BY-NC</a:t>
             </a:r>
             <a:endParaRPr lang="en-US" sz="700">
               <a:solidFill>
@@ -7617,7 +8601,538 @@
     </p:spTree>
     <p:extLst>
       <p:ext uri="{BB962C8B-B14F-4D97-AF65-F5344CB8AC3E}">
-        <p14:creationId xmlns:p14="http://schemas.microsoft.com/office/powerpoint/2010/main" val="1879951510"/>
+        <p14:creationId xmlns:p14="http://schemas.microsoft.com/office/powerpoint/2010/main" val="1550044312"/>
+      </p:ext>
+    </p:extLst>
+  </p:cSld>
+  <p:clrMapOvr>
+    <a:masterClrMapping/>
+  </p:clrMapOvr>
+</p:sld>
+</file>
+
+<file path=ppt/slides/slide7.xml><?xml version="1.0" encoding="utf-8"?>
+<p:sld xmlns:a="http://schemas.openxmlformats.org/drawingml/2006/main" xmlns:r="http://schemas.openxmlformats.org/officeDocument/2006/relationships" xmlns:p="http://schemas.openxmlformats.org/presentationml/2006/main">
+  <p:cSld>
+    <p:bg>
+      <p:bgPr>
+        <a:solidFill>
+          <a:schemeClr val="bg1"/>
+        </a:solidFill>
+        <a:effectLst/>
+      </p:bgPr>
+    </p:bg>
+    <p:spTree>
+      <p:nvGrpSpPr>
+        <p:cNvPr id="1" name=""/>
+        <p:cNvGrpSpPr/>
+        <p:nvPr/>
+      </p:nvGrpSpPr>
+      <p:grpSpPr>
+        <a:xfrm>
+          <a:off x="0" y="0"/>
+          <a:ext cx="0" cy="0"/>
+          <a:chOff x="0" y="0"/>
+          <a:chExt cx="0" cy="0"/>
+        </a:xfrm>
+      </p:grpSpPr>
+      <p:sp>
+        <p:nvSpPr>
+          <p:cNvPr id="9" name="Rectangle 8">
+            <a:extLst>
+              <a:ext uri="{FF2B5EF4-FFF2-40B4-BE49-F238E27FC236}">
+                <a16:creationId xmlns:a16="http://schemas.microsoft.com/office/drawing/2014/main" id="{A4AC5506-6312-4701-8D3C-40187889A947}"/>
+              </a:ext>
+              <a:ext uri="{C183D7F6-B498-43B3-948B-1728B52AA6E4}">
+                <adec:decorative xmlns:adec="http://schemas.microsoft.com/office/drawing/2017/decorative" val="1"/>
+              </a:ext>
+            </a:extLst>
+          </p:cNvPr>
+          <p:cNvSpPr>
+            <a:spLocks noGrp="1" noRot="1" noChangeAspect="1" noMove="1" noResize="1" noEditPoints="1" noAdjustHandles="1" noChangeArrowheads="1" noChangeShapeType="1" noTextEdit="1"/>
+          </p:cNvSpPr>
+          <p:nvPr>
+            <p:extLst>
+              <p:ext uri="{386F3935-93C4-4BCD-93E2-E3B085C9AB24}">
+                <p16:designElem xmlns:p16="http://schemas.microsoft.com/office/powerpoint/2015/main" val="1"/>
+              </p:ext>
+            </p:extLst>
+          </p:nvPr>
+        </p:nvSpPr>
+        <p:spPr>
+          <a:xfrm>
+            <a:off x="0" y="651752"/>
+            <a:ext cx="12192000" cy="736551"/>
+          </a:xfrm>
+          <a:prstGeom prst="rect">
+            <a:avLst/>
+          </a:prstGeom>
+          <a:solidFill>
+            <a:schemeClr val="tx1"/>
+          </a:solidFill>
+          <a:ln>
+            <a:noFill/>
+          </a:ln>
+        </p:spPr>
+        <p:style>
+          <a:lnRef idx="2">
+            <a:schemeClr val="accent1">
+              <a:shade val="50000"/>
+            </a:schemeClr>
+          </a:lnRef>
+          <a:fillRef idx="1">
+            <a:schemeClr val="accent1"/>
+          </a:fillRef>
+          <a:effectRef idx="0">
+            <a:schemeClr val="accent1"/>
+          </a:effectRef>
+          <a:fontRef idx="minor">
+            <a:schemeClr val="lt1"/>
+          </a:fontRef>
+        </p:style>
+        <p:txBody>
+          <a:bodyPr rtlCol="0" anchor="ctr"/>
+          <a:lstStyle/>
+          <a:p>
+            <a:pPr algn="ctr"/>
+            <a:endParaRPr lang="en-US" dirty="0"/>
+          </a:p>
+        </p:txBody>
+      </p:sp>
+      <p:sp>
+        <p:nvSpPr>
+          <p:cNvPr id="2" name="Title 1">
+            <a:extLst>
+              <a:ext uri="{FF2B5EF4-FFF2-40B4-BE49-F238E27FC236}">
+                <a16:creationId xmlns:a16="http://schemas.microsoft.com/office/drawing/2014/main" id="{66F4BAE9-5423-4F5B-8355-47F398FE98EF}"/>
+              </a:ext>
+            </a:extLst>
+          </p:cNvPr>
+          <p:cNvSpPr>
+            <a:spLocks noGrp="1"/>
+          </p:cNvSpPr>
+          <p:nvPr>
+            <p:ph type="title"/>
+          </p:nvPr>
+        </p:nvSpPr>
+        <p:spPr>
+          <a:xfrm>
+            <a:off x="556532" y="643467"/>
+            <a:ext cx="11210925" cy="744836"/>
+          </a:xfrm>
+        </p:spPr>
+        <p:txBody>
+          <a:bodyPr>
+            <a:normAutofit/>
+          </a:bodyPr>
+          <a:lstStyle/>
+          <a:p>
+            <a:pPr algn="ctr"/>
+            <a:r>
+              <a:rPr lang="en-US" sz="3200" dirty="0">
+                <a:solidFill>
+                  <a:schemeClr val="bg1"/>
+                </a:solidFill>
+              </a:rPr>
+              <a:t>Temperature(F) vs. Assault</a:t>
+            </a:r>
+          </a:p>
+        </p:txBody>
+      </p:sp>
+      <p:pic>
+        <p:nvPicPr>
+          <p:cNvPr id="6" name="Picture 5">
+            <a:extLst>
+              <a:ext uri="{FF2B5EF4-FFF2-40B4-BE49-F238E27FC236}">
+                <a16:creationId xmlns:a16="http://schemas.microsoft.com/office/drawing/2014/main" id="{BBCC2697-B456-44F1-A0B0-C8410C899AA7}"/>
+              </a:ext>
+            </a:extLst>
+          </p:cNvPr>
+          <p:cNvPicPr>
+            <a:picLocks noChangeAspect="1"/>
+          </p:cNvPicPr>
+          <p:nvPr/>
+        </p:nvPicPr>
+        <p:blipFill>
+          <a:blip r:embed="rId2">
+            <a:extLst>
+              <a:ext uri="{28A0092B-C50C-407E-A947-70E740481C1C}">
+                <a14:useLocalDpi xmlns:a14="http://schemas.microsoft.com/office/drawing/2010/main" val="0"/>
+              </a:ext>
+            </a:extLst>
+          </a:blip>
+          <a:stretch>
+            <a:fillRect/>
+          </a:stretch>
+        </p:blipFill>
+        <p:spPr>
+          <a:xfrm>
+            <a:off x="1851102" y="1613577"/>
+            <a:ext cx="8541835" cy="4965643"/>
+          </a:xfrm>
+          <a:prstGeom prst="rect">
+            <a:avLst/>
+          </a:prstGeom>
+        </p:spPr>
+      </p:pic>
+    </p:spTree>
+    <p:extLst>
+      <p:ext uri="{BB962C8B-B14F-4D97-AF65-F5344CB8AC3E}">
+        <p14:creationId xmlns:p14="http://schemas.microsoft.com/office/powerpoint/2010/main" val="2981281482"/>
+      </p:ext>
+    </p:extLst>
+  </p:cSld>
+  <p:clrMapOvr>
+    <a:masterClrMapping/>
+  </p:clrMapOvr>
+</p:sld>
+</file>
+
+<file path=ppt/slides/slide8.xml><?xml version="1.0" encoding="utf-8"?>
+<p:sld xmlns:a="http://schemas.openxmlformats.org/drawingml/2006/main" xmlns:r="http://schemas.openxmlformats.org/officeDocument/2006/relationships" xmlns:p="http://schemas.openxmlformats.org/presentationml/2006/main">
+  <p:cSld>
+    <p:bg>
+      <p:bgPr>
+        <a:solidFill>
+          <a:schemeClr val="bg1"/>
+        </a:solidFill>
+        <a:effectLst/>
+      </p:bgPr>
+    </p:bg>
+    <p:spTree>
+      <p:nvGrpSpPr>
+        <p:cNvPr id="1" name=""/>
+        <p:cNvGrpSpPr/>
+        <p:nvPr/>
+      </p:nvGrpSpPr>
+      <p:grpSpPr>
+        <a:xfrm>
+          <a:off x="0" y="0"/>
+          <a:ext cx="0" cy="0"/>
+          <a:chOff x="0" y="0"/>
+          <a:chExt cx="0" cy="0"/>
+        </a:xfrm>
+      </p:grpSpPr>
+      <p:sp>
+        <p:nvSpPr>
+          <p:cNvPr id="9" name="Rectangle 8">
+            <a:extLst>
+              <a:ext uri="{FF2B5EF4-FFF2-40B4-BE49-F238E27FC236}">
+                <a16:creationId xmlns:a16="http://schemas.microsoft.com/office/drawing/2014/main" id="{A4AC5506-6312-4701-8D3C-40187889A947}"/>
+              </a:ext>
+              <a:ext uri="{C183D7F6-B498-43B3-948B-1728B52AA6E4}">
+                <adec:decorative xmlns:adec="http://schemas.microsoft.com/office/drawing/2017/decorative" val="1"/>
+              </a:ext>
+            </a:extLst>
+          </p:cNvPr>
+          <p:cNvSpPr>
+            <a:spLocks noGrp="1" noRot="1" noChangeAspect="1" noMove="1" noResize="1" noEditPoints="1" noAdjustHandles="1" noChangeArrowheads="1" noChangeShapeType="1" noTextEdit="1"/>
+          </p:cNvSpPr>
+          <p:nvPr>
+            <p:extLst>
+              <p:ext uri="{386F3935-93C4-4BCD-93E2-E3B085C9AB24}">
+                <p16:designElem xmlns:p16="http://schemas.microsoft.com/office/powerpoint/2015/main" val="1"/>
+              </p:ext>
+            </p:extLst>
+          </p:nvPr>
+        </p:nvSpPr>
+        <p:spPr>
+          <a:xfrm>
+            <a:off x="0" y="651752"/>
+            <a:ext cx="12192000" cy="736551"/>
+          </a:xfrm>
+          <a:prstGeom prst="rect">
+            <a:avLst/>
+          </a:prstGeom>
+          <a:solidFill>
+            <a:schemeClr val="tx1"/>
+          </a:solidFill>
+          <a:ln>
+            <a:noFill/>
+          </a:ln>
+        </p:spPr>
+        <p:style>
+          <a:lnRef idx="2">
+            <a:schemeClr val="accent1">
+              <a:shade val="50000"/>
+            </a:schemeClr>
+          </a:lnRef>
+          <a:fillRef idx="1">
+            <a:schemeClr val="accent1"/>
+          </a:fillRef>
+          <a:effectRef idx="0">
+            <a:schemeClr val="accent1"/>
+          </a:effectRef>
+          <a:fontRef idx="minor">
+            <a:schemeClr val="lt1"/>
+          </a:fontRef>
+        </p:style>
+        <p:txBody>
+          <a:bodyPr rtlCol="0" anchor="ctr"/>
+          <a:lstStyle/>
+          <a:p>
+            <a:pPr algn="ctr"/>
+            <a:endParaRPr lang="en-US" dirty="0"/>
+          </a:p>
+        </p:txBody>
+      </p:sp>
+      <p:sp>
+        <p:nvSpPr>
+          <p:cNvPr id="2" name="Title 1">
+            <a:extLst>
+              <a:ext uri="{FF2B5EF4-FFF2-40B4-BE49-F238E27FC236}">
+                <a16:creationId xmlns:a16="http://schemas.microsoft.com/office/drawing/2014/main" id="{17F34375-9436-4608-8EF4-C29240FE8AD9}"/>
+              </a:ext>
+            </a:extLst>
+          </p:cNvPr>
+          <p:cNvSpPr>
+            <a:spLocks noGrp="1"/>
+          </p:cNvSpPr>
+          <p:nvPr>
+            <p:ph type="title"/>
+          </p:nvPr>
+        </p:nvSpPr>
+        <p:spPr>
+          <a:xfrm>
+            <a:off x="556532" y="643467"/>
+            <a:ext cx="11210925" cy="744836"/>
+          </a:xfrm>
+        </p:spPr>
+        <p:txBody>
+          <a:bodyPr>
+            <a:normAutofit/>
+          </a:bodyPr>
+          <a:lstStyle/>
+          <a:p>
+            <a:pPr algn="ctr"/>
+            <a:r>
+              <a:rPr lang="en-US" sz="3200" dirty="0">
+                <a:solidFill>
+                  <a:schemeClr val="bg1"/>
+                </a:solidFill>
+              </a:rPr>
+              <a:t>Temperature(F) vs. Robbery</a:t>
+            </a:r>
+          </a:p>
+        </p:txBody>
+      </p:sp>
+      <p:pic>
+        <p:nvPicPr>
+          <p:cNvPr id="4" name="Picture 3">
+            <a:extLst>
+              <a:ext uri="{FF2B5EF4-FFF2-40B4-BE49-F238E27FC236}">
+                <a16:creationId xmlns:a16="http://schemas.microsoft.com/office/drawing/2014/main" id="{69B1F701-6F27-4588-85B2-3B7ECCC5369A}"/>
+              </a:ext>
+            </a:extLst>
+          </p:cNvPr>
+          <p:cNvPicPr>
+            <a:picLocks noChangeAspect="1"/>
+          </p:cNvPicPr>
+          <p:nvPr/>
+        </p:nvPicPr>
+        <p:blipFill>
+          <a:blip r:embed="rId2">
+            <a:extLst>
+              <a:ext uri="{28A0092B-C50C-407E-A947-70E740481C1C}">
+                <a14:useLocalDpi xmlns:a14="http://schemas.microsoft.com/office/drawing/2010/main" val="0"/>
+              </a:ext>
+            </a:extLst>
+          </a:blip>
+          <a:stretch>
+            <a:fillRect/>
+          </a:stretch>
+        </p:blipFill>
+        <p:spPr>
+          <a:xfrm>
+            <a:off x="2330605" y="1494263"/>
+            <a:ext cx="8363415" cy="5084957"/>
+          </a:xfrm>
+          <a:prstGeom prst="rect">
+            <a:avLst/>
+          </a:prstGeom>
+        </p:spPr>
+      </p:pic>
+    </p:spTree>
+    <p:extLst>
+      <p:ext uri="{BB962C8B-B14F-4D97-AF65-F5344CB8AC3E}">
+        <p14:creationId xmlns:p14="http://schemas.microsoft.com/office/powerpoint/2010/main" val="2414187254"/>
+      </p:ext>
+    </p:extLst>
+  </p:cSld>
+  <p:clrMapOvr>
+    <a:masterClrMapping/>
+  </p:clrMapOvr>
+</p:sld>
+</file>
+
+<file path=ppt/slides/slide9.xml><?xml version="1.0" encoding="utf-8"?>
+<p:sld xmlns:a="http://schemas.openxmlformats.org/drawingml/2006/main" xmlns:r="http://schemas.openxmlformats.org/officeDocument/2006/relationships" xmlns:p="http://schemas.openxmlformats.org/presentationml/2006/main">
+  <p:cSld>
+    <p:bg>
+      <p:bgPr>
+        <a:solidFill>
+          <a:schemeClr val="bg1"/>
+        </a:solidFill>
+        <a:effectLst/>
+      </p:bgPr>
+    </p:bg>
+    <p:spTree>
+      <p:nvGrpSpPr>
+        <p:cNvPr id="1" name=""/>
+        <p:cNvGrpSpPr/>
+        <p:nvPr/>
+      </p:nvGrpSpPr>
+      <p:grpSpPr>
+        <a:xfrm>
+          <a:off x="0" y="0"/>
+          <a:ext cx="0" cy="0"/>
+          <a:chOff x="0" y="0"/>
+          <a:chExt cx="0" cy="0"/>
+        </a:xfrm>
+      </p:grpSpPr>
+      <p:sp>
+        <p:nvSpPr>
+          <p:cNvPr id="9" name="Rectangle 8">
+            <a:extLst>
+              <a:ext uri="{FF2B5EF4-FFF2-40B4-BE49-F238E27FC236}">
+                <a16:creationId xmlns:a16="http://schemas.microsoft.com/office/drawing/2014/main" id="{A4AC5506-6312-4701-8D3C-40187889A947}"/>
+              </a:ext>
+              <a:ext uri="{C183D7F6-B498-43B3-948B-1728B52AA6E4}">
+                <adec:decorative xmlns:adec="http://schemas.microsoft.com/office/drawing/2017/decorative" val="1"/>
+              </a:ext>
+            </a:extLst>
+          </p:cNvPr>
+          <p:cNvSpPr>
+            <a:spLocks noGrp="1" noRot="1" noChangeAspect="1" noMove="1" noResize="1" noEditPoints="1" noAdjustHandles="1" noChangeArrowheads="1" noChangeShapeType="1" noTextEdit="1"/>
+          </p:cNvSpPr>
+          <p:nvPr>
+            <p:extLst>
+              <p:ext uri="{386F3935-93C4-4BCD-93E2-E3B085C9AB24}">
+                <p16:designElem xmlns:p16="http://schemas.microsoft.com/office/powerpoint/2015/main" val="1"/>
+              </p:ext>
+            </p:extLst>
+          </p:nvPr>
+        </p:nvSpPr>
+        <p:spPr>
+          <a:xfrm>
+            <a:off x="0" y="651752"/>
+            <a:ext cx="12192000" cy="736551"/>
+          </a:xfrm>
+          <a:prstGeom prst="rect">
+            <a:avLst/>
+          </a:prstGeom>
+          <a:solidFill>
+            <a:schemeClr val="tx1"/>
+          </a:solidFill>
+          <a:ln>
+            <a:noFill/>
+          </a:ln>
+        </p:spPr>
+        <p:style>
+          <a:lnRef idx="2">
+            <a:schemeClr val="accent1">
+              <a:shade val="50000"/>
+            </a:schemeClr>
+          </a:lnRef>
+          <a:fillRef idx="1">
+            <a:schemeClr val="accent1"/>
+          </a:fillRef>
+          <a:effectRef idx="0">
+            <a:schemeClr val="accent1"/>
+          </a:effectRef>
+          <a:fontRef idx="minor">
+            <a:schemeClr val="lt1"/>
+          </a:fontRef>
+        </p:style>
+        <p:txBody>
+          <a:bodyPr rtlCol="0" anchor="ctr"/>
+          <a:lstStyle/>
+          <a:p>
+            <a:pPr algn="ctr"/>
+            <a:endParaRPr lang="en-US" dirty="0"/>
+          </a:p>
+        </p:txBody>
+      </p:sp>
+      <p:sp>
+        <p:nvSpPr>
+          <p:cNvPr id="2" name="Title 1">
+            <a:extLst>
+              <a:ext uri="{FF2B5EF4-FFF2-40B4-BE49-F238E27FC236}">
+                <a16:creationId xmlns:a16="http://schemas.microsoft.com/office/drawing/2014/main" id="{5644CDC9-5408-43C1-B3A2-B89CF7E201AE}"/>
+              </a:ext>
+            </a:extLst>
+          </p:cNvPr>
+          <p:cNvSpPr>
+            <a:spLocks noGrp="1"/>
+          </p:cNvSpPr>
+          <p:nvPr>
+            <p:ph type="title"/>
+          </p:nvPr>
+        </p:nvSpPr>
+        <p:spPr>
+          <a:xfrm>
+            <a:off x="556532" y="643467"/>
+            <a:ext cx="11210925" cy="744836"/>
+          </a:xfrm>
+        </p:spPr>
+        <p:txBody>
+          <a:bodyPr>
+            <a:normAutofit/>
+          </a:bodyPr>
+          <a:lstStyle/>
+          <a:p>
+            <a:pPr algn="ctr"/>
+            <a:r>
+              <a:rPr lang="en-US" sz="3200" dirty="0">
+                <a:solidFill>
+                  <a:schemeClr val="bg1"/>
+                </a:solidFill>
+              </a:rPr>
+              <a:t>Temperature(F) vs. Motor vehicle theft</a:t>
+            </a:r>
+          </a:p>
+        </p:txBody>
+      </p:sp>
+      <p:pic>
+        <p:nvPicPr>
+          <p:cNvPr id="4" name="Picture 3">
+            <a:extLst>
+              <a:ext uri="{FF2B5EF4-FFF2-40B4-BE49-F238E27FC236}">
+                <a16:creationId xmlns:a16="http://schemas.microsoft.com/office/drawing/2014/main" id="{C0CB5235-DCC8-45A2-B321-8A4C646D7DCE}"/>
+              </a:ext>
+            </a:extLst>
+          </p:cNvPr>
+          <p:cNvPicPr>
+            <a:picLocks noChangeAspect="1"/>
+          </p:cNvPicPr>
+          <p:nvPr/>
+        </p:nvPicPr>
+        <p:blipFill>
+          <a:blip r:embed="rId2">
+            <a:extLst>
+              <a:ext uri="{28A0092B-C50C-407E-A947-70E740481C1C}">
+                <a14:useLocalDpi xmlns:a14="http://schemas.microsoft.com/office/drawing/2010/main" val="0"/>
+              </a:ext>
+            </a:extLst>
+          </a:blip>
+          <a:stretch>
+            <a:fillRect/>
+          </a:stretch>
+        </p:blipFill>
+        <p:spPr>
+          <a:xfrm>
+            <a:off x="1984917" y="1675227"/>
+            <a:ext cx="7772400" cy="4948597"/>
+          </a:xfrm>
+          <a:prstGeom prst="rect">
+            <a:avLst/>
+          </a:prstGeom>
+        </p:spPr>
+      </p:pic>
+    </p:spTree>
+    <p:extLst>
+      <p:ext uri="{BB962C8B-B14F-4D97-AF65-F5344CB8AC3E}">
+        <p14:creationId xmlns:p14="http://schemas.microsoft.com/office/powerpoint/2010/main" val="1643388056"/>
       </p:ext>
     </p:extLst>
   </p:cSld>

--- a/Presentation1.pptx
+++ b/Presentation1.pptx
@@ -14,11 +14,10 @@
     <p:sldId id="266" r:id="rId8"/>
     <p:sldId id="268" r:id="rId9"/>
     <p:sldId id="267" r:id="rId10"/>
-    <p:sldId id="265" r:id="rId11"/>
-    <p:sldId id="270" r:id="rId12"/>
-    <p:sldId id="263" r:id="rId13"/>
-    <p:sldId id="264" r:id="rId14"/>
-    <p:sldId id="262" r:id="rId15"/>
+    <p:sldId id="270" r:id="rId11"/>
+    <p:sldId id="263" r:id="rId12"/>
+    <p:sldId id="264" r:id="rId13"/>
+    <p:sldId id="262" r:id="rId14"/>
   </p:sldIdLst>
   <p:sldSz cx="12192000" cy="6858000"/>
   <p:notesSz cx="6858000" cy="9144000"/>
@@ -117,6 +116,11 @@
       </a:defRPr>
     </a:lvl9pPr>
   </p:defaultTextStyle>
+  <p:extLst>
+    <p:ext uri="{EFAFB233-063F-42B5-8137-9DF3F51BA10A}">
+      <p15:sldGuideLst xmlns:p15="http://schemas.microsoft.com/office/powerpoint/2012/main"/>
+    </p:ext>
+  </p:extLst>
 </p:presentation>
 </file>
 
@@ -267,7 +271,7 @@
           <a:p>
             <a:fld id="{3CE9398C-0CAF-43CD-8D13-60F0514597B6}" type="datetimeFigureOut">
               <a:rPr lang="en-US" smtClean="0"/>
-              <a:t>2/9/2019</a:t>
+              <a:t>2/11/2019</a:t>
             </a:fld>
             <a:endParaRPr lang="en-US" dirty="0"/>
           </a:p>
@@ -465,7 +469,7 @@
           <a:p>
             <a:fld id="{3CE9398C-0CAF-43CD-8D13-60F0514597B6}" type="datetimeFigureOut">
               <a:rPr lang="en-US" smtClean="0"/>
-              <a:t>2/9/2019</a:t>
+              <a:t>2/11/2019</a:t>
             </a:fld>
             <a:endParaRPr lang="en-US" dirty="0"/>
           </a:p>
@@ -673,7 +677,7 @@
           <a:p>
             <a:fld id="{3CE9398C-0CAF-43CD-8D13-60F0514597B6}" type="datetimeFigureOut">
               <a:rPr lang="en-US" smtClean="0"/>
-              <a:t>2/9/2019</a:t>
+              <a:t>2/11/2019</a:t>
             </a:fld>
             <a:endParaRPr lang="en-US" dirty="0"/>
           </a:p>
@@ -871,7 +875,7 @@
           <a:p>
             <a:fld id="{3CE9398C-0CAF-43CD-8D13-60F0514597B6}" type="datetimeFigureOut">
               <a:rPr lang="en-US" smtClean="0"/>
-              <a:t>2/9/2019</a:t>
+              <a:t>2/11/2019</a:t>
             </a:fld>
             <a:endParaRPr lang="en-US" dirty="0"/>
           </a:p>
@@ -1146,7 +1150,7 @@
           <a:p>
             <a:fld id="{3CE9398C-0CAF-43CD-8D13-60F0514597B6}" type="datetimeFigureOut">
               <a:rPr lang="en-US" smtClean="0"/>
-              <a:t>2/9/2019</a:t>
+              <a:t>2/11/2019</a:t>
             </a:fld>
             <a:endParaRPr lang="en-US" dirty="0"/>
           </a:p>
@@ -1411,7 +1415,7 @@
           <a:p>
             <a:fld id="{3CE9398C-0CAF-43CD-8D13-60F0514597B6}" type="datetimeFigureOut">
               <a:rPr lang="en-US" smtClean="0"/>
-              <a:t>2/9/2019</a:t>
+              <a:t>2/11/2019</a:t>
             </a:fld>
             <a:endParaRPr lang="en-US" dirty="0"/>
           </a:p>
@@ -1823,7 +1827,7 @@
           <a:p>
             <a:fld id="{3CE9398C-0CAF-43CD-8D13-60F0514597B6}" type="datetimeFigureOut">
               <a:rPr lang="en-US" smtClean="0"/>
-              <a:t>2/9/2019</a:t>
+              <a:t>2/11/2019</a:t>
             </a:fld>
             <a:endParaRPr lang="en-US" dirty="0"/>
           </a:p>
@@ -1964,7 +1968,7 @@
           <a:p>
             <a:fld id="{3CE9398C-0CAF-43CD-8D13-60F0514597B6}" type="datetimeFigureOut">
               <a:rPr lang="en-US" smtClean="0"/>
-              <a:t>2/9/2019</a:t>
+              <a:t>2/11/2019</a:t>
             </a:fld>
             <a:endParaRPr lang="en-US" dirty="0"/>
           </a:p>
@@ -2077,7 +2081,7 @@
           <a:p>
             <a:fld id="{3CE9398C-0CAF-43CD-8D13-60F0514597B6}" type="datetimeFigureOut">
               <a:rPr lang="en-US" smtClean="0"/>
-              <a:t>2/9/2019</a:t>
+              <a:t>2/11/2019</a:t>
             </a:fld>
             <a:endParaRPr lang="en-US" dirty="0"/>
           </a:p>
@@ -2388,7 +2392,7 @@
           <a:p>
             <a:fld id="{3CE9398C-0CAF-43CD-8D13-60F0514597B6}" type="datetimeFigureOut">
               <a:rPr lang="en-US" smtClean="0"/>
-              <a:t>2/9/2019</a:t>
+              <a:t>2/11/2019</a:t>
             </a:fld>
             <a:endParaRPr lang="en-US" dirty="0"/>
           </a:p>
@@ -2676,7 +2680,7 @@
           <a:p>
             <a:fld id="{3CE9398C-0CAF-43CD-8D13-60F0514597B6}" type="datetimeFigureOut">
               <a:rPr lang="en-US" smtClean="0"/>
-              <a:t>2/9/2019</a:t>
+              <a:t>2/11/2019</a:t>
             </a:fld>
             <a:endParaRPr lang="en-US" dirty="0"/>
           </a:p>
@@ -2947,7 +2951,7 @@
           <a:p>
             <a:fld id="{3CE9398C-0CAF-43CD-8D13-60F0514597B6}" type="datetimeFigureOut">
               <a:rPr lang="en-US" smtClean="0"/>
-              <a:t>2/9/2019</a:t>
+              <a:t>2/11/2019</a:t>
             </a:fld>
             <a:endParaRPr lang="en-US" dirty="0"/>
           </a:p>
@@ -4373,7 +4377,7 @@
       </p:grpSpPr>
       <p:sp>
         <p:nvSpPr>
-          <p:cNvPr id="10" name="Rectangle 9">
+          <p:cNvPr id="9" name="Rectangle 8">
             <a:extLst>
               <a:ext uri="{FF2B5EF4-FFF2-40B4-BE49-F238E27FC236}">
                 <a16:creationId xmlns:a16="http://schemas.microsoft.com/office/drawing/2014/main" id="{A4AC5506-6312-4701-8D3C-40187889A947}"/>
@@ -4430,7 +4434,7 @@
           <a:lstStyle/>
           <a:p>
             <a:pPr algn="ctr"/>
-            <a:endParaRPr lang="en-US" dirty="0"/>
+            <a:endParaRPr lang="en-US"/>
           </a:p>
         </p:txBody>
       </p:sp>
@@ -4439,7 +4443,7 @@
           <p:cNvPr id="2" name="Title 1">
             <a:extLst>
               <a:ext uri="{FF2B5EF4-FFF2-40B4-BE49-F238E27FC236}">
-                <a16:creationId xmlns:a16="http://schemas.microsoft.com/office/drawing/2014/main" id="{F712D7AB-BAA6-407D-B955-BD91A2690E19}"/>
+                <a16:creationId xmlns:a16="http://schemas.microsoft.com/office/drawing/2014/main" id="{EBACFD87-F8C0-4C29-8518-162668A783E2}"/>
               </a:ext>
             </a:extLst>
           </p:cNvPr>
@@ -4469,7 +4473,7 @@
                   <a:schemeClr val="bg1"/>
                 </a:solidFill>
               </a:rPr>
-              <a:t>Humidity vs. Motor vehicle theft</a:t>
+              <a:t>Manslaughter/Murder vs. Temperature(F)</a:t>
             </a:r>
           </a:p>
         </p:txBody>
@@ -4479,7 +4483,7 @@
           <p:cNvPr id="5" name="Picture 4">
             <a:extLst>
               <a:ext uri="{FF2B5EF4-FFF2-40B4-BE49-F238E27FC236}">
-                <a16:creationId xmlns:a16="http://schemas.microsoft.com/office/drawing/2014/main" id="{C76A9384-23C7-45A3-B4B9-C9F68F7A1C28}"/>
+                <a16:creationId xmlns:a16="http://schemas.microsoft.com/office/drawing/2014/main" id="{44BEA0B5-5C87-4596-A6E1-90961D93B4F2}"/>
               </a:ext>
             </a:extLst>
           </p:cNvPr>
@@ -4502,64 +4506,18 @@
         </p:blipFill>
         <p:spPr>
           <a:xfrm>
-            <a:off x="1538869" y="1675227"/>
-            <a:ext cx="8474926" cy="4747875"/>
+            <a:off x="1579418" y="1650072"/>
+            <a:ext cx="8118764" cy="5083237"/>
           </a:xfrm>
           <a:prstGeom prst="rect">
             <a:avLst/>
           </a:prstGeom>
         </p:spPr>
       </p:pic>
-      <p:sp>
-        <p:nvSpPr>
-          <p:cNvPr id="3" name="AutoShape 2" descr="Humidity-Vs-City-Motor_vehicle_theft.png">
-            <a:hlinkClick r:id="rId3"/>
-            <a:extLst>
-              <a:ext uri="{FF2B5EF4-FFF2-40B4-BE49-F238E27FC236}">
-                <a16:creationId xmlns:a16="http://schemas.microsoft.com/office/drawing/2014/main" id="{8A2C8EBA-A7F5-441A-A4E3-9164BB3EEEE2}"/>
-              </a:ext>
-            </a:extLst>
-          </p:cNvPr>
-          <p:cNvSpPr>
-            <a:spLocks noChangeAspect="1" noChangeArrowheads="1"/>
-          </p:cNvSpPr>
-          <p:nvPr/>
-        </p:nvSpPr>
-        <p:spPr bwMode="auto">
-          <a:xfrm>
-            <a:off x="5943600" y="3276600"/>
-            <a:ext cx="2319454" cy="2319454"/>
-          </a:xfrm>
-          <a:prstGeom prst="rect">
-            <a:avLst/>
-          </a:prstGeom>
-          <a:noFill/>
-          <a:extLst>
-            <a:ext uri="{909E8E84-426E-40DD-AFC4-6F175D3DCCD1}">
-              <a14:hiddenFill xmlns:a14="http://schemas.microsoft.com/office/drawing/2010/main">
-                <a:solidFill>
-                  <a:srgbClr val="FFFFFF"/>
-                </a:solidFill>
-              </a14:hiddenFill>
-            </a:ext>
-          </a:extLst>
-        </p:spPr>
-        <p:txBody>
-          <a:bodyPr vert="horz" wrap="square" lIns="91440" tIns="45720" rIns="91440" bIns="45720" numCol="1" anchor="t" anchorCtr="0" compatLnSpc="1">
-            <a:prstTxWarp prst="textNoShape">
-              <a:avLst/>
-            </a:prstTxWarp>
-          </a:bodyPr>
-          <a:lstStyle/>
-          <a:p>
-            <a:endParaRPr lang="en-US" dirty="0"/>
-          </a:p>
-        </p:txBody>
-      </p:sp>
     </p:spTree>
     <p:extLst>
       <p:ext uri="{BB962C8B-B14F-4D97-AF65-F5344CB8AC3E}">
-        <p14:creationId xmlns:p14="http://schemas.microsoft.com/office/powerpoint/2010/main" val="243376257"/>
+        <p14:creationId xmlns:p14="http://schemas.microsoft.com/office/powerpoint/2010/main" val="277091970"/>
       </p:ext>
     </p:extLst>
   </p:cSld>
@@ -4596,113 +4554,67 @@
       </p:grpSpPr>
       <p:sp>
         <p:nvSpPr>
-          <p:cNvPr id="9" name="Rectangle 8">
-            <a:extLst>
-              <a:ext uri="{FF2B5EF4-FFF2-40B4-BE49-F238E27FC236}">
-                <a16:creationId xmlns:a16="http://schemas.microsoft.com/office/drawing/2014/main" id="{A4AC5506-6312-4701-8D3C-40187889A947}"/>
-              </a:ext>
-              <a:ext uri="{C183D7F6-B498-43B3-948B-1728B52AA6E4}">
-                <adec:decorative xmlns:adec="http://schemas.microsoft.com/office/drawing/2017/decorative" val="1"/>
-              </a:ext>
-            </a:extLst>
-          </p:cNvPr>
-          <p:cNvSpPr>
-            <a:spLocks noGrp="1" noRot="1" noChangeAspect="1" noMove="1" noResize="1" noEditPoints="1" noAdjustHandles="1" noChangeArrowheads="1" noChangeShapeType="1" noTextEdit="1"/>
-          </p:cNvSpPr>
-          <p:nvPr>
-            <p:extLst>
-              <p:ext uri="{386F3935-93C4-4BCD-93E2-E3B085C9AB24}">
-                <p16:designElem xmlns:p16="http://schemas.microsoft.com/office/powerpoint/2015/main" val="1"/>
-              </p:ext>
-            </p:extLst>
+          <p:cNvPr id="5" name="Title 4">
+            <a:extLst>
+              <a:ext uri="{FF2B5EF4-FFF2-40B4-BE49-F238E27FC236}">
+                <a16:creationId xmlns:a16="http://schemas.microsoft.com/office/drawing/2014/main" id="{9874EAE7-54D3-499D-B98D-FFEF43624B64}"/>
+              </a:ext>
+            </a:extLst>
+          </p:cNvPr>
+          <p:cNvSpPr>
+            <a:spLocks noGrp="1"/>
+          </p:cNvSpPr>
+          <p:nvPr>
+            <p:ph type="title"/>
           </p:nvPr>
         </p:nvSpPr>
         <p:spPr>
           <a:xfrm>
-            <a:off x="0" y="651752"/>
-            <a:ext cx="12192000" cy="736551"/>
+            <a:off x="640080" y="2074363"/>
+            <a:ext cx="2752354" cy="2709275"/>
           </a:xfrm>
-          <a:prstGeom prst="rect">
+          <a:prstGeom prst="ellipse">
             <a:avLst/>
           </a:prstGeom>
           <a:solidFill>
-            <a:schemeClr val="tx1"/>
+            <a:schemeClr val="tx1">
+              <a:lumMod val="85000"/>
+              <a:lumOff val="15000"/>
+            </a:schemeClr>
           </a:solidFill>
-          <a:ln>
-            <a:noFill/>
+          <a:ln w="174625" cmpd="thinThick">
+            <a:solidFill>
+              <a:schemeClr val="tx1">
+                <a:lumMod val="85000"/>
+                <a:lumOff val="15000"/>
+              </a:schemeClr>
+            </a:solidFill>
           </a:ln>
         </p:spPr>
-        <p:style>
-          <a:lnRef idx="2">
-            <a:schemeClr val="accent1">
-              <a:shade val="50000"/>
-            </a:schemeClr>
-          </a:lnRef>
-          <a:fillRef idx="1">
-            <a:schemeClr val="accent1"/>
-          </a:fillRef>
-          <a:effectRef idx="0">
-            <a:schemeClr val="accent1"/>
-          </a:effectRef>
-          <a:fontRef idx="minor">
-            <a:schemeClr val="lt1"/>
-          </a:fontRef>
-        </p:style>
-        <p:txBody>
-          <a:bodyPr rtlCol="0" anchor="ctr"/>
-          <a:lstStyle/>
-          <a:p>
-            <a:pPr algn="ctr"/>
-            <a:endParaRPr lang="en-US"/>
-          </a:p>
-        </p:txBody>
-      </p:sp>
-      <p:sp>
-        <p:nvSpPr>
-          <p:cNvPr id="2" name="Title 1">
-            <a:extLst>
-              <a:ext uri="{FF2B5EF4-FFF2-40B4-BE49-F238E27FC236}">
-                <a16:creationId xmlns:a16="http://schemas.microsoft.com/office/drawing/2014/main" id="{EBACFD87-F8C0-4C29-8518-162668A783E2}"/>
-              </a:ext>
-            </a:extLst>
-          </p:cNvPr>
-          <p:cNvSpPr>
-            <a:spLocks noGrp="1"/>
-          </p:cNvSpPr>
-          <p:nvPr>
-            <p:ph type="title"/>
-          </p:nvPr>
-        </p:nvSpPr>
-        <p:spPr>
-          <a:xfrm>
-            <a:off x="556532" y="643467"/>
-            <a:ext cx="11210925" cy="744836"/>
-          </a:xfrm>
-        </p:spPr>
-        <p:txBody>
-          <a:bodyPr>
+        <p:txBody>
+          <a:bodyPr anchor="ctr">
             <a:normAutofit/>
           </a:bodyPr>
           <a:lstStyle/>
           <a:p>
             <a:pPr algn="ctr"/>
             <a:r>
-              <a:rPr lang="en-US" sz="3200" dirty="0">
+              <a:rPr lang="en-US" sz="2600" dirty="0">
                 <a:solidFill>
                   <a:schemeClr val="bg1"/>
                 </a:solidFill>
               </a:rPr>
-              <a:t>Manslaughter/Murder vs. Humidity</a:t>
+              <a:t>Insight of code used for weather data</a:t>
             </a:r>
           </a:p>
         </p:txBody>
       </p:sp>
       <p:pic>
         <p:nvPicPr>
-          <p:cNvPr id="4" name="Picture 3">
-            <a:extLst>
-              <a:ext uri="{FF2B5EF4-FFF2-40B4-BE49-F238E27FC236}">
-                <a16:creationId xmlns:a16="http://schemas.microsoft.com/office/drawing/2014/main" id="{8EA1EBB5-E4DC-4410-8ECF-4EE8BA023CEC}"/>
+          <p:cNvPr id="7" name="Picture 6">
+            <a:extLst>
+              <a:ext uri="{FF2B5EF4-FFF2-40B4-BE49-F238E27FC236}">
+                <a16:creationId xmlns:a16="http://schemas.microsoft.com/office/drawing/2014/main" id="{05B381FC-0FA9-4BC7-9D7D-89220E6A5AAB}"/>
               </a:ext>
             </a:extLst>
           </p:cNvPr>
@@ -4725,8 +4637,8 @@
         </p:blipFill>
         <p:spPr>
           <a:xfrm>
-            <a:off x="1862254" y="1675227"/>
-            <a:ext cx="7939668" cy="4714422"/>
+            <a:off x="4038600" y="1360699"/>
+            <a:ext cx="7188199" cy="4133213"/>
           </a:xfrm>
           <a:prstGeom prst="rect">
             <a:avLst/>
@@ -4736,7 +4648,7 @@
     </p:spTree>
     <p:extLst>
       <p:ext uri="{BB962C8B-B14F-4D97-AF65-F5344CB8AC3E}">
-        <p14:creationId xmlns:p14="http://schemas.microsoft.com/office/powerpoint/2010/main" val="277091970"/>
+        <p14:creationId xmlns:p14="http://schemas.microsoft.com/office/powerpoint/2010/main" val="1706252375"/>
       </p:ext>
     </p:extLst>
   </p:cSld>
@@ -4773,137 +4685,6 @@
       </p:grpSpPr>
       <p:sp>
         <p:nvSpPr>
-          <p:cNvPr id="5" name="Title 4">
-            <a:extLst>
-              <a:ext uri="{FF2B5EF4-FFF2-40B4-BE49-F238E27FC236}">
-                <a16:creationId xmlns:a16="http://schemas.microsoft.com/office/drawing/2014/main" id="{9874EAE7-54D3-499D-B98D-FFEF43624B64}"/>
-              </a:ext>
-            </a:extLst>
-          </p:cNvPr>
-          <p:cNvSpPr>
-            <a:spLocks noGrp="1"/>
-          </p:cNvSpPr>
-          <p:nvPr>
-            <p:ph type="title"/>
-          </p:nvPr>
-        </p:nvSpPr>
-        <p:spPr>
-          <a:xfrm>
-            <a:off x="640080" y="2074363"/>
-            <a:ext cx="2752354" cy="2709275"/>
-          </a:xfrm>
-          <a:prstGeom prst="ellipse">
-            <a:avLst/>
-          </a:prstGeom>
-          <a:solidFill>
-            <a:schemeClr val="tx1">
-              <a:lumMod val="85000"/>
-              <a:lumOff val="15000"/>
-            </a:schemeClr>
-          </a:solidFill>
-          <a:ln w="174625" cmpd="thinThick">
-            <a:solidFill>
-              <a:schemeClr val="tx1">
-                <a:lumMod val="85000"/>
-                <a:lumOff val="15000"/>
-              </a:schemeClr>
-            </a:solidFill>
-          </a:ln>
-        </p:spPr>
-        <p:txBody>
-          <a:bodyPr anchor="ctr">
-            <a:normAutofit/>
-          </a:bodyPr>
-          <a:lstStyle/>
-          <a:p>
-            <a:pPr algn="ctr"/>
-            <a:r>
-              <a:rPr lang="en-US" sz="2600" dirty="0">
-                <a:solidFill>
-                  <a:schemeClr val="bg1"/>
-                </a:solidFill>
-              </a:rPr>
-              <a:t>Insight of code used for weather data</a:t>
-            </a:r>
-          </a:p>
-        </p:txBody>
-      </p:sp>
-      <p:pic>
-        <p:nvPicPr>
-          <p:cNvPr id="7" name="Picture 6">
-            <a:extLst>
-              <a:ext uri="{FF2B5EF4-FFF2-40B4-BE49-F238E27FC236}">
-                <a16:creationId xmlns:a16="http://schemas.microsoft.com/office/drawing/2014/main" id="{05B381FC-0FA9-4BC7-9D7D-89220E6A5AAB}"/>
-              </a:ext>
-            </a:extLst>
-          </p:cNvPr>
-          <p:cNvPicPr>
-            <a:picLocks noChangeAspect="1"/>
-          </p:cNvPicPr>
-          <p:nvPr/>
-        </p:nvPicPr>
-        <p:blipFill>
-          <a:blip r:embed="rId2">
-            <a:extLst>
-              <a:ext uri="{28A0092B-C50C-407E-A947-70E740481C1C}">
-                <a14:useLocalDpi xmlns:a14="http://schemas.microsoft.com/office/drawing/2010/main" val="0"/>
-              </a:ext>
-            </a:extLst>
-          </a:blip>
-          <a:stretch>
-            <a:fillRect/>
-          </a:stretch>
-        </p:blipFill>
-        <p:spPr>
-          <a:xfrm>
-            <a:off x="4038600" y="1360699"/>
-            <a:ext cx="7188199" cy="4133213"/>
-          </a:xfrm>
-          <a:prstGeom prst="rect">
-            <a:avLst/>
-          </a:prstGeom>
-        </p:spPr>
-      </p:pic>
-    </p:spTree>
-    <p:extLst>
-      <p:ext uri="{BB962C8B-B14F-4D97-AF65-F5344CB8AC3E}">
-        <p14:creationId xmlns:p14="http://schemas.microsoft.com/office/powerpoint/2010/main" val="1706252375"/>
-      </p:ext>
-    </p:extLst>
-  </p:cSld>
-  <p:clrMapOvr>
-    <a:masterClrMapping/>
-  </p:clrMapOvr>
-</p:sld>
-</file>
-
-<file path=ppt/slides/slide13.xml><?xml version="1.0" encoding="utf-8"?>
-<p:sld xmlns:a="http://schemas.openxmlformats.org/drawingml/2006/main" xmlns:r="http://schemas.openxmlformats.org/officeDocument/2006/relationships" xmlns:p="http://schemas.openxmlformats.org/presentationml/2006/main">
-  <p:cSld>
-    <p:bg>
-      <p:bgPr>
-        <a:solidFill>
-          <a:schemeClr val="bg1"/>
-        </a:solidFill>
-        <a:effectLst/>
-      </p:bgPr>
-    </p:bg>
-    <p:spTree>
-      <p:nvGrpSpPr>
-        <p:cNvPr id="1" name=""/>
-        <p:cNvGrpSpPr/>
-        <p:nvPr/>
-      </p:nvGrpSpPr>
-      <p:grpSpPr>
-        <a:xfrm>
-          <a:off x="0" y="0"/>
-          <a:ext cx="0" cy="0"/>
-          <a:chOff x="0" y="0"/>
-          <a:chExt cx="0" cy="0"/>
-        </a:xfrm>
-      </p:grpSpPr>
-      <p:sp>
-        <p:nvSpPr>
           <p:cNvPr id="2" name="Title 1">
             <a:extLst>
               <a:ext uri="{FF2B5EF4-FFF2-40B4-BE49-F238E27FC236}">
@@ -5008,7 +4789,7 @@
 </p:sld>
 </file>
 
-<file path=ppt/slides/slide14.xml><?xml version="1.0" encoding="utf-8"?>
+<file path=ppt/slides/slide13.xml><?xml version="1.0" encoding="utf-8"?>
 <p:sld xmlns:a="http://schemas.openxmlformats.org/drawingml/2006/main" xmlns:r="http://schemas.openxmlformats.org/officeDocument/2006/relationships" xmlns:p="http://schemas.openxmlformats.org/presentationml/2006/main">
   <p:cSld>
     <p:bg>
@@ -5164,43 +4945,6 @@
           </a:prstGeom>
         </p:spPr>
       </p:pic>
-      <p:sp>
-        <p:nvSpPr>
-          <p:cNvPr id="2" name="Title 1">
-            <a:extLst>
-              <a:ext uri="{FF2B5EF4-FFF2-40B4-BE49-F238E27FC236}">
-                <a16:creationId xmlns:a16="http://schemas.microsoft.com/office/drawing/2014/main" id="{C2AA903B-41DE-40D6-B62B-68F012FC41AF}"/>
-              </a:ext>
-            </a:extLst>
-          </p:cNvPr>
-          <p:cNvSpPr>
-            <a:spLocks noGrp="1"/>
-          </p:cNvSpPr>
-          <p:nvPr>
-            <p:ph type="title"/>
-          </p:nvPr>
-        </p:nvSpPr>
-        <p:spPr>
-          <a:xfrm>
-            <a:off x="6585882" y="4267832"/>
-            <a:ext cx="4805996" cy="1401448"/>
-          </a:xfrm>
-        </p:spPr>
-        <p:txBody>
-          <a:bodyPr vert="horz" lIns="91440" tIns="45720" rIns="91440" bIns="45720" rtlCol="0" anchor="t">
-            <a:normAutofit/>
-          </a:bodyPr>
-          <a:lstStyle/>
-          <a:p>
-            <a:endParaRPr lang="en-US" sz="1800" dirty="0">
-              <a:solidFill>
-                <a:srgbClr val="000000"/>
-              </a:solidFill>
-              <a:latin typeface="Bahnschrift SemiLight" panose="020B0502040204020203" pitchFamily="34" charset="0"/>
-            </a:endParaRPr>
-          </a:p>
-        </p:txBody>
-      </p:sp>
       <p:sp>
         <p:nvSpPr>
           <p:cNvPr id="15" name="Freeform 49">
@@ -8741,10 +8485,10 @@
       </p:sp>
       <p:pic>
         <p:nvPicPr>
-          <p:cNvPr id="6" name="Picture 5">
-            <a:extLst>
-              <a:ext uri="{FF2B5EF4-FFF2-40B4-BE49-F238E27FC236}">
-                <a16:creationId xmlns:a16="http://schemas.microsoft.com/office/drawing/2014/main" id="{BBCC2697-B456-44F1-A0B0-C8410C899AA7}"/>
+          <p:cNvPr id="7" name="Picture 6">
+            <a:extLst>
+              <a:ext uri="{FF2B5EF4-FFF2-40B4-BE49-F238E27FC236}">
+                <a16:creationId xmlns:a16="http://schemas.microsoft.com/office/drawing/2014/main" id="{7C9DAEF3-D3EA-4FB5-910C-8774D0D8FDAC}"/>
               </a:ext>
             </a:extLst>
           </p:cNvPr>
@@ -8767,8 +8511,8 @@
         </p:blipFill>
         <p:spPr>
           <a:xfrm>
-            <a:off x="1851102" y="1613577"/>
-            <a:ext cx="8541835" cy="4965643"/>
+            <a:off x="1828800" y="1898074"/>
+            <a:ext cx="8108557" cy="4752108"/>
           </a:xfrm>
           <a:prstGeom prst="rect">
             <a:avLst/>
@@ -8918,10 +8662,10 @@
       </p:sp>
       <p:pic>
         <p:nvPicPr>
-          <p:cNvPr id="4" name="Picture 3">
-            <a:extLst>
-              <a:ext uri="{FF2B5EF4-FFF2-40B4-BE49-F238E27FC236}">
-                <a16:creationId xmlns:a16="http://schemas.microsoft.com/office/drawing/2014/main" id="{69B1F701-6F27-4588-85B2-3B7ECCC5369A}"/>
+          <p:cNvPr id="5" name="Picture 4">
+            <a:extLst>
+              <a:ext uri="{FF2B5EF4-FFF2-40B4-BE49-F238E27FC236}">
+                <a16:creationId xmlns:a16="http://schemas.microsoft.com/office/drawing/2014/main" id="{A3BE44B3-70CD-44E7-B4F2-216AF1D5CD01}"/>
               </a:ext>
             </a:extLst>
           </p:cNvPr>
@@ -8944,8 +8688,8 @@
         </p:blipFill>
         <p:spPr>
           <a:xfrm>
-            <a:off x="2330605" y="1494263"/>
-            <a:ext cx="8363415" cy="5084957"/>
+            <a:off x="1911927" y="1745673"/>
+            <a:ext cx="7952509" cy="4904509"/>
           </a:xfrm>
           <a:prstGeom prst="rect">
             <a:avLst/>
@@ -9095,10 +8839,10 @@
       </p:sp>
       <p:pic>
         <p:nvPicPr>
-          <p:cNvPr id="4" name="Picture 3">
-            <a:extLst>
-              <a:ext uri="{FF2B5EF4-FFF2-40B4-BE49-F238E27FC236}">
-                <a16:creationId xmlns:a16="http://schemas.microsoft.com/office/drawing/2014/main" id="{C0CB5235-DCC8-45A2-B321-8A4C646D7DCE}"/>
+          <p:cNvPr id="5" name="Picture 4">
+            <a:extLst>
+              <a:ext uri="{FF2B5EF4-FFF2-40B4-BE49-F238E27FC236}">
+                <a16:creationId xmlns:a16="http://schemas.microsoft.com/office/drawing/2014/main" id="{B947B844-A31C-452C-B628-8A8E4207FFFF}"/>
               </a:ext>
             </a:extLst>
           </p:cNvPr>
@@ -9121,8 +8865,8 @@
         </p:blipFill>
         <p:spPr>
           <a:xfrm>
-            <a:off x="1984917" y="1675227"/>
-            <a:ext cx="7772400" cy="4948597"/>
+            <a:off x="1274619" y="1817119"/>
+            <a:ext cx="9365672" cy="5040881"/>
           </a:xfrm>
           <a:prstGeom prst="rect">
             <a:avLst/>
